--- a/resources/Suit Database.pptx
+++ b/resources/Suit Database.pptx
@@ -8,13 +8,15 @@
   <p:sldIdLst>
     <p:sldId id="257" r:id="rId3"/>
     <p:sldId id="258" r:id="rId4"/>
-    <p:sldId id="259" r:id="rId5"/>
-    <p:sldId id="260" r:id="rId6"/>
-    <p:sldId id="261" r:id="rId7"/>
-    <p:sldId id="262" r:id="rId8"/>
-    <p:sldId id="263" r:id="rId9"/>
-    <p:sldId id="264" r:id="rId10"/>
-    <p:sldId id="265" r:id="rId11"/>
+    <p:sldId id="267" r:id="rId5"/>
+    <p:sldId id="259" r:id="rId6"/>
+    <p:sldId id="260" r:id="rId7"/>
+    <p:sldId id="261" r:id="rId8"/>
+    <p:sldId id="262" r:id="rId9"/>
+    <p:sldId id="263" r:id="rId10"/>
+    <p:sldId id="264" r:id="rId11"/>
+    <p:sldId id="265" r:id="rId12"/>
+    <p:sldId id="268" r:id="rId13"/>
   </p:sldIdLst>
   <p:sldSz cx="12192000" cy="6858000"/>
   <p:notesSz cx="6858000" cy="9144000"/>
@@ -113,6 +115,11 @@
       </a:defRPr>
     </a:lvl9pPr>
   </p:defaultTextStyle>
+  <p:extLst>
+    <p:ext uri="{EFAFB233-063F-42B5-8137-9DF3F51BA10A}">
+      <p15:sldGuideLst xmlns:p15="http://schemas.microsoft.com/office/powerpoint/2012/main"/>
+    </p:ext>
+  </p:extLst>
 </p:presentation>
 </file>
 
@@ -258,7 +265,7 @@
           <a:p>
             <a:fld id="{6705913C-D455-491B-A56E-B276DCE62E7A}" type="datetimeFigureOut">
               <a:rPr lang="it-IT" smtClean="0"/>
-              <a:t>21/02/2019</a:t>
+              <a:t>22/02/2019</a:t>
             </a:fld>
             <a:endParaRPr lang="it-IT"/>
           </a:p>
@@ -428,7 +435,7 @@
           <a:p>
             <a:fld id="{6705913C-D455-491B-A56E-B276DCE62E7A}" type="datetimeFigureOut">
               <a:rPr lang="it-IT" smtClean="0"/>
-              <a:t>21/02/2019</a:t>
+              <a:t>22/02/2019</a:t>
             </a:fld>
             <a:endParaRPr lang="it-IT"/>
           </a:p>
@@ -608,7 +615,7 @@
           <a:p>
             <a:fld id="{6705913C-D455-491B-A56E-B276DCE62E7A}" type="datetimeFigureOut">
               <a:rPr lang="it-IT" smtClean="0"/>
-              <a:t>21/02/2019</a:t>
+              <a:t>22/02/2019</a:t>
             </a:fld>
             <a:endParaRPr lang="it-IT"/>
           </a:p>
@@ -838,7 +845,7 @@
           <a:p>
             <a:fld id="{6705913C-D455-491B-A56E-B276DCE62E7A}" type="datetimeFigureOut">
               <a:rPr lang="it-IT" smtClean="0"/>
-              <a:t>21/02/2019</a:t>
+              <a:t>22/02/2019</a:t>
             </a:fld>
             <a:endParaRPr lang="it-IT"/>
           </a:p>
@@ -1163,7 +1170,7 @@
           <a:p>
             <a:fld id="{6705913C-D455-491B-A56E-B276DCE62E7A}" type="datetimeFigureOut">
               <a:rPr lang="it-IT" smtClean="0"/>
-              <a:t>21/02/2019</a:t>
+              <a:t>22/02/2019</a:t>
             </a:fld>
             <a:endParaRPr lang="it-IT"/>
           </a:p>
@@ -1440,7 +1447,7 @@
           <a:p>
             <a:fld id="{6705913C-D455-491B-A56E-B276DCE62E7A}" type="datetimeFigureOut">
               <a:rPr lang="it-IT" smtClean="0"/>
-              <a:t>21/02/2019</a:t>
+              <a:t>22/02/2019</a:t>
             </a:fld>
             <a:endParaRPr lang="it-IT"/>
           </a:p>
@@ -1834,7 +1841,7 @@
           <a:p>
             <a:fld id="{6705913C-D455-491B-A56E-B276DCE62E7A}" type="datetimeFigureOut">
               <a:rPr lang="it-IT" smtClean="0"/>
-              <a:t>21/02/2019</a:t>
+              <a:t>22/02/2019</a:t>
             </a:fld>
             <a:endParaRPr lang="it-IT"/>
           </a:p>
@@ -2311,7 +2318,7 @@
           <a:p>
             <a:fld id="{6705913C-D455-491B-A56E-B276DCE62E7A}" type="datetimeFigureOut">
               <a:rPr lang="it-IT" smtClean="0"/>
-              <a:t>21/02/2019</a:t>
+              <a:t>22/02/2019</a:t>
             </a:fld>
             <a:endParaRPr lang="it-IT"/>
           </a:p>
@@ -2429,7 +2436,7 @@
           <a:p>
             <a:fld id="{6705913C-D455-491B-A56E-B276DCE62E7A}" type="datetimeFigureOut">
               <a:rPr lang="it-IT" smtClean="0"/>
-              <a:t>21/02/2019</a:t>
+              <a:t>22/02/2019</a:t>
             </a:fld>
             <a:endParaRPr lang="it-IT"/>
           </a:p>
@@ -2524,7 +2531,7 @@
           <a:p>
             <a:fld id="{6705913C-D455-491B-A56E-B276DCE62E7A}" type="datetimeFigureOut">
               <a:rPr lang="it-IT" smtClean="0"/>
-              <a:t>21/02/2019</a:t>
+              <a:t>22/02/2019</a:t>
             </a:fld>
             <a:endParaRPr lang="it-IT"/>
           </a:p>
@@ -2870,7 +2877,7 @@
           <a:p>
             <a:fld id="{6705913C-D455-491B-A56E-B276DCE62E7A}" type="datetimeFigureOut">
               <a:rPr lang="it-IT" smtClean="0"/>
-              <a:t>21/02/2019</a:t>
+              <a:t>22/02/2019</a:t>
             </a:fld>
             <a:endParaRPr lang="it-IT"/>
           </a:p>
@@ -3104,7 +3111,7 @@
           <a:p>
             <a:fld id="{6705913C-D455-491B-A56E-B276DCE62E7A}" type="datetimeFigureOut">
               <a:rPr lang="it-IT" smtClean="0"/>
-              <a:t>21/02/2019</a:t>
+              <a:t>22/02/2019</a:t>
             </a:fld>
             <a:endParaRPr lang="it-IT"/>
           </a:p>
@@ -3428,7 +3435,7 @@
           <a:p>
             <a:fld id="{6705913C-D455-491B-A56E-B276DCE62E7A}" type="datetimeFigureOut">
               <a:rPr lang="it-IT" smtClean="0"/>
-              <a:t>21/02/2019</a:t>
+              <a:t>22/02/2019</a:t>
             </a:fld>
             <a:endParaRPr lang="it-IT"/>
           </a:p>
@@ -3667,7 +3674,7 @@
           <a:p>
             <a:fld id="{6705913C-D455-491B-A56E-B276DCE62E7A}" type="datetimeFigureOut">
               <a:rPr lang="it-IT" smtClean="0"/>
-              <a:t>21/02/2019</a:t>
+              <a:t>22/02/2019</a:t>
             </a:fld>
             <a:endParaRPr lang="it-IT"/>
           </a:p>
@@ -3847,7 +3854,7 @@
           <a:p>
             <a:fld id="{6705913C-D455-491B-A56E-B276DCE62E7A}" type="datetimeFigureOut">
               <a:rPr lang="it-IT" smtClean="0"/>
-              <a:t>21/02/2019</a:t>
+              <a:t>22/02/2019</a:t>
             </a:fld>
             <a:endParaRPr lang="it-IT"/>
           </a:p>
@@ -4098,7 +4105,7 @@
           <a:p>
             <a:fld id="{6705913C-D455-491B-A56E-B276DCE62E7A}" type="datetimeFigureOut">
               <a:rPr lang="it-IT" smtClean="0"/>
-              <a:t>21/02/2019</a:t>
+              <a:t>22/02/2019</a:t>
             </a:fld>
             <a:endParaRPr lang="it-IT"/>
           </a:p>
@@ -4330,7 +4337,7 @@
           <a:p>
             <a:fld id="{6705913C-D455-491B-A56E-B276DCE62E7A}" type="datetimeFigureOut">
               <a:rPr lang="it-IT" smtClean="0"/>
-              <a:t>21/02/2019</a:t>
+              <a:t>22/02/2019</a:t>
             </a:fld>
             <a:endParaRPr lang="it-IT"/>
           </a:p>
@@ -4677,7 +4684,7 @@
           <a:p>
             <a:fld id="{6705913C-D455-491B-A56E-B276DCE62E7A}" type="datetimeFigureOut">
               <a:rPr lang="it-IT" smtClean="0"/>
-              <a:t>21/02/2019</a:t>
+              <a:t>22/02/2019</a:t>
             </a:fld>
             <a:endParaRPr lang="it-IT"/>
           </a:p>
@@ -4795,7 +4802,7 @@
           <a:p>
             <a:fld id="{6705913C-D455-491B-A56E-B276DCE62E7A}" type="datetimeFigureOut">
               <a:rPr lang="it-IT" smtClean="0"/>
-              <a:t>21/02/2019</a:t>
+              <a:t>22/02/2019</a:t>
             </a:fld>
             <a:endParaRPr lang="it-IT"/>
           </a:p>
@@ -4913,7 +4920,7 @@
           <a:p>
             <a:fld id="{6705913C-D455-491B-A56E-B276DCE62E7A}" type="datetimeFigureOut">
               <a:rPr lang="it-IT" smtClean="0"/>
-              <a:t>21/02/2019</a:t>
+              <a:t>22/02/2019</a:t>
             </a:fld>
             <a:endParaRPr lang="it-IT"/>
           </a:p>
@@ -5197,7 +5204,7 @@
           <a:p>
             <a:fld id="{6705913C-D455-491B-A56E-B276DCE62E7A}" type="datetimeFigureOut">
               <a:rPr lang="it-IT" smtClean="0"/>
-              <a:t>21/02/2019</a:t>
+              <a:t>22/02/2019</a:t>
             </a:fld>
             <a:endParaRPr lang="it-IT"/>
           </a:p>
@@ -5461,7 +5468,7 @@
           <a:p>
             <a:fld id="{6705913C-D455-491B-A56E-B276DCE62E7A}" type="datetimeFigureOut">
               <a:rPr lang="it-IT" smtClean="0"/>
-              <a:t>21/02/2019</a:t>
+              <a:t>22/02/2019</a:t>
             </a:fld>
             <a:endParaRPr lang="it-IT"/>
           </a:p>
@@ -5675,7 +5682,7 @@
           <a:p>
             <a:fld id="{6705913C-D455-491B-A56E-B276DCE62E7A}" type="datetimeFigureOut">
               <a:rPr lang="it-IT" smtClean="0"/>
-              <a:t>21/02/2019</a:t>
+              <a:t>22/02/2019</a:t>
             </a:fld>
             <a:endParaRPr lang="it-IT"/>
           </a:p>
@@ -6205,7 +6212,7 @@
           <a:p>
             <a:fld id="{6705913C-D455-491B-A56E-B276DCE62E7A}" type="datetimeFigureOut">
               <a:rPr lang="it-IT" smtClean="0"/>
-              <a:t>21/02/2019</a:t>
+              <a:t>22/02/2019</a:t>
             </a:fld>
             <a:endParaRPr lang="it-IT"/>
           </a:p>
@@ -6729,7 +6736,7 @@
         </p:nvSpPr>
         <p:spPr>
           <a:xfrm>
-            <a:off x="1467729" y="2110155"/>
+            <a:off x="1467729" y="1040005"/>
             <a:ext cx="9144000" cy="2307138"/>
           </a:xfrm>
         </p:spPr>
@@ -6742,52 +6749,779 @@
             <a:r>
               <a:rPr lang="it-IT" dirty="0" smtClean="0">
                 <a:solidFill>
-                  <a:schemeClr val="tx1"/>
-                </a:solidFill>
-                <a:latin typeface="Proxima Nova Rg" panose="02000506030000020004" pitchFamily="2" charset="0"/>
+                  <a:srgbClr val="4F4D46"/>
+                </a:solidFill>
+                <a:latin typeface="Town 40 Stencil" panose="00000500000000000000" pitchFamily="2" charset="0"/>
                 <a:cs typeface="Calibri" panose="020F0502020204030204" pitchFamily="34" charset="0"/>
               </a:rPr>
-              <a:t>Suit Database</a:t>
+              <a:t>Suit</a:t>
             </a:r>
             <a:r>
               <a:rPr lang="it-IT" dirty="0" smtClean="0">
                 <a:solidFill>
-                  <a:schemeClr val="tx1"/>
-                </a:solidFill>
-                <a:latin typeface="Proxima Nova Rg" panose="02000506030000020004" pitchFamily="2" charset="0"/>
+                  <a:srgbClr val="4F4D46"/>
+                </a:solidFill>
+                <a:latin typeface="Town 40 Stencil" panose="00000500000000000000" pitchFamily="2" charset="0"/>
               </a:rPr>
               <a:t/>
             </a:r>
             <a:br>
               <a:rPr lang="it-IT" dirty="0" smtClean="0">
                 <a:solidFill>
-                  <a:schemeClr val="tx1"/>
-                </a:solidFill>
-                <a:latin typeface="Proxima Nova Rg" panose="02000506030000020004" pitchFamily="2" charset="0"/>
+                  <a:srgbClr val="4F4D46"/>
+                </a:solidFill>
+                <a:latin typeface="Town 40 Stencil" panose="00000500000000000000" pitchFamily="2" charset="0"/>
               </a:rPr>
             </a:br>
             <a:r>
               <a:rPr lang="it-IT" sz="4400" dirty="0" smtClean="0">
                 <a:solidFill>
-                  <a:schemeClr val="tx1"/>
-                </a:solidFill>
-                <a:latin typeface="Proxima Nova Rg" panose="02000506030000020004" pitchFamily="2" charset="0"/>
+                  <a:srgbClr val="4F4D46"/>
+                </a:solidFill>
+                <a:latin typeface="Avenir LT Std 35 Light" panose="020B0402020203020204" pitchFamily="34" charset="0"/>
               </a:rPr>
               <a:t>Alternanza scuola-lavoro 2018/2019</a:t>
             </a:r>
             <a:endParaRPr lang="it-IT" sz="4400" dirty="0">
               <a:solidFill>
-                <a:schemeClr val="tx1"/>
+                <a:srgbClr val="4F4D46"/>
               </a:solidFill>
-              <a:latin typeface="Proxima Nova Rg" panose="02000506030000020004" pitchFamily="2" charset="0"/>
+              <a:latin typeface="Avenir LT Std 35 Light" panose="020B0402020203020204" pitchFamily="34" charset="0"/>
             </a:endParaRPr>
           </a:p>
         </p:txBody>
       </p:sp>
+      <p:pic>
+        <p:nvPicPr>
+          <p:cNvPr id="5" name="Immagine 4"/>
+          <p:cNvPicPr>
+            <a:picLocks noChangeAspect="1"/>
+          </p:cNvPicPr>
+          <p:nvPr/>
+        </p:nvPicPr>
+        <p:blipFill>
+          <a:blip r:embed="rId2" cstate="print">
+            <a:duotone>
+              <a:schemeClr val="accent1">
+                <a:shade val="45000"/>
+                <a:satMod val="135000"/>
+              </a:schemeClr>
+              <a:prstClr val="white"/>
+            </a:duotone>
+            <a:extLst>
+              <a:ext uri="{BEBA8EAE-BF5A-486C-A8C5-ECC9F3942E4B}">
+                <a14:imgProps xmlns:a14="http://schemas.microsoft.com/office/drawing/2010/main">
+                  <a14:imgLayer r:embed="rId3">
+                    <a14:imgEffect>
+                      <a14:brightnessContrast bright="-98000" contrast="-1000"/>
+                    </a14:imgEffect>
+                  </a14:imgLayer>
+                </a14:imgProps>
+              </a:ext>
+              <a:ext uri="{28A0092B-C50C-407E-A947-70E740481C1C}">
+                <a14:useLocalDpi xmlns:a14="http://schemas.microsoft.com/office/drawing/2010/main" val="0"/>
+              </a:ext>
+            </a:extLst>
+          </a:blip>
+          <a:stretch>
+            <a:fillRect/>
+          </a:stretch>
+        </p:blipFill>
+        <p:spPr>
+          <a:xfrm>
+            <a:off x="4721469" y="3262735"/>
+            <a:ext cx="2636520" cy="2636520"/>
+          </a:xfrm>
+          <a:prstGeom prst="rect">
+            <a:avLst/>
+          </a:prstGeom>
+          <a:noFill/>
+        </p:spPr>
+      </p:pic>
     </p:spTree>
     <p:extLst>
       <p:ext uri="{BB962C8B-B14F-4D97-AF65-F5344CB8AC3E}">
         <p14:creationId xmlns:p14="http://schemas.microsoft.com/office/powerpoint/2010/main" val="2528410833"/>
+      </p:ext>
+    </p:extLst>
+  </p:cSld>
+  <p:clrMapOvr>
+    <a:masterClrMapping/>
+  </p:clrMapOvr>
+  <p:timing>
+    <p:tnLst>
+      <p:par>
+        <p:cTn id="1" dur="indefinite" restart="never" nodeType="tmRoot"/>
+      </p:par>
+    </p:tnLst>
+  </p:timing>
+</p:sld>
+</file>
+
+<file path=ppt/slides/slide10.xml><?xml version="1.0" encoding="utf-8"?>
+<p:sld xmlns:a="http://schemas.openxmlformats.org/drawingml/2006/main" xmlns:r="http://schemas.openxmlformats.org/officeDocument/2006/relationships" xmlns:p="http://schemas.openxmlformats.org/presentationml/2006/main">
+  <p:cSld>
+    <p:spTree>
+      <p:nvGrpSpPr>
+        <p:cNvPr id="1" name=""/>
+        <p:cNvGrpSpPr/>
+        <p:nvPr/>
+      </p:nvGrpSpPr>
+      <p:grpSpPr>
+        <a:xfrm>
+          <a:off x="0" y="0"/>
+          <a:ext cx="0" cy="0"/>
+          <a:chOff x="0" y="0"/>
+          <a:chExt cx="0" cy="0"/>
+        </a:xfrm>
+      </p:grpSpPr>
+      <p:sp>
+        <p:nvSpPr>
+          <p:cNvPr id="2" name="Titolo 1"/>
+          <p:cNvSpPr>
+            <a:spLocks noGrp="1"/>
+          </p:cNvSpPr>
+          <p:nvPr>
+            <p:ph type="title"/>
+          </p:nvPr>
+        </p:nvSpPr>
+        <p:spPr>
+          <a:xfrm>
+            <a:off x="1024576" y="497682"/>
+            <a:ext cx="11019378" cy="745218"/>
+          </a:xfrm>
+        </p:spPr>
+        <p:txBody>
+          <a:bodyPr>
+            <a:noAutofit/>
+          </a:bodyPr>
+          <a:lstStyle/>
+          <a:p>
+            <a:r>
+              <a:rPr lang="it-IT" sz="3400" b="1" dirty="0">
+                <a:solidFill>
+                  <a:srgbClr val="000000"/>
+                </a:solidFill>
+                <a:latin typeface="Avenir LT Std 35 Light" panose="020B0402020203020204" pitchFamily="34" charset="0"/>
+              </a:rPr>
+              <a:t>L’elenco delle azioni </a:t>
+            </a:r>
+            <a:r>
+              <a:rPr lang="it-IT" sz="3400" b="1" dirty="0">
+                <a:solidFill>
+                  <a:srgbClr val="000000"/>
+                </a:solidFill>
+                <a:latin typeface="Times New Roman" panose="02020603050405020304" pitchFamily="18" charset="0"/>
+                <a:cs typeface="Times New Roman" panose="02020603050405020304" pitchFamily="18" charset="0"/>
+              </a:rPr>
+              <a:t>•</a:t>
+            </a:r>
+            <a:r>
+              <a:rPr lang="it-IT" sz="3400" b="1" dirty="0">
+                <a:solidFill>
+                  <a:srgbClr val="000000"/>
+                </a:solidFill>
+                <a:latin typeface="Avenir LT Std 35 Light" panose="020B0402020203020204" pitchFamily="34" charset="0"/>
+              </a:rPr>
+              <a:t> </a:t>
+            </a:r>
+            <a:r>
+              <a:rPr lang="it-IT" sz="3400" b="1" dirty="0" smtClean="0">
+                <a:solidFill>
+                  <a:srgbClr val="000000"/>
+                </a:solidFill>
+                <a:latin typeface="Avenir LT Std 35 Light" panose="020B0402020203020204" pitchFamily="34" charset="0"/>
+              </a:rPr>
+              <a:t>Rimozione del candidato</a:t>
+            </a:r>
+            <a:endParaRPr lang="it-IT" sz="3400" b="1" dirty="0">
+              <a:solidFill>
+                <a:srgbClr val="000000"/>
+              </a:solidFill>
+              <a:latin typeface="Avenir LT Std 35 Light" panose="020B0402020203020204" pitchFamily="34" charset="0"/>
+            </a:endParaRPr>
+          </a:p>
+        </p:txBody>
+      </p:sp>
+      <p:sp>
+        <p:nvSpPr>
+          <p:cNvPr id="3" name="Segnaposto contenuto 2"/>
+          <p:cNvSpPr>
+            <a:spLocks noGrp="1"/>
+          </p:cNvSpPr>
+          <p:nvPr>
+            <p:ph idx="1"/>
+          </p:nvPr>
+        </p:nvSpPr>
+        <p:spPr>
+          <a:xfrm>
+            <a:off x="1024576" y="1407651"/>
+            <a:ext cx="10515600" cy="1322486"/>
+          </a:xfrm>
+        </p:spPr>
+        <p:txBody>
+          <a:bodyPr>
+            <a:normAutofit/>
+          </a:bodyPr>
+          <a:lstStyle/>
+          <a:p>
+            <a:pPr marL="0" indent="0" algn="just">
+              <a:buNone/>
+            </a:pPr>
+            <a:r>
+              <a:rPr lang="it-IT" dirty="0" smtClean="0">
+                <a:solidFill>
+                  <a:srgbClr val="000000"/>
+                </a:solidFill>
+                <a:latin typeface="Avenir LT Std 35 Light" panose="020B0402020203020204" pitchFamily="34" charset="0"/>
+              </a:rPr>
+              <a:t>Il pulsante consente di rimuovere il candidato dall’elenco. Verrà mostrato un messaggio di conferma. Sarà possibile, attraverso i filtri, visualizzare anche i candidati rimossi. </a:t>
+            </a:r>
+            <a:endParaRPr lang="it-IT" dirty="0">
+              <a:solidFill>
+                <a:srgbClr val="000000"/>
+              </a:solidFill>
+              <a:latin typeface="Avenir LT Std 35 Light" panose="020B0402020203020204" pitchFamily="34" charset="0"/>
+            </a:endParaRPr>
+          </a:p>
+        </p:txBody>
+      </p:sp>
+      <p:sp>
+        <p:nvSpPr>
+          <p:cNvPr id="9" name="Segnaposto contenuto 2"/>
+          <p:cNvSpPr txBox="1">
+            <a:spLocks/>
+          </p:cNvSpPr>
+          <p:nvPr/>
+        </p:nvSpPr>
+        <p:spPr>
+          <a:xfrm>
+            <a:off x="9399908" y="6486123"/>
+            <a:ext cx="2782619" cy="361406"/>
+          </a:xfrm>
+          <a:prstGeom prst="rect">
+            <a:avLst/>
+          </a:prstGeom>
+        </p:spPr>
+        <p:txBody>
+          <a:bodyPr vert="horz" lIns="91440" tIns="45720" rIns="91440" bIns="45720" rtlCol="0">
+            <a:noAutofit/>
+          </a:bodyPr>
+          <a:lstStyle>
+            <a:lvl1pPr marL="228600" indent="-228600" algn="l" defTabSz="914400" rtl="0" eaLnBrk="1" latinLnBrk="0" hangingPunct="1">
+              <a:lnSpc>
+                <a:spcPct val="90000"/>
+              </a:lnSpc>
+              <a:spcBef>
+                <a:spcPts val="1000"/>
+              </a:spcBef>
+              <a:buFont typeface="Arial" panose="020B0604020202020204" pitchFamily="34" charset="0"/>
+              <a:buChar char="•"/>
+              <a:defRPr sz="2800" kern="1200">
+                <a:solidFill>
+                  <a:schemeClr val="tx1"/>
+                </a:solidFill>
+                <a:latin typeface="+mn-lt"/>
+                <a:ea typeface="+mn-ea"/>
+                <a:cs typeface="+mn-cs"/>
+              </a:defRPr>
+            </a:lvl1pPr>
+            <a:lvl2pPr marL="685800" indent="-228600" algn="l" defTabSz="914400" rtl="0" eaLnBrk="1" latinLnBrk="0" hangingPunct="1">
+              <a:lnSpc>
+                <a:spcPct val="90000"/>
+              </a:lnSpc>
+              <a:spcBef>
+                <a:spcPts val="500"/>
+              </a:spcBef>
+              <a:buFont typeface="Arial" panose="020B0604020202020204" pitchFamily="34" charset="0"/>
+              <a:buChar char="•"/>
+              <a:defRPr sz="2400" kern="1200">
+                <a:solidFill>
+                  <a:schemeClr val="tx1"/>
+                </a:solidFill>
+                <a:latin typeface="+mn-lt"/>
+                <a:ea typeface="+mn-ea"/>
+                <a:cs typeface="+mn-cs"/>
+              </a:defRPr>
+            </a:lvl2pPr>
+            <a:lvl3pPr marL="1143000" indent="-228600" algn="l" defTabSz="914400" rtl="0" eaLnBrk="1" latinLnBrk="0" hangingPunct="1">
+              <a:lnSpc>
+                <a:spcPct val="90000"/>
+              </a:lnSpc>
+              <a:spcBef>
+                <a:spcPts val="500"/>
+              </a:spcBef>
+              <a:buFont typeface="Arial" panose="020B0604020202020204" pitchFamily="34" charset="0"/>
+              <a:buChar char="•"/>
+              <a:defRPr sz="2000" kern="1200">
+                <a:solidFill>
+                  <a:schemeClr val="tx1"/>
+                </a:solidFill>
+                <a:latin typeface="+mn-lt"/>
+                <a:ea typeface="+mn-ea"/>
+                <a:cs typeface="+mn-cs"/>
+              </a:defRPr>
+            </a:lvl3pPr>
+            <a:lvl4pPr marL="1600200" indent="-228600" algn="l" defTabSz="914400" rtl="0" eaLnBrk="1" latinLnBrk="0" hangingPunct="1">
+              <a:lnSpc>
+                <a:spcPct val="90000"/>
+              </a:lnSpc>
+              <a:spcBef>
+                <a:spcPts val="500"/>
+              </a:spcBef>
+              <a:buFont typeface="Arial" panose="020B0604020202020204" pitchFamily="34" charset="0"/>
+              <a:buChar char="•"/>
+              <a:defRPr sz="1800" kern="1200">
+                <a:solidFill>
+                  <a:schemeClr val="tx1"/>
+                </a:solidFill>
+                <a:latin typeface="+mn-lt"/>
+                <a:ea typeface="+mn-ea"/>
+                <a:cs typeface="+mn-cs"/>
+              </a:defRPr>
+            </a:lvl4pPr>
+            <a:lvl5pPr marL="2057400" indent="-228600" algn="l" defTabSz="914400" rtl="0" eaLnBrk="1" latinLnBrk="0" hangingPunct="1">
+              <a:lnSpc>
+                <a:spcPct val="90000"/>
+              </a:lnSpc>
+              <a:spcBef>
+                <a:spcPts val="500"/>
+              </a:spcBef>
+              <a:buFont typeface="Arial" panose="020B0604020202020204" pitchFamily="34" charset="0"/>
+              <a:buChar char="•"/>
+              <a:defRPr sz="1800" kern="1200">
+                <a:solidFill>
+                  <a:schemeClr val="tx1"/>
+                </a:solidFill>
+                <a:latin typeface="+mn-lt"/>
+                <a:ea typeface="+mn-ea"/>
+                <a:cs typeface="+mn-cs"/>
+              </a:defRPr>
+            </a:lvl5pPr>
+            <a:lvl6pPr marL="2514600" indent="-228600" algn="l" defTabSz="914400" rtl="0" eaLnBrk="1" latinLnBrk="0" hangingPunct="1">
+              <a:lnSpc>
+                <a:spcPct val="90000"/>
+              </a:lnSpc>
+              <a:spcBef>
+                <a:spcPts val="500"/>
+              </a:spcBef>
+              <a:buFont typeface="Arial" panose="020B0604020202020204" pitchFamily="34" charset="0"/>
+              <a:buChar char="•"/>
+              <a:defRPr sz="1800" kern="1200">
+                <a:solidFill>
+                  <a:schemeClr val="tx1"/>
+                </a:solidFill>
+                <a:latin typeface="+mn-lt"/>
+                <a:ea typeface="+mn-ea"/>
+                <a:cs typeface="+mn-cs"/>
+              </a:defRPr>
+            </a:lvl6pPr>
+            <a:lvl7pPr marL="2971800" indent="-228600" algn="l" defTabSz="914400" rtl="0" eaLnBrk="1" latinLnBrk="0" hangingPunct="1">
+              <a:lnSpc>
+                <a:spcPct val="90000"/>
+              </a:lnSpc>
+              <a:spcBef>
+                <a:spcPts val="500"/>
+              </a:spcBef>
+              <a:buFont typeface="Arial" panose="020B0604020202020204" pitchFamily="34" charset="0"/>
+              <a:buChar char="•"/>
+              <a:defRPr sz="1800" kern="1200">
+                <a:solidFill>
+                  <a:schemeClr val="tx1"/>
+                </a:solidFill>
+                <a:latin typeface="+mn-lt"/>
+                <a:ea typeface="+mn-ea"/>
+                <a:cs typeface="+mn-cs"/>
+              </a:defRPr>
+            </a:lvl7pPr>
+            <a:lvl8pPr marL="3429000" indent="-228600" algn="l" defTabSz="914400" rtl="0" eaLnBrk="1" latinLnBrk="0" hangingPunct="1">
+              <a:lnSpc>
+                <a:spcPct val="90000"/>
+              </a:lnSpc>
+              <a:spcBef>
+                <a:spcPts val="500"/>
+              </a:spcBef>
+              <a:buFont typeface="Arial" panose="020B0604020202020204" pitchFamily="34" charset="0"/>
+              <a:buChar char="•"/>
+              <a:defRPr sz="1800" kern="1200">
+                <a:solidFill>
+                  <a:schemeClr val="tx1"/>
+                </a:solidFill>
+                <a:latin typeface="+mn-lt"/>
+                <a:ea typeface="+mn-ea"/>
+                <a:cs typeface="+mn-cs"/>
+              </a:defRPr>
+            </a:lvl8pPr>
+            <a:lvl9pPr marL="3886200" indent="-228600" algn="l" defTabSz="914400" rtl="0" eaLnBrk="1" latinLnBrk="0" hangingPunct="1">
+              <a:lnSpc>
+                <a:spcPct val="90000"/>
+              </a:lnSpc>
+              <a:spcBef>
+                <a:spcPts val="500"/>
+              </a:spcBef>
+              <a:buFont typeface="Arial" panose="020B0604020202020204" pitchFamily="34" charset="0"/>
+              <a:buChar char="•"/>
+              <a:defRPr sz="1800" kern="1200">
+                <a:solidFill>
+                  <a:schemeClr val="tx1"/>
+                </a:solidFill>
+                <a:latin typeface="+mn-lt"/>
+                <a:ea typeface="+mn-ea"/>
+                <a:cs typeface="+mn-cs"/>
+              </a:defRPr>
+            </a:lvl9pPr>
+          </a:lstStyle>
+          <a:p>
+            <a:pPr marL="0" indent="0" algn="just">
+              <a:buFont typeface="Arial" panose="020B0604020202020204" pitchFamily="34" charset="0"/>
+              <a:buNone/>
+            </a:pPr>
+            <a:r>
+              <a:rPr lang="it-IT" sz="1600" b="1" dirty="0" smtClean="0">
+                <a:solidFill>
+                  <a:srgbClr val="000000"/>
+                </a:solidFill>
+                <a:latin typeface="Avenir LT Std 35 Light" panose="020B0402020203020204" pitchFamily="34" charset="0"/>
+              </a:rPr>
+              <a:t>In fase di implementazione</a:t>
+            </a:r>
+            <a:endParaRPr lang="it-IT" sz="1600" b="1" dirty="0">
+              <a:solidFill>
+                <a:srgbClr val="000000"/>
+              </a:solidFill>
+              <a:latin typeface="Avenir LT Std 35 Light" panose="020B0402020203020204" pitchFamily="34" charset="0"/>
+            </a:endParaRPr>
+          </a:p>
+        </p:txBody>
+      </p:sp>
+      <p:pic>
+        <p:nvPicPr>
+          <p:cNvPr id="7" name="Immagine 6"/>
+          <p:cNvPicPr>
+            <a:picLocks noChangeAspect="1"/>
+          </p:cNvPicPr>
+          <p:nvPr/>
+        </p:nvPicPr>
+        <p:blipFill rotWithShape="1">
+          <a:blip r:embed="rId2"/>
+          <a:srcRect l="83047" t="57409" r="14096" b="37078"/>
+          <a:stretch/>
+        </p:blipFill>
+        <p:spPr>
+          <a:xfrm>
+            <a:off x="10719893" y="310447"/>
+            <a:ext cx="829994" cy="900014"/>
+          </a:xfrm>
+          <a:prstGeom prst="rect">
+            <a:avLst/>
+          </a:prstGeom>
+          <a:ln>
+            <a:noFill/>
+          </a:ln>
+          <a:effectLst>
+            <a:softEdge rad="112500"/>
+          </a:effectLst>
+        </p:spPr>
+      </p:pic>
+      <p:pic>
+        <p:nvPicPr>
+          <p:cNvPr id="8" name="Immagine 7"/>
+          <p:cNvPicPr>
+            <a:picLocks noChangeAspect="1"/>
+          </p:cNvPicPr>
+          <p:nvPr/>
+        </p:nvPicPr>
+        <p:blipFill rotWithShape="1">
+          <a:blip r:embed="rId3"/>
+          <a:srcRect l="31264" t="32247" r="32542" b="44506"/>
+          <a:stretch/>
+        </p:blipFill>
+        <p:spPr>
+          <a:xfrm>
+            <a:off x="2618204" y="2977933"/>
+            <a:ext cx="7328343" cy="2646357"/>
+          </a:xfrm>
+          <a:prstGeom prst="rect">
+            <a:avLst/>
+          </a:prstGeom>
+        </p:spPr>
+      </p:pic>
+      <p:pic>
+        <p:nvPicPr>
+          <p:cNvPr id="10" name="Immagine 9"/>
+          <p:cNvPicPr>
+            <a:picLocks noChangeAspect="1"/>
+          </p:cNvPicPr>
+          <p:nvPr/>
+        </p:nvPicPr>
+        <p:blipFill>
+          <a:blip r:embed="rId4" cstate="print">
+            <a:duotone>
+              <a:schemeClr val="accent1">
+                <a:shade val="45000"/>
+                <a:satMod val="135000"/>
+              </a:schemeClr>
+              <a:prstClr val="white"/>
+            </a:duotone>
+            <a:extLst>
+              <a:ext uri="{BEBA8EAE-BF5A-486C-A8C5-ECC9F3942E4B}">
+                <a14:imgProps xmlns:a14="http://schemas.microsoft.com/office/drawing/2010/main">
+                  <a14:imgLayer r:embed="rId5">
+                    <a14:imgEffect>
+                      <a14:brightnessContrast bright="-98000" contrast="-1000"/>
+                    </a14:imgEffect>
+                  </a14:imgLayer>
+                </a14:imgProps>
+              </a:ext>
+              <a:ext uri="{28A0092B-C50C-407E-A947-70E740481C1C}">
+                <a14:useLocalDpi xmlns:a14="http://schemas.microsoft.com/office/drawing/2010/main" val="0"/>
+              </a:ext>
+            </a:extLst>
+          </a:blip>
+          <a:stretch>
+            <a:fillRect/>
+          </a:stretch>
+        </p:blipFill>
+        <p:spPr>
+          <a:xfrm>
+            <a:off x="-1584" y="6357256"/>
+            <a:ext cx="500743" cy="500743"/>
+          </a:xfrm>
+          <a:prstGeom prst="rect">
+            <a:avLst/>
+          </a:prstGeom>
+          <a:noFill/>
+        </p:spPr>
+      </p:pic>
+    </p:spTree>
+    <p:extLst>
+      <p:ext uri="{BB962C8B-B14F-4D97-AF65-F5344CB8AC3E}">
+        <p14:creationId xmlns:p14="http://schemas.microsoft.com/office/powerpoint/2010/main" val="531481449"/>
+      </p:ext>
+    </p:extLst>
+  </p:cSld>
+  <p:clrMapOvr>
+    <a:masterClrMapping/>
+  </p:clrMapOvr>
+  <p:timing>
+    <p:tnLst>
+      <p:par>
+        <p:cTn id="1" dur="indefinite" restart="never" nodeType="tmRoot"/>
+      </p:par>
+    </p:tnLst>
+  </p:timing>
+</p:sld>
+</file>
+
+<file path=ppt/slides/slide11.xml><?xml version="1.0" encoding="utf-8"?>
+<p:sld xmlns:a="http://schemas.openxmlformats.org/drawingml/2006/main" xmlns:r="http://schemas.openxmlformats.org/officeDocument/2006/relationships" xmlns:p="http://schemas.openxmlformats.org/presentationml/2006/main">
+  <p:cSld>
+    <p:spTree>
+      <p:nvGrpSpPr>
+        <p:cNvPr id="1" name=""/>
+        <p:cNvGrpSpPr/>
+        <p:nvPr/>
+      </p:nvGrpSpPr>
+      <p:grpSpPr>
+        <a:xfrm>
+          <a:off x="0" y="0"/>
+          <a:ext cx="0" cy="0"/>
+          <a:chOff x="0" y="0"/>
+          <a:chExt cx="0" cy="0"/>
+        </a:xfrm>
+      </p:grpSpPr>
+      <p:sp>
+        <p:nvSpPr>
+          <p:cNvPr id="2" name="Titolo 1"/>
+          <p:cNvSpPr>
+            <a:spLocks noGrp="1"/>
+          </p:cNvSpPr>
+          <p:nvPr>
+            <p:ph type="title"/>
+          </p:nvPr>
+        </p:nvSpPr>
+        <p:spPr>
+          <a:xfrm>
+            <a:off x="1024576" y="497682"/>
+            <a:ext cx="11019378" cy="745218"/>
+          </a:xfrm>
+        </p:spPr>
+        <p:txBody>
+          <a:bodyPr>
+            <a:noAutofit/>
+          </a:bodyPr>
+          <a:lstStyle/>
+          <a:p>
+            <a:r>
+              <a:rPr lang="it-IT" sz="3400" b="1" dirty="0" smtClean="0">
+                <a:solidFill>
+                  <a:srgbClr val="000000"/>
+                </a:solidFill>
+                <a:latin typeface="Avenir LT Std 35 Light" panose="020B0402020203020204" pitchFamily="34" charset="0"/>
+              </a:rPr>
+              <a:t>Conclusioni</a:t>
+            </a:r>
+            <a:endParaRPr lang="it-IT" sz="3400" b="1" dirty="0">
+              <a:solidFill>
+                <a:srgbClr val="000000"/>
+              </a:solidFill>
+              <a:latin typeface="Avenir LT Std 35 Light" panose="020B0402020203020204" pitchFamily="34" charset="0"/>
+            </a:endParaRPr>
+          </a:p>
+        </p:txBody>
+      </p:sp>
+      <p:sp>
+        <p:nvSpPr>
+          <p:cNvPr id="3" name="Segnaposto contenuto 2"/>
+          <p:cNvSpPr>
+            <a:spLocks noGrp="1"/>
+          </p:cNvSpPr>
+          <p:nvPr>
+            <p:ph idx="1"/>
+          </p:nvPr>
+        </p:nvSpPr>
+        <p:spPr>
+          <a:xfrm>
+            <a:off x="1024576" y="1407650"/>
+            <a:ext cx="10515600" cy="4379195"/>
+          </a:xfrm>
+        </p:spPr>
+        <p:txBody>
+          <a:bodyPr>
+            <a:normAutofit/>
+          </a:bodyPr>
+          <a:lstStyle/>
+          <a:p>
+            <a:pPr marL="0" indent="0" algn="just">
+              <a:buNone/>
+            </a:pPr>
+            <a:r>
+              <a:rPr lang="it-IT" dirty="0" smtClean="0">
+                <a:solidFill>
+                  <a:srgbClr val="000000"/>
+                </a:solidFill>
+                <a:latin typeface="Avenir LT Std 35 Light" panose="020B0402020203020204" pitchFamily="34" charset="0"/>
+              </a:rPr>
+              <a:t>Il nostro software, dunque, ha lo scopo di facilitare la gestione dell’elenco dei candidati registrati dall’azienda.</a:t>
+            </a:r>
+          </a:p>
+          <a:p>
+            <a:pPr marL="0" indent="0" algn="just">
+              <a:buNone/>
+            </a:pPr>
+            <a:r>
+              <a:rPr lang="it-IT" dirty="0" smtClean="0">
+                <a:solidFill>
+                  <a:srgbClr val="000000"/>
+                </a:solidFill>
+                <a:latin typeface="Avenir LT Std 35 Light" panose="020B0402020203020204" pitchFamily="34" charset="0"/>
+              </a:rPr>
+              <a:t>Future implementazioni:</a:t>
+            </a:r>
+          </a:p>
+          <a:p>
+            <a:pPr lvl="1" algn="just"/>
+            <a:r>
+              <a:rPr lang="it-IT" dirty="0" smtClean="0">
+                <a:solidFill>
+                  <a:srgbClr val="000000"/>
+                </a:solidFill>
+                <a:latin typeface="Avenir LT Std 35 Light" panose="020B0402020203020204" pitchFamily="34" charset="0"/>
+              </a:rPr>
+              <a:t>Aggiunta, modifica e rimozione del candidato;</a:t>
+            </a:r>
+          </a:p>
+          <a:p>
+            <a:pPr lvl="1" algn="just"/>
+            <a:r>
+              <a:rPr lang="it-IT" dirty="0" smtClean="0">
+                <a:solidFill>
+                  <a:srgbClr val="000000"/>
+                </a:solidFill>
+                <a:latin typeface="Avenir LT Std 35 Light" panose="020B0402020203020204" pitchFamily="34" charset="0"/>
+              </a:rPr>
+              <a:t>Log-in con autenticazione;</a:t>
+            </a:r>
+          </a:p>
+          <a:p>
+            <a:pPr lvl="1" algn="just"/>
+            <a:r>
+              <a:rPr lang="it-IT" dirty="0" smtClean="0">
+                <a:solidFill>
+                  <a:srgbClr val="000000"/>
+                </a:solidFill>
+                <a:latin typeface="Avenir LT Std 35 Light" panose="020B0402020203020204" pitchFamily="34" charset="0"/>
+              </a:rPr>
+              <a:t>Aggiunta di nuovi filtri.</a:t>
+            </a:r>
+          </a:p>
+          <a:p>
+            <a:pPr marL="0" indent="0" algn="just">
+              <a:buNone/>
+            </a:pPr>
+            <a:r>
+              <a:rPr lang="it-IT" dirty="0" smtClean="0">
+                <a:solidFill>
+                  <a:srgbClr val="000000"/>
+                </a:solidFill>
+                <a:latin typeface="Avenir LT Std 35 Light" panose="020B0402020203020204" pitchFamily="34" charset="0"/>
+              </a:rPr>
+              <a:t>L’applicazione potrà essere aggiornata in seguito per consentire di gestire non solo i candidati, ma l’intero personale dell’azienda.</a:t>
+            </a:r>
+          </a:p>
+        </p:txBody>
+      </p:sp>
+      <p:pic>
+        <p:nvPicPr>
+          <p:cNvPr id="11" name="Immagine 10"/>
+          <p:cNvPicPr>
+            <a:picLocks noChangeAspect="1"/>
+          </p:cNvPicPr>
+          <p:nvPr/>
+        </p:nvPicPr>
+        <p:blipFill>
+          <a:blip r:embed="rId2" cstate="print">
+            <a:duotone>
+              <a:schemeClr val="accent1">
+                <a:shade val="45000"/>
+                <a:satMod val="135000"/>
+              </a:schemeClr>
+              <a:prstClr val="white"/>
+            </a:duotone>
+            <a:extLst>
+              <a:ext uri="{BEBA8EAE-BF5A-486C-A8C5-ECC9F3942E4B}">
+                <a14:imgProps xmlns:a14="http://schemas.microsoft.com/office/drawing/2010/main">
+                  <a14:imgLayer r:embed="rId3">
+                    <a14:imgEffect>
+                      <a14:brightnessContrast bright="-98000" contrast="-1000"/>
+                    </a14:imgEffect>
+                  </a14:imgLayer>
+                </a14:imgProps>
+              </a:ext>
+              <a:ext uri="{28A0092B-C50C-407E-A947-70E740481C1C}">
+                <a14:useLocalDpi xmlns:a14="http://schemas.microsoft.com/office/drawing/2010/main" val="0"/>
+              </a:ext>
+            </a:extLst>
+          </a:blip>
+          <a:stretch>
+            <a:fillRect/>
+          </a:stretch>
+        </p:blipFill>
+        <p:spPr>
+          <a:xfrm>
+            <a:off x="-1584" y="6357256"/>
+            <a:ext cx="500743" cy="500743"/>
+          </a:xfrm>
+          <a:prstGeom prst="rect">
+            <a:avLst/>
+          </a:prstGeom>
+          <a:noFill/>
+        </p:spPr>
+      </p:pic>
+    </p:spTree>
+    <p:extLst>
+      <p:ext uri="{BB962C8B-B14F-4D97-AF65-F5344CB8AC3E}">
+        <p14:creationId xmlns:p14="http://schemas.microsoft.com/office/powerpoint/2010/main" val="4151915046"/>
       </p:ext>
     </p:extLst>
   </p:cSld>
@@ -6850,7 +7584,7 @@
                 </a:solidFill>
                 <a:latin typeface="Avenir LT Std 35 Light" panose="020B0402020203020204" pitchFamily="34" charset="0"/>
               </a:rPr>
-              <a:t>Che cos’è Suit Database?</a:t>
+              <a:t>Che cos’è «Suit»?</a:t>
             </a:r>
             <a:endParaRPr lang="it-IT" sz="3600" b="1" dirty="0">
               <a:solidFill>
@@ -6874,7 +7608,7 @@
         <p:spPr>
           <a:xfrm>
             <a:off x="1024576" y="1407651"/>
-            <a:ext cx="10515600" cy="497475"/>
+            <a:ext cx="10515600" cy="1635995"/>
           </a:xfrm>
         </p:spPr>
         <p:txBody>
@@ -6893,7 +7627,25 @@
                 </a:solidFill>
                 <a:latin typeface="Avenir LT Std 35 Light" panose="020B0402020203020204" pitchFamily="34" charset="0"/>
               </a:rPr>
-              <a:t>Suit Database è il nostro software di gestione delle </a:t>
+              <a:t>«Suit» è la nostra web </a:t>
+            </a:r>
+            <a:r>
+              <a:rPr lang="it-IT" dirty="0" err="1" smtClean="0">
+                <a:solidFill>
+                  <a:srgbClr val="000000"/>
+                </a:solidFill>
+                <a:latin typeface="Avenir LT Std 35 Light" panose="020B0402020203020204" pitchFamily="34" charset="0"/>
+              </a:rPr>
+              <a:t>app</a:t>
+            </a:r>
+            <a:r>
+              <a:rPr lang="it-IT" dirty="0" smtClean="0">
+                <a:solidFill>
+                  <a:srgbClr val="000000"/>
+                </a:solidFill>
+                <a:latin typeface="Avenir LT Std 35 Light" panose="020B0402020203020204" pitchFamily="34" charset="0"/>
+              </a:rPr>
+              <a:t> di gestione delle </a:t>
             </a:r>
             <a:r>
               <a:rPr lang="it-IT" b="1" i="1" dirty="0" smtClean="0">
@@ -6911,7 +7663,7 @@
                 </a:solidFill>
                 <a:latin typeface="Avenir LT Std 35 Light" panose="020B0402020203020204" pitchFamily="34" charset="0"/>
               </a:rPr>
-              <a:t>.</a:t>
+              <a:t> con l’obiettivo di facilitare l’individuazione di potenziali candidati per l’assunzione in azienda.</a:t>
             </a:r>
             <a:endParaRPr lang="it-IT" dirty="0">
               <a:solidFill>
@@ -6937,12 +7689,59 @@
         </p:blipFill>
         <p:spPr>
           <a:xfrm>
-            <a:off x="1116016" y="2231698"/>
-            <a:ext cx="10522468" cy="3999285"/>
+            <a:off x="1116016" y="2272937"/>
+            <a:ext cx="10522468" cy="3958046"/>
           </a:xfrm>
           <a:prstGeom prst="rect">
             <a:avLst/>
           </a:prstGeom>
+        </p:spPr>
+      </p:pic>
+      <p:pic>
+        <p:nvPicPr>
+          <p:cNvPr id="5" name="Immagine 4"/>
+          <p:cNvPicPr>
+            <a:picLocks noChangeAspect="1"/>
+          </p:cNvPicPr>
+          <p:nvPr/>
+        </p:nvPicPr>
+        <p:blipFill>
+          <a:blip r:embed="rId3" cstate="print">
+            <a:duotone>
+              <a:schemeClr val="accent1">
+                <a:shade val="45000"/>
+                <a:satMod val="135000"/>
+              </a:schemeClr>
+              <a:prstClr val="white"/>
+            </a:duotone>
+            <a:extLst>
+              <a:ext uri="{BEBA8EAE-BF5A-486C-A8C5-ECC9F3942E4B}">
+                <a14:imgProps xmlns:a14="http://schemas.microsoft.com/office/drawing/2010/main">
+                  <a14:imgLayer r:embed="rId4">
+                    <a14:imgEffect>
+                      <a14:brightnessContrast bright="-98000" contrast="-1000"/>
+                    </a14:imgEffect>
+                  </a14:imgLayer>
+                </a14:imgProps>
+              </a:ext>
+              <a:ext uri="{28A0092B-C50C-407E-A947-70E740481C1C}">
+                <a14:useLocalDpi xmlns:a14="http://schemas.microsoft.com/office/drawing/2010/main" val="0"/>
+              </a:ext>
+            </a:extLst>
+          </a:blip>
+          <a:stretch>
+            <a:fillRect/>
+          </a:stretch>
+        </p:blipFill>
+        <p:spPr>
+          <a:xfrm>
+            <a:off x="-1584" y="6357256"/>
+            <a:ext cx="500743" cy="500743"/>
+          </a:xfrm>
+          <a:prstGeom prst="rect">
+            <a:avLst/>
+          </a:prstGeom>
+          <a:noFill/>
         </p:spPr>
       </p:pic>
     </p:spTree>
@@ -6994,8 +7793,8 @@
         </p:nvSpPr>
         <p:spPr>
           <a:xfrm>
-            <a:off x="1024576" y="497682"/>
-            <a:ext cx="8223733" cy="745218"/>
+            <a:off x="1371600" y="442948"/>
+            <a:ext cx="3108960" cy="594360"/>
           </a:xfrm>
         </p:spPr>
         <p:txBody>
@@ -7011,7 +7810,7 @@
                 </a:solidFill>
                 <a:latin typeface="Avenir LT Std 35 Light" panose="020B0402020203020204" pitchFamily="34" charset="0"/>
               </a:rPr>
-              <a:t>Come funziona?</a:t>
+              <a:t>Com’è fatto?</a:t>
             </a:r>
             <a:endParaRPr lang="it-IT" sz="3600" b="1" dirty="0">
               <a:solidFill>
@@ -7024,92 +7823,543 @@
       </p:sp>
       <p:sp>
         <p:nvSpPr>
-          <p:cNvPr id="3" name="Segnaposto contenuto 2"/>
-          <p:cNvSpPr>
-            <a:spLocks noGrp="1"/>
-          </p:cNvSpPr>
-          <p:nvPr>
-            <p:ph idx="1"/>
-          </p:nvPr>
-        </p:nvSpPr>
-        <p:spPr>
-          <a:xfrm>
-            <a:off x="1024576" y="1407651"/>
-            <a:ext cx="10515600" cy="1322486"/>
-          </a:xfrm>
-        </p:spPr>
-        <p:txBody>
-          <a:bodyPr>
-            <a:normAutofit/>
-          </a:bodyPr>
+          <p:cNvPr id="22" name="Freccia bidirezionale orizzontale 21"/>
+          <p:cNvSpPr/>
+          <p:nvPr/>
+        </p:nvSpPr>
+        <p:spPr>
+          <a:xfrm>
+            <a:off x="5227829" y="3130260"/>
+            <a:ext cx="2342778" cy="502825"/>
+          </a:xfrm>
+          <a:prstGeom prst="leftRightArrow">
+            <a:avLst>
+              <a:gd name="adj1" fmla="val 55196"/>
+              <a:gd name="adj2" fmla="val 50000"/>
+            </a:avLst>
+          </a:prstGeom>
+          <a:noFill/>
+          <a:ln>
+            <a:solidFill>
+              <a:srgbClr val="4F4D46"/>
+            </a:solidFill>
+          </a:ln>
+        </p:spPr>
+        <p:style>
+          <a:lnRef idx="2">
+            <a:schemeClr val="accent1">
+              <a:shade val="50000"/>
+            </a:schemeClr>
+          </a:lnRef>
+          <a:fillRef idx="1">
+            <a:schemeClr val="accent1"/>
+          </a:fillRef>
+          <a:effectRef idx="0">
+            <a:schemeClr val="accent1"/>
+          </a:effectRef>
+          <a:fontRef idx="minor">
+            <a:schemeClr val="lt1"/>
+          </a:fontRef>
+        </p:style>
+        <p:txBody>
+          <a:bodyPr rtlCol="0" anchor="ctr"/>
           <a:lstStyle/>
           <a:p>
-            <a:pPr marL="0" indent="0" algn="just">
-              <a:buNone/>
-            </a:pPr>
-            <a:r>
-              <a:rPr lang="it-IT" dirty="0" smtClean="0">
-                <a:solidFill>
-                  <a:srgbClr val="000000"/>
-                </a:solidFill>
-                <a:latin typeface="Avenir LT Std 35 Light" panose="020B0402020203020204" pitchFamily="34" charset="0"/>
-              </a:rPr>
-              <a:t>La web </a:t>
-            </a:r>
-            <a:r>
-              <a:rPr lang="it-IT" dirty="0" err="1" smtClean="0">
-                <a:solidFill>
-                  <a:srgbClr val="000000"/>
-                </a:solidFill>
-                <a:latin typeface="Avenir LT Std 35 Light" panose="020B0402020203020204" pitchFamily="34" charset="0"/>
-              </a:rPr>
-              <a:t>app</a:t>
-            </a:r>
-            <a:r>
-              <a:rPr lang="it-IT" dirty="0" smtClean="0">
-                <a:solidFill>
-                  <a:srgbClr val="000000"/>
-                </a:solidFill>
-                <a:latin typeface="Avenir LT Std 35 Light" panose="020B0402020203020204" pitchFamily="34" charset="0"/>
-              </a:rPr>
-              <a:t> è composta da una parte superiore, contenente la barra di ricerca e il pannello dei filtri, e una parte centrale contenente la tabella di tutti i candidati.</a:t>
-            </a:r>
-            <a:endParaRPr lang="it-IT" dirty="0">
+            <a:pPr algn="ctr"/>
+            <a:endParaRPr lang="it-IT"/>
+          </a:p>
+        </p:txBody>
+      </p:sp>
+      <p:grpSp>
+        <p:nvGrpSpPr>
+          <p:cNvPr id="27" name="Gruppo 26"/>
+          <p:cNvGrpSpPr/>
+          <p:nvPr/>
+        </p:nvGrpSpPr>
+        <p:grpSpPr>
+          <a:xfrm>
+            <a:off x="896686" y="1548882"/>
+            <a:ext cx="4314067" cy="3703146"/>
+            <a:chOff x="1015075" y="1934925"/>
+            <a:chExt cx="4314067" cy="3703146"/>
+          </a:xfrm>
+        </p:grpSpPr>
+        <p:sp>
+          <p:nvSpPr>
+            <p:cNvPr id="19" name="Ovale 18"/>
+            <p:cNvSpPr/>
+            <p:nvPr/>
+          </p:nvSpPr>
+          <p:spPr>
+            <a:xfrm rot="8402822" flipH="1">
+              <a:off x="1015075" y="1934925"/>
+              <a:ext cx="4314067" cy="3703146"/>
+            </a:xfrm>
+            <a:prstGeom prst="ellipse">
+              <a:avLst/>
+            </a:prstGeom>
+            <a:solidFill>
+              <a:schemeClr val="tx2">
+                <a:lumMod val="20000"/>
+                <a:lumOff val="80000"/>
+              </a:schemeClr>
+            </a:solidFill>
+            <a:ln>
               <a:solidFill>
-                <a:srgbClr val="000000"/>
+                <a:schemeClr val="tx1"/>
               </a:solidFill>
-              <a:latin typeface="Avenir LT Std 35 Light" panose="020B0402020203020204" pitchFamily="34" charset="0"/>
-            </a:endParaRPr>
-          </a:p>
-        </p:txBody>
-      </p:sp>
+            </a:ln>
+          </p:spPr>
+          <p:style>
+            <a:lnRef idx="2">
+              <a:schemeClr val="accent1">
+                <a:shade val="50000"/>
+              </a:schemeClr>
+            </a:lnRef>
+            <a:fillRef idx="1">
+              <a:schemeClr val="accent1"/>
+            </a:fillRef>
+            <a:effectRef idx="0">
+              <a:schemeClr val="accent1"/>
+            </a:effectRef>
+            <a:fontRef idx="minor">
+              <a:schemeClr val="lt1"/>
+            </a:fontRef>
+          </p:style>
+          <p:txBody>
+            <a:bodyPr rtlCol="0" anchor="ctr"/>
+            <a:lstStyle/>
+            <a:p>
+              <a:pPr algn="ctr"/>
+              <a:endParaRPr lang="it-IT"/>
+            </a:p>
+          </p:txBody>
+        </p:sp>
+        <p:pic>
+          <p:nvPicPr>
+            <p:cNvPr id="6" name="Immagine 5"/>
+            <p:cNvPicPr>
+              <a:picLocks noChangeAspect="1"/>
+            </p:cNvPicPr>
+            <p:nvPr/>
+          </p:nvPicPr>
+          <p:blipFill>
+            <a:blip r:embed="rId2" cstate="print">
+              <a:extLst>
+                <a:ext uri="{28A0092B-C50C-407E-A947-70E740481C1C}">
+                  <a14:useLocalDpi xmlns:a14="http://schemas.microsoft.com/office/drawing/2010/main" val="0"/>
+                </a:ext>
+              </a:extLst>
+            </a:blip>
+            <a:stretch>
+              <a:fillRect/>
+            </a:stretch>
+          </p:blipFill>
+          <p:spPr>
+            <a:xfrm>
+              <a:off x="1520486" y="3314442"/>
+              <a:ext cx="2139198" cy="2133835"/>
+            </a:xfrm>
+            <a:prstGeom prst="rect">
+              <a:avLst/>
+            </a:prstGeom>
+          </p:spPr>
+        </p:pic>
+        <p:pic>
+          <p:nvPicPr>
+            <p:cNvPr id="8" name="Immagine 7"/>
+            <p:cNvPicPr>
+              <a:picLocks noChangeAspect="1"/>
+            </p:cNvPicPr>
+            <p:nvPr/>
+          </p:nvPicPr>
+          <p:blipFill>
+            <a:blip r:embed="rId3">
+              <a:extLst>
+                <a:ext uri="{28A0092B-C50C-407E-A947-70E740481C1C}">
+                  <a14:useLocalDpi xmlns:a14="http://schemas.microsoft.com/office/drawing/2010/main" val="0"/>
+                </a:ext>
+              </a:extLst>
+            </a:blip>
+            <a:stretch>
+              <a:fillRect/>
+            </a:stretch>
+          </p:blipFill>
+          <p:spPr>
+            <a:xfrm>
+              <a:off x="3505628" y="2145154"/>
+              <a:ext cx="1097881" cy="1097881"/>
+            </a:xfrm>
+            <a:prstGeom prst="rect">
+              <a:avLst/>
+            </a:prstGeom>
+          </p:spPr>
+        </p:pic>
+      </p:grpSp>
       <p:pic>
         <p:nvPicPr>
-          <p:cNvPr id="7" name="Immagine 6"/>
+          <p:cNvPr id="9" name="Immagine 8"/>
           <p:cNvPicPr>
             <a:picLocks noChangeAspect="1"/>
           </p:cNvPicPr>
           <p:nvPr/>
         </p:nvPicPr>
         <p:blipFill rotWithShape="1">
-          <a:blip r:embed="rId2"/>
-          <a:srcRect t="17839" b="14560"/>
+          <a:blip r:embed="rId4" cstate="print">
+            <a:extLst>
+              <a:ext uri="{28A0092B-C50C-407E-A947-70E740481C1C}">
+                <a14:useLocalDpi xmlns:a14="http://schemas.microsoft.com/office/drawing/2010/main" val="0"/>
+              </a:ext>
+            </a:extLst>
+          </a:blip>
+          <a:srcRect l="25333" t="25496" r="25333" b="25170"/>
           <a:stretch/>
         </p:blipFill>
         <p:spPr>
           <a:xfrm>
-            <a:off x="1116016" y="2231698"/>
-            <a:ext cx="10522468" cy="3999285"/>
+            <a:off x="1103967" y="5156236"/>
+            <a:ext cx="630283" cy="630283"/>
           </a:xfrm>
           <a:prstGeom prst="rect">
             <a:avLst/>
           </a:prstGeom>
+        </p:spPr>
+      </p:pic>
+      <p:pic>
+        <p:nvPicPr>
+          <p:cNvPr id="10" name="Immagine 9"/>
+          <p:cNvPicPr>
+            <a:picLocks noChangeAspect="1"/>
+          </p:cNvPicPr>
+          <p:nvPr/>
+        </p:nvPicPr>
+        <p:blipFill>
+          <a:blip r:embed="rId5">
+            <a:extLst>
+              <a:ext uri="{28A0092B-C50C-407E-A947-70E740481C1C}">
+                <a14:useLocalDpi xmlns:a14="http://schemas.microsoft.com/office/drawing/2010/main" val="0"/>
+              </a:ext>
+            </a:extLst>
+          </a:blip>
+          <a:stretch>
+            <a:fillRect/>
+          </a:stretch>
+        </p:blipFill>
+        <p:spPr>
+          <a:xfrm>
+            <a:off x="5489110" y="2429377"/>
+            <a:ext cx="1849985" cy="1849985"/>
+          </a:xfrm>
+          <a:prstGeom prst="rect">
+            <a:avLst/>
+          </a:prstGeom>
+        </p:spPr>
+      </p:pic>
+      <p:pic>
+        <p:nvPicPr>
+          <p:cNvPr id="12" name="Immagine 11"/>
+          <p:cNvPicPr>
+            <a:picLocks noChangeAspect="1"/>
+          </p:cNvPicPr>
+          <p:nvPr/>
+        </p:nvPicPr>
+        <p:blipFill>
+          <a:blip r:embed="rId6" cstate="print">
+            <a:extLst>
+              <a:ext uri="{28A0092B-C50C-407E-A947-70E740481C1C}">
+                <a14:useLocalDpi xmlns:a14="http://schemas.microsoft.com/office/drawing/2010/main" val="0"/>
+              </a:ext>
+            </a:extLst>
+          </a:blip>
+          <a:stretch>
+            <a:fillRect/>
+          </a:stretch>
+        </p:blipFill>
+        <p:spPr>
+          <a:xfrm>
+            <a:off x="4762145" y="5081361"/>
+            <a:ext cx="3289490" cy="1681295"/>
+          </a:xfrm>
+          <a:prstGeom prst="rect">
+            <a:avLst/>
+          </a:prstGeom>
+        </p:spPr>
+      </p:pic>
+      <p:grpSp>
+        <p:nvGrpSpPr>
+          <p:cNvPr id="26" name="Gruppo 25"/>
+          <p:cNvGrpSpPr/>
+          <p:nvPr/>
+        </p:nvGrpSpPr>
+        <p:grpSpPr>
+          <a:xfrm>
+            <a:off x="7598790" y="1395897"/>
+            <a:ext cx="4314067" cy="3703146"/>
+            <a:chOff x="7494267" y="1934925"/>
+            <a:chExt cx="4314067" cy="3703146"/>
+          </a:xfrm>
+        </p:grpSpPr>
+        <p:sp>
+          <p:nvSpPr>
+            <p:cNvPr id="18" name="Ovale 17"/>
+            <p:cNvSpPr/>
+            <p:nvPr/>
+          </p:nvSpPr>
+          <p:spPr>
+            <a:xfrm rot="13197178">
+              <a:off x="7494267" y="1934925"/>
+              <a:ext cx="4314067" cy="3703146"/>
+            </a:xfrm>
+            <a:prstGeom prst="ellipse">
+              <a:avLst/>
+            </a:prstGeom>
+            <a:solidFill>
+              <a:schemeClr val="tx2">
+                <a:lumMod val="20000"/>
+                <a:lumOff val="80000"/>
+              </a:schemeClr>
+            </a:solidFill>
+            <a:ln>
+              <a:solidFill>
+                <a:schemeClr val="tx1"/>
+              </a:solidFill>
+            </a:ln>
+          </p:spPr>
+          <p:style>
+            <a:lnRef idx="2">
+              <a:schemeClr val="accent1">
+                <a:shade val="50000"/>
+              </a:schemeClr>
+            </a:lnRef>
+            <a:fillRef idx="1">
+              <a:schemeClr val="accent1"/>
+            </a:fillRef>
+            <a:effectRef idx="0">
+              <a:schemeClr val="accent1"/>
+            </a:effectRef>
+            <a:fontRef idx="minor">
+              <a:schemeClr val="lt1"/>
+            </a:fontRef>
+          </p:style>
+          <p:txBody>
+            <a:bodyPr rtlCol="0" anchor="ctr"/>
+            <a:lstStyle/>
+            <a:p>
+              <a:pPr algn="ctr"/>
+              <a:endParaRPr lang="it-IT"/>
+            </a:p>
+          </p:txBody>
+        </p:sp>
+        <p:pic>
+          <p:nvPicPr>
+            <p:cNvPr id="5" name="Immagine 4"/>
+            <p:cNvPicPr>
+              <a:picLocks noChangeAspect="1"/>
+            </p:cNvPicPr>
+            <p:nvPr/>
+          </p:nvPicPr>
+          <p:blipFill>
+            <a:blip r:embed="rId7">
+              <a:extLst>
+                <a:ext uri="{28A0092B-C50C-407E-A947-70E740481C1C}">
+                  <a14:useLocalDpi xmlns:a14="http://schemas.microsoft.com/office/drawing/2010/main" val="0"/>
+                </a:ext>
+              </a:extLst>
+            </a:blip>
+            <a:stretch>
+              <a:fillRect/>
+            </a:stretch>
+          </p:blipFill>
+          <p:spPr>
+            <a:xfrm>
+              <a:off x="9730273" y="2796262"/>
+              <a:ext cx="1260000" cy="1260000"/>
+            </a:xfrm>
+            <a:prstGeom prst="rect">
+              <a:avLst/>
+            </a:prstGeom>
+          </p:spPr>
+        </p:pic>
+        <p:pic>
+          <p:nvPicPr>
+            <p:cNvPr id="13" name="Immagine 12"/>
+            <p:cNvPicPr>
+              <a:picLocks noChangeAspect="1"/>
+            </p:cNvPicPr>
+            <p:nvPr/>
+          </p:nvPicPr>
+          <p:blipFill>
+            <a:blip r:embed="rId8">
+              <a:extLst>
+                <a:ext uri="{28A0092B-C50C-407E-A947-70E740481C1C}">
+                  <a14:useLocalDpi xmlns:a14="http://schemas.microsoft.com/office/drawing/2010/main" val="0"/>
+                </a:ext>
+              </a:extLst>
+            </a:blip>
+            <a:stretch>
+              <a:fillRect/>
+            </a:stretch>
+          </p:blipFill>
+          <p:spPr>
+            <a:xfrm>
+              <a:off x="8090373" y="2159416"/>
+              <a:ext cx="1617979" cy="1617979"/>
+            </a:xfrm>
+            <a:prstGeom prst="rect">
+              <a:avLst/>
+            </a:prstGeom>
+          </p:spPr>
+        </p:pic>
+        <p:pic>
+          <p:nvPicPr>
+            <p:cNvPr id="14" name="Immagine 13"/>
+            <p:cNvPicPr>
+              <a:picLocks noChangeAspect="1"/>
+            </p:cNvPicPr>
+            <p:nvPr/>
+          </p:nvPicPr>
+          <p:blipFill>
+            <a:blip r:embed="rId9" cstate="print">
+              <a:extLst>
+                <a:ext uri="{28A0092B-C50C-407E-A947-70E740481C1C}">
+                  <a14:useLocalDpi xmlns:a14="http://schemas.microsoft.com/office/drawing/2010/main" val="0"/>
+                </a:ext>
+              </a:extLst>
+            </a:blip>
+            <a:stretch>
+              <a:fillRect/>
+            </a:stretch>
+          </p:blipFill>
+          <p:spPr>
+            <a:xfrm>
+              <a:off x="8691231" y="4329681"/>
+              <a:ext cx="1920137" cy="900064"/>
+            </a:xfrm>
+            <a:prstGeom prst="rect">
+              <a:avLst/>
+            </a:prstGeom>
+          </p:spPr>
+        </p:pic>
+      </p:grpSp>
+      <p:sp>
+        <p:nvSpPr>
+          <p:cNvPr id="24" name="CasellaDiTesto 23"/>
+          <p:cNvSpPr txBox="1"/>
+          <p:nvPr/>
+        </p:nvSpPr>
+        <p:spPr>
+          <a:xfrm>
+            <a:off x="2121020" y="5520750"/>
+            <a:ext cx="1610120" cy="461665"/>
+          </a:xfrm>
+          <a:prstGeom prst="rect">
+            <a:avLst/>
+          </a:prstGeom>
+          <a:noFill/>
+        </p:spPr>
+        <p:txBody>
+          <a:bodyPr wrap="square" rtlCol="0">
+            <a:spAutoFit/>
+          </a:bodyPr>
+          <a:lstStyle/>
+          <a:p>
+            <a:r>
+              <a:rPr lang="it-IT" sz="2400" dirty="0" smtClean="0">
+                <a:latin typeface="Avenir LT Std 35 Light" panose="020B0402020203020204" pitchFamily="34" charset="0"/>
+              </a:rPr>
+              <a:t>Front-end</a:t>
+            </a:r>
+            <a:endParaRPr lang="it-IT" sz="2400" dirty="0">
+              <a:latin typeface="Avenir LT Std 35 Light" panose="020B0402020203020204" pitchFamily="34" charset="0"/>
+            </a:endParaRPr>
+          </a:p>
+        </p:txBody>
+      </p:sp>
+      <p:sp>
+        <p:nvSpPr>
+          <p:cNvPr id="25" name="CasellaDiTesto 24"/>
+          <p:cNvSpPr txBox="1"/>
+          <p:nvPr/>
+        </p:nvSpPr>
+        <p:spPr>
+          <a:xfrm>
+            <a:off x="9487591" y="5311464"/>
+            <a:ext cx="1610120" cy="461665"/>
+          </a:xfrm>
+          <a:prstGeom prst="rect">
+            <a:avLst/>
+          </a:prstGeom>
+          <a:noFill/>
+        </p:spPr>
+        <p:txBody>
+          <a:bodyPr wrap="square" rtlCol="0">
+            <a:spAutoFit/>
+          </a:bodyPr>
+          <a:lstStyle/>
+          <a:p>
+            <a:r>
+              <a:rPr lang="it-IT" sz="2400" dirty="0" smtClean="0">
+                <a:latin typeface="Avenir LT Std 35 Light" panose="020B0402020203020204" pitchFamily="34" charset="0"/>
+              </a:rPr>
+              <a:t>Back-end</a:t>
+            </a:r>
+            <a:endParaRPr lang="it-IT" sz="2400" dirty="0">
+              <a:latin typeface="Avenir LT Std 35 Light" panose="020B0402020203020204" pitchFamily="34" charset="0"/>
+            </a:endParaRPr>
+          </a:p>
+        </p:txBody>
+      </p:sp>
+      <p:pic>
+        <p:nvPicPr>
+          <p:cNvPr id="28" name="Immagine 27"/>
+          <p:cNvPicPr>
+            <a:picLocks noChangeAspect="1"/>
+          </p:cNvPicPr>
+          <p:nvPr/>
+        </p:nvPicPr>
+        <p:blipFill>
+          <a:blip r:embed="rId10" cstate="print">
+            <a:duotone>
+              <a:schemeClr val="accent1">
+                <a:shade val="45000"/>
+                <a:satMod val="135000"/>
+              </a:schemeClr>
+              <a:prstClr val="white"/>
+            </a:duotone>
+            <a:extLst>
+              <a:ext uri="{BEBA8EAE-BF5A-486C-A8C5-ECC9F3942E4B}">
+                <a14:imgProps xmlns:a14="http://schemas.microsoft.com/office/drawing/2010/main">
+                  <a14:imgLayer r:embed="rId11">
+                    <a14:imgEffect>
+                      <a14:brightnessContrast bright="-98000" contrast="-1000"/>
+                    </a14:imgEffect>
+                  </a14:imgLayer>
+                </a14:imgProps>
+              </a:ext>
+              <a:ext uri="{28A0092B-C50C-407E-A947-70E740481C1C}">
+                <a14:useLocalDpi xmlns:a14="http://schemas.microsoft.com/office/drawing/2010/main" val="0"/>
+              </a:ext>
+            </a:extLst>
+          </a:blip>
+          <a:stretch>
+            <a:fillRect/>
+          </a:stretch>
+        </p:blipFill>
+        <p:spPr>
+          <a:xfrm>
+            <a:off x="-1584" y="6357256"/>
+            <a:ext cx="500743" cy="500743"/>
+          </a:xfrm>
+          <a:prstGeom prst="rect">
+            <a:avLst/>
+          </a:prstGeom>
+          <a:noFill/>
         </p:spPr>
       </p:pic>
     </p:spTree>
     <p:extLst>
       <p:ext uri="{BB962C8B-B14F-4D97-AF65-F5344CB8AC3E}">
-        <p14:creationId xmlns:p14="http://schemas.microsoft.com/office/powerpoint/2010/main" val="4054524945"/>
+        <p14:creationId xmlns:p14="http://schemas.microsoft.com/office/powerpoint/2010/main" val="2581947848"/>
       </p:ext>
     </p:extLst>
   </p:cSld>
@@ -7156,44 +8406,25 @@
         <p:spPr>
           <a:xfrm>
             <a:off x="1024576" y="497682"/>
-            <a:ext cx="11019378" cy="745218"/>
+            <a:ext cx="8223733" cy="745218"/>
           </a:xfrm>
         </p:spPr>
         <p:txBody>
           <a:bodyPr>
-            <a:noAutofit/>
+            <a:normAutofit/>
           </a:bodyPr>
           <a:lstStyle/>
           <a:p>
             <a:r>
-              <a:rPr lang="it-IT" sz="3400" b="1" dirty="0" smtClean="0">
+              <a:rPr lang="it-IT" sz="3600" b="1" dirty="0" smtClean="0">
                 <a:solidFill>
                   <a:srgbClr val="000000"/>
                 </a:solidFill>
                 <a:latin typeface="Avenir LT Std 35 Light" panose="020B0402020203020204" pitchFamily="34" charset="0"/>
               </a:rPr>
-              <a:t>Ricerca e filtri </a:t>
-            </a:r>
-            <a:r>
-              <a:rPr lang="it-IT" sz="3400" b="1" dirty="0" smtClean="0">
-                <a:solidFill>
-                  <a:srgbClr val="000000"/>
-                </a:solidFill>
-                <a:latin typeface="Times New Roman" panose="02020603050405020304" pitchFamily="18" charset="0"/>
-                <a:cs typeface="Times New Roman" panose="02020603050405020304" pitchFamily="18" charset="0"/>
-              </a:rPr>
-              <a:t>•</a:t>
-            </a:r>
-            <a:r>
-              <a:rPr lang="it-IT" sz="3400" b="1" dirty="0" smtClean="0">
-                <a:solidFill>
-                  <a:srgbClr val="000000"/>
-                </a:solidFill>
-                <a:latin typeface="Avenir LT Std 35 Light" panose="020B0402020203020204" pitchFamily="34" charset="0"/>
-              </a:rPr>
-              <a:t> Barra di ricerca</a:t>
-            </a:r>
-            <a:endParaRPr lang="it-IT" sz="3400" b="1" dirty="0">
+              <a:t>Come funziona?</a:t>
+            </a:r>
+            <a:endParaRPr lang="it-IT" sz="3600" b="1" dirty="0">
               <a:solidFill>
                 <a:srgbClr val="000000"/>
               </a:solidFill>
@@ -7228,77 +8459,20 @@
               <a:buNone/>
             </a:pPr>
             <a:r>
-              <a:rPr lang="it-IT" dirty="0">
+              <a:rPr lang="it-IT" dirty="0" smtClean="0">
                 <a:solidFill>
                   <a:srgbClr val="000000"/>
                 </a:solidFill>
                 <a:latin typeface="Avenir LT Std 35 Light" panose="020B0402020203020204" pitchFamily="34" charset="0"/>
               </a:rPr>
-              <a:t>La barra di </a:t>
-            </a:r>
-            <a:r>
-              <a:rPr lang="it-IT" dirty="0" smtClean="0">
-                <a:solidFill>
-                  <a:srgbClr val="000000"/>
-                </a:solidFill>
-                <a:latin typeface="Avenir LT Std 35 Light" panose="020B0402020203020204" pitchFamily="34" charset="0"/>
-              </a:rPr>
-              <a:t>ricerca consente di cercare per nome o cognome e in </a:t>
-            </a:r>
-            <a:r>
-              <a:rPr lang="it-IT" dirty="0">
-                <a:solidFill>
-                  <a:srgbClr val="000000"/>
-                </a:solidFill>
-                <a:latin typeface="Avenir LT Std 35 Light" panose="020B0402020203020204" pitchFamily="34" charset="0"/>
-              </a:rPr>
-              <a:t>tempo </a:t>
-            </a:r>
-            <a:r>
-              <a:rPr lang="it-IT" dirty="0" smtClean="0">
-                <a:solidFill>
-                  <a:srgbClr val="000000"/>
-                </a:solidFill>
-                <a:latin typeface="Avenir LT Std 35 Light" panose="020B0402020203020204" pitchFamily="34" charset="0"/>
-              </a:rPr>
-              <a:t>reale </a:t>
-            </a:r>
-            <a:r>
-              <a:rPr lang="it-IT" dirty="0">
-                <a:solidFill>
-                  <a:srgbClr val="000000"/>
-                </a:solidFill>
-                <a:latin typeface="Avenir LT Std 35 Light" panose="020B0402020203020204" pitchFamily="34" charset="0"/>
-              </a:rPr>
-              <a:t>un </a:t>
-            </a:r>
-            <a:r>
-              <a:rPr lang="it-IT" dirty="0" smtClean="0">
-                <a:solidFill>
-                  <a:srgbClr val="000000"/>
-                </a:solidFill>
-                <a:latin typeface="Avenir LT Std 35 Light" panose="020B0402020203020204" pitchFamily="34" charset="0"/>
-              </a:rPr>
-              <a:t>candidato (</a:t>
-            </a:r>
-            <a:r>
-              <a:rPr lang="it-IT" b="1" i="1" dirty="0" smtClean="0">
-                <a:solidFill>
-                  <a:srgbClr val="000000"/>
-                </a:solidFill>
-                <a:latin typeface="Avenir LT Std 35 Light" panose="020B0402020203020204" pitchFamily="34" charset="0"/>
-              </a:rPr>
-              <a:t>case insensitive</a:t>
-            </a:r>
-            <a:r>
-              <a:rPr lang="it-IT" dirty="0" smtClean="0">
-                <a:solidFill>
-                  <a:srgbClr val="000000"/>
-                </a:solidFill>
-                <a:latin typeface="Avenir LT Std 35 Light" panose="020B0402020203020204" pitchFamily="34" charset="0"/>
-              </a:rPr>
-              <a:t>).</a:t>
-            </a:r>
+              <a:t>Il software è composto da una parte superiore, contenente la barra di ricerca e il pannello dei filtri, e una parte centrale contenente la tabella di tutti i candidati.</a:t>
+            </a:r>
+            <a:endParaRPr lang="it-IT" dirty="0">
+              <a:solidFill>
+                <a:srgbClr val="000000"/>
+              </a:solidFill>
+              <a:latin typeface="Avenir LT Std 35 Light" panose="020B0402020203020204" pitchFamily="34" charset="0"/>
+            </a:endParaRPr>
           </a:p>
         </p:txBody>
       </p:sp>
@@ -7312,23 +8486,70 @@
         </p:nvPicPr>
         <p:blipFill rotWithShape="1">
           <a:blip r:embed="rId2"/>
-          <a:srcRect t="28024" b="34563"/>
+          <a:srcRect t="17839" b="14560"/>
           <a:stretch/>
         </p:blipFill>
         <p:spPr>
           <a:xfrm>
-            <a:off x="1024576" y="2894888"/>
-            <a:ext cx="10805716" cy="2272938"/>
+            <a:off x="1116016" y="2272937"/>
+            <a:ext cx="10522468" cy="3958046"/>
           </a:xfrm>
           <a:prstGeom prst="rect">
             <a:avLst/>
           </a:prstGeom>
+        </p:spPr>
+      </p:pic>
+      <p:pic>
+        <p:nvPicPr>
+          <p:cNvPr id="6" name="Immagine 5"/>
+          <p:cNvPicPr>
+            <a:picLocks noChangeAspect="1"/>
+          </p:cNvPicPr>
+          <p:nvPr/>
+        </p:nvPicPr>
+        <p:blipFill>
+          <a:blip r:embed="rId3" cstate="print">
+            <a:duotone>
+              <a:schemeClr val="accent1">
+                <a:shade val="45000"/>
+                <a:satMod val="135000"/>
+              </a:schemeClr>
+              <a:prstClr val="white"/>
+            </a:duotone>
+            <a:extLst>
+              <a:ext uri="{BEBA8EAE-BF5A-486C-A8C5-ECC9F3942E4B}">
+                <a14:imgProps xmlns:a14="http://schemas.microsoft.com/office/drawing/2010/main">
+                  <a14:imgLayer r:embed="rId4">
+                    <a14:imgEffect>
+                      <a14:brightnessContrast bright="-98000" contrast="-1000"/>
+                    </a14:imgEffect>
+                  </a14:imgLayer>
+                </a14:imgProps>
+              </a:ext>
+              <a:ext uri="{28A0092B-C50C-407E-A947-70E740481C1C}">
+                <a14:useLocalDpi xmlns:a14="http://schemas.microsoft.com/office/drawing/2010/main" val="0"/>
+              </a:ext>
+            </a:extLst>
+          </a:blip>
+          <a:stretch>
+            <a:fillRect/>
+          </a:stretch>
+        </p:blipFill>
+        <p:spPr>
+          <a:xfrm>
+            <a:off x="-1584" y="6357256"/>
+            <a:ext cx="500743" cy="500743"/>
+          </a:xfrm>
+          <a:prstGeom prst="rect">
+            <a:avLst/>
+          </a:prstGeom>
+          <a:noFill/>
         </p:spPr>
       </p:pic>
     </p:spTree>
     <p:extLst>
       <p:ext uri="{BB962C8B-B14F-4D97-AF65-F5344CB8AC3E}">
-        <p14:creationId xmlns:p14="http://schemas.microsoft.com/office/powerpoint/2010/main" val="3709989769"/>
+        <p14:creationId xmlns:p14="http://schemas.microsoft.com/office/powerpoint/2010/main" val="4054524945"/>
       </p:ext>
     </p:extLst>
   </p:cSld>
@@ -7410,7 +8631,7 @@
                 </a:solidFill>
                 <a:latin typeface="Avenir LT Std 35 Light" panose="020B0402020203020204" pitchFamily="34" charset="0"/>
               </a:rPr>
-              <a:t> Filtri</a:t>
+              <a:t> Barra di ricerca</a:t>
             </a:r>
             <a:endParaRPr lang="it-IT" sz="3400" b="1" dirty="0">
               <a:solidFill>
@@ -7434,7 +8655,7 @@
         <p:spPr>
           <a:xfrm>
             <a:off x="1024576" y="1407651"/>
-            <a:ext cx="10515600" cy="721595"/>
+            <a:ext cx="10515600" cy="1322486"/>
           </a:xfrm>
         </p:spPr>
         <p:txBody>
@@ -7453,7 +8674,7 @@
                 </a:solidFill>
                 <a:latin typeface="Avenir LT Std 35 Light" panose="020B0402020203020204" pitchFamily="34" charset="0"/>
               </a:rPr>
-              <a:t>Il seguente pannello visualizza un elenco in cui sono racchiusi i </a:t>
+              <a:t>La barra di </a:t>
             </a:r>
             <a:r>
               <a:rPr lang="it-IT" dirty="0" smtClean="0">
@@ -7462,7 +8683,7 @@
                 </a:solidFill>
                 <a:latin typeface="Avenir LT Std 35 Light" panose="020B0402020203020204" pitchFamily="34" charset="0"/>
               </a:rPr>
-              <a:t>filtri applicabili e combinabili fra loro per </a:t>
+              <a:t>ricerca consente di cercare per nome o cognome e in </a:t>
             </a:r>
             <a:r>
               <a:rPr lang="it-IT" dirty="0">
@@ -7471,7 +8692,7 @@
                 </a:solidFill>
                 <a:latin typeface="Avenir LT Std 35 Light" panose="020B0402020203020204" pitchFamily="34" charset="0"/>
               </a:rPr>
-              <a:t>la visualizzazione </a:t>
+              <a:t>tempo </a:t>
             </a:r>
             <a:r>
               <a:rPr lang="it-IT" dirty="0" smtClean="0">
@@ -7480,228 +8701,50 @@
                 </a:solidFill>
                 <a:latin typeface="Avenir LT Std 35 Light" panose="020B0402020203020204" pitchFamily="34" charset="0"/>
               </a:rPr>
-              <a:t>di candidati specifici.</a:t>
-            </a:r>
-            <a:endParaRPr lang="it-IT" dirty="0">
-              <a:solidFill>
-                <a:srgbClr val="000000"/>
-              </a:solidFill>
-              <a:latin typeface="Avenir LT Std 35 Light" panose="020B0402020203020204" pitchFamily="34" charset="0"/>
-            </a:endParaRPr>
-          </a:p>
-        </p:txBody>
-      </p:sp>
-      <p:sp>
-        <p:nvSpPr>
-          <p:cNvPr id="6" name="Segnaposto contenuto 2"/>
-          <p:cNvSpPr txBox="1">
-            <a:spLocks/>
-          </p:cNvSpPr>
-          <p:nvPr/>
-        </p:nvSpPr>
-        <p:spPr>
-          <a:xfrm>
-            <a:off x="10149840" y="6486123"/>
-            <a:ext cx="2032687" cy="361406"/>
-          </a:xfrm>
-          <a:prstGeom prst="rect">
-            <a:avLst/>
-          </a:prstGeom>
-        </p:spPr>
-        <p:txBody>
-          <a:bodyPr vert="horz" lIns="91440" tIns="45720" rIns="91440" bIns="45720" rtlCol="0">
-            <a:noAutofit/>
-          </a:bodyPr>
-          <a:lstStyle>
-            <a:lvl1pPr marL="228600" indent="-228600" algn="l" defTabSz="914400" rtl="0" eaLnBrk="1" latinLnBrk="0" hangingPunct="1">
-              <a:lnSpc>
-                <a:spcPct val="90000"/>
-              </a:lnSpc>
-              <a:spcBef>
-                <a:spcPts val="1000"/>
-              </a:spcBef>
-              <a:buFont typeface="Arial" panose="020B0604020202020204" pitchFamily="34" charset="0"/>
-              <a:buChar char="•"/>
-              <a:defRPr sz="2800" kern="1200">
-                <a:solidFill>
-                  <a:schemeClr val="tx1"/>
-                </a:solidFill>
-                <a:latin typeface="+mn-lt"/>
-                <a:ea typeface="+mn-ea"/>
-                <a:cs typeface="+mn-cs"/>
-              </a:defRPr>
-            </a:lvl1pPr>
-            <a:lvl2pPr marL="685800" indent="-228600" algn="l" defTabSz="914400" rtl="0" eaLnBrk="1" latinLnBrk="0" hangingPunct="1">
-              <a:lnSpc>
-                <a:spcPct val="90000"/>
-              </a:lnSpc>
-              <a:spcBef>
-                <a:spcPts val="500"/>
-              </a:spcBef>
-              <a:buFont typeface="Arial" panose="020B0604020202020204" pitchFamily="34" charset="0"/>
-              <a:buChar char="•"/>
-              <a:defRPr sz="2400" kern="1200">
-                <a:solidFill>
-                  <a:schemeClr val="tx1"/>
-                </a:solidFill>
-                <a:latin typeface="+mn-lt"/>
-                <a:ea typeface="+mn-ea"/>
-                <a:cs typeface="+mn-cs"/>
-              </a:defRPr>
-            </a:lvl2pPr>
-            <a:lvl3pPr marL="1143000" indent="-228600" algn="l" defTabSz="914400" rtl="0" eaLnBrk="1" latinLnBrk="0" hangingPunct="1">
-              <a:lnSpc>
-                <a:spcPct val="90000"/>
-              </a:lnSpc>
-              <a:spcBef>
-                <a:spcPts val="500"/>
-              </a:spcBef>
-              <a:buFont typeface="Arial" panose="020B0604020202020204" pitchFamily="34" charset="0"/>
-              <a:buChar char="•"/>
-              <a:defRPr sz="2000" kern="1200">
-                <a:solidFill>
-                  <a:schemeClr val="tx1"/>
-                </a:solidFill>
-                <a:latin typeface="+mn-lt"/>
-                <a:ea typeface="+mn-ea"/>
-                <a:cs typeface="+mn-cs"/>
-              </a:defRPr>
-            </a:lvl3pPr>
-            <a:lvl4pPr marL="1600200" indent="-228600" algn="l" defTabSz="914400" rtl="0" eaLnBrk="1" latinLnBrk="0" hangingPunct="1">
-              <a:lnSpc>
-                <a:spcPct val="90000"/>
-              </a:lnSpc>
-              <a:spcBef>
-                <a:spcPts val="500"/>
-              </a:spcBef>
-              <a:buFont typeface="Arial" panose="020B0604020202020204" pitchFamily="34" charset="0"/>
-              <a:buChar char="•"/>
-              <a:defRPr sz="1800" kern="1200">
-                <a:solidFill>
-                  <a:schemeClr val="tx1"/>
-                </a:solidFill>
-                <a:latin typeface="+mn-lt"/>
-                <a:ea typeface="+mn-ea"/>
-                <a:cs typeface="+mn-cs"/>
-              </a:defRPr>
-            </a:lvl4pPr>
-            <a:lvl5pPr marL="2057400" indent="-228600" algn="l" defTabSz="914400" rtl="0" eaLnBrk="1" latinLnBrk="0" hangingPunct="1">
-              <a:lnSpc>
-                <a:spcPct val="90000"/>
-              </a:lnSpc>
-              <a:spcBef>
-                <a:spcPts val="500"/>
-              </a:spcBef>
-              <a:buFont typeface="Arial" panose="020B0604020202020204" pitchFamily="34" charset="0"/>
-              <a:buChar char="•"/>
-              <a:defRPr sz="1800" kern="1200">
-                <a:solidFill>
-                  <a:schemeClr val="tx1"/>
-                </a:solidFill>
-                <a:latin typeface="+mn-lt"/>
-                <a:ea typeface="+mn-ea"/>
-                <a:cs typeface="+mn-cs"/>
-              </a:defRPr>
-            </a:lvl5pPr>
-            <a:lvl6pPr marL="2514600" indent="-228600" algn="l" defTabSz="914400" rtl="0" eaLnBrk="1" latinLnBrk="0" hangingPunct="1">
-              <a:lnSpc>
-                <a:spcPct val="90000"/>
-              </a:lnSpc>
-              <a:spcBef>
-                <a:spcPts val="500"/>
-              </a:spcBef>
-              <a:buFont typeface="Arial" panose="020B0604020202020204" pitchFamily="34" charset="0"/>
-              <a:buChar char="•"/>
-              <a:defRPr sz="1800" kern="1200">
-                <a:solidFill>
-                  <a:schemeClr val="tx1"/>
-                </a:solidFill>
-                <a:latin typeface="+mn-lt"/>
-                <a:ea typeface="+mn-ea"/>
-                <a:cs typeface="+mn-cs"/>
-              </a:defRPr>
-            </a:lvl6pPr>
-            <a:lvl7pPr marL="2971800" indent="-228600" algn="l" defTabSz="914400" rtl="0" eaLnBrk="1" latinLnBrk="0" hangingPunct="1">
-              <a:lnSpc>
-                <a:spcPct val="90000"/>
-              </a:lnSpc>
-              <a:spcBef>
-                <a:spcPts val="500"/>
-              </a:spcBef>
-              <a:buFont typeface="Arial" panose="020B0604020202020204" pitchFamily="34" charset="0"/>
-              <a:buChar char="•"/>
-              <a:defRPr sz="1800" kern="1200">
-                <a:solidFill>
-                  <a:schemeClr val="tx1"/>
-                </a:solidFill>
-                <a:latin typeface="+mn-lt"/>
-                <a:ea typeface="+mn-ea"/>
-                <a:cs typeface="+mn-cs"/>
-              </a:defRPr>
-            </a:lvl7pPr>
-            <a:lvl8pPr marL="3429000" indent="-228600" algn="l" defTabSz="914400" rtl="0" eaLnBrk="1" latinLnBrk="0" hangingPunct="1">
-              <a:lnSpc>
-                <a:spcPct val="90000"/>
-              </a:lnSpc>
-              <a:spcBef>
-                <a:spcPts val="500"/>
-              </a:spcBef>
-              <a:buFont typeface="Arial" panose="020B0604020202020204" pitchFamily="34" charset="0"/>
-              <a:buChar char="•"/>
-              <a:defRPr sz="1800" kern="1200">
-                <a:solidFill>
-                  <a:schemeClr val="tx1"/>
-                </a:solidFill>
-                <a:latin typeface="+mn-lt"/>
-                <a:ea typeface="+mn-ea"/>
-                <a:cs typeface="+mn-cs"/>
-              </a:defRPr>
-            </a:lvl8pPr>
-            <a:lvl9pPr marL="3886200" indent="-228600" algn="l" defTabSz="914400" rtl="0" eaLnBrk="1" latinLnBrk="0" hangingPunct="1">
-              <a:lnSpc>
-                <a:spcPct val="90000"/>
-              </a:lnSpc>
-              <a:spcBef>
-                <a:spcPts val="500"/>
-              </a:spcBef>
-              <a:buFont typeface="Arial" panose="020B0604020202020204" pitchFamily="34" charset="0"/>
-              <a:buChar char="•"/>
-              <a:defRPr sz="1800" kern="1200">
-                <a:solidFill>
-                  <a:schemeClr val="tx1"/>
-                </a:solidFill>
-                <a:latin typeface="+mn-lt"/>
-                <a:ea typeface="+mn-ea"/>
-                <a:cs typeface="+mn-cs"/>
-              </a:defRPr>
-            </a:lvl9pPr>
-          </a:lstStyle>
-          <a:p>
-            <a:pPr marL="0" indent="0" algn="just">
-              <a:buFont typeface="Arial" panose="020B0604020202020204" pitchFamily="34" charset="0"/>
-              <a:buNone/>
-            </a:pPr>
-            <a:r>
-              <a:rPr lang="it-IT" sz="1600" b="1" dirty="0" smtClean="0">
+              <a:t>reale </a:t>
+            </a:r>
+            <a:r>
+              <a:rPr lang="it-IT" dirty="0">
                 <a:solidFill>
                   <a:srgbClr val="000000"/>
                 </a:solidFill>
                 <a:latin typeface="Avenir LT Std 35 Light" panose="020B0402020203020204" pitchFamily="34" charset="0"/>
               </a:rPr>
-              <a:t>In fase di modifica</a:t>
-            </a:r>
-            <a:endParaRPr lang="it-IT" sz="1600" b="1" dirty="0">
-              <a:solidFill>
-                <a:srgbClr val="000000"/>
-              </a:solidFill>
-              <a:latin typeface="Avenir LT Std 35 Light" panose="020B0402020203020204" pitchFamily="34" charset="0"/>
-            </a:endParaRPr>
+              <a:t>un </a:t>
+            </a:r>
+            <a:r>
+              <a:rPr lang="it-IT" dirty="0" smtClean="0">
+                <a:solidFill>
+                  <a:srgbClr val="000000"/>
+                </a:solidFill>
+                <a:latin typeface="Avenir LT Std 35 Light" panose="020B0402020203020204" pitchFamily="34" charset="0"/>
+              </a:rPr>
+              <a:t>candidato (</a:t>
+            </a:r>
+            <a:r>
+              <a:rPr lang="it-IT" b="1" i="1" dirty="0" smtClean="0">
+                <a:solidFill>
+                  <a:srgbClr val="000000"/>
+                </a:solidFill>
+                <a:latin typeface="Avenir LT Std 35 Light" panose="020B0402020203020204" pitchFamily="34" charset="0"/>
+              </a:rPr>
+              <a:t>case insensitive</a:t>
+            </a:r>
+            <a:r>
+              <a:rPr lang="it-IT" dirty="0" smtClean="0">
+                <a:solidFill>
+                  <a:srgbClr val="000000"/>
+                </a:solidFill>
+                <a:latin typeface="Avenir LT Std 35 Light" panose="020B0402020203020204" pitchFamily="34" charset="0"/>
+              </a:rPr>
+              <a:t>).</a:t>
+            </a:r>
           </a:p>
         </p:txBody>
       </p:sp>
       <p:pic>
         <p:nvPicPr>
-          <p:cNvPr id="7" name="Immagine 6"/>
+          <p:cNvPr id="5" name="Immagine 4"/>
           <p:cNvPicPr>
             <a:picLocks noChangeAspect="1"/>
           </p:cNvPicPr>
@@ -7709,23 +8752,70 @@
         </p:nvPicPr>
         <p:blipFill rotWithShape="1">
           <a:blip r:embed="rId2"/>
-          <a:srcRect l="23618" t="29791" r="54780" b="39773"/>
+          <a:srcRect t="28024" b="34563"/>
           <a:stretch/>
         </p:blipFill>
         <p:spPr>
           <a:xfrm>
-            <a:off x="4264956" y="2510085"/>
-            <a:ext cx="4538617" cy="3595198"/>
+            <a:off x="1024576" y="2894888"/>
+            <a:ext cx="10805716" cy="2272938"/>
           </a:xfrm>
           <a:prstGeom prst="rect">
             <a:avLst/>
           </a:prstGeom>
+        </p:spPr>
+      </p:pic>
+      <p:pic>
+        <p:nvPicPr>
+          <p:cNvPr id="6" name="Immagine 5"/>
+          <p:cNvPicPr>
+            <a:picLocks noChangeAspect="1"/>
+          </p:cNvPicPr>
+          <p:nvPr/>
+        </p:nvPicPr>
+        <p:blipFill>
+          <a:blip r:embed="rId3" cstate="print">
+            <a:duotone>
+              <a:schemeClr val="accent1">
+                <a:shade val="45000"/>
+                <a:satMod val="135000"/>
+              </a:schemeClr>
+              <a:prstClr val="white"/>
+            </a:duotone>
+            <a:extLst>
+              <a:ext uri="{BEBA8EAE-BF5A-486C-A8C5-ECC9F3942E4B}">
+                <a14:imgProps xmlns:a14="http://schemas.microsoft.com/office/drawing/2010/main">
+                  <a14:imgLayer r:embed="rId4">
+                    <a14:imgEffect>
+                      <a14:brightnessContrast bright="-98000" contrast="-1000"/>
+                    </a14:imgEffect>
+                  </a14:imgLayer>
+                </a14:imgProps>
+              </a:ext>
+              <a:ext uri="{28A0092B-C50C-407E-A947-70E740481C1C}">
+                <a14:useLocalDpi xmlns:a14="http://schemas.microsoft.com/office/drawing/2010/main" val="0"/>
+              </a:ext>
+            </a:extLst>
+          </a:blip>
+          <a:stretch>
+            <a:fillRect/>
+          </a:stretch>
+        </p:blipFill>
+        <p:spPr>
+          <a:xfrm>
+            <a:off x="-1584" y="6357256"/>
+            <a:ext cx="500743" cy="500743"/>
+          </a:xfrm>
+          <a:prstGeom prst="rect">
+            <a:avLst/>
+          </a:prstGeom>
+          <a:noFill/>
         </p:spPr>
       </p:pic>
     </p:spTree>
     <p:extLst>
       <p:ext uri="{BB962C8B-B14F-4D97-AF65-F5344CB8AC3E}">
-        <p14:creationId xmlns:p14="http://schemas.microsoft.com/office/powerpoint/2010/main" val="4142940866"/>
+        <p14:creationId xmlns:p14="http://schemas.microsoft.com/office/powerpoint/2010/main" val="3709989769"/>
       </p:ext>
     </p:extLst>
   </p:cSld>
@@ -7788,7 +8878,26 @@
                 </a:solidFill>
                 <a:latin typeface="Avenir LT Std 35 Light" panose="020B0402020203020204" pitchFamily="34" charset="0"/>
               </a:rPr>
-              <a:t>Righe e candidati</a:t>
+              <a:t>Ricerca e filtri </a:t>
+            </a:r>
+            <a:r>
+              <a:rPr lang="it-IT" sz="3400" b="1" dirty="0" smtClean="0">
+                <a:solidFill>
+                  <a:srgbClr val="000000"/>
+                </a:solidFill>
+                <a:latin typeface="Times New Roman" panose="02020603050405020304" pitchFamily="18" charset="0"/>
+                <a:cs typeface="Times New Roman" panose="02020603050405020304" pitchFamily="18" charset="0"/>
+              </a:rPr>
+              <a:t>•</a:t>
+            </a:r>
+            <a:r>
+              <a:rPr lang="it-IT" sz="3400" b="1" dirty="0" smtClean="0">
+                <a:solidFill>
+                  <a:srgbClr val="000000"/>
+                </a:solidFill>
+                <a:latin typeface="Avenir LT Std 35 Light" panose="020B0402020203020204" pitchFamily="34" charset="0"/>
+              </a:rPr>
+              <a:t> Filtri</a:t>
             </a:r>
             <a:endParaRPr lang="it-IT" sz="3400" b="1" dirty="0">
               <a:solidFill>
@@ -7811,8 +8920,8 @@
         </p:nvSpPr>
         <p:spPr>
           <a:xfrm>
-            <a:off x="1792151" y="1524089"/>
-            <a:ext cx="3110049" cy="439592"/>
+            <a:off x="1024576" y="1407651"/>
+            <a:ext cx="10515600" cy="721595"/>
           </a:xfrm>
         </p:spPr>
         <p:txBody>
@@ -7822,19 +8931,43 @@
           <a:lstStyle/>
           <a:p>
             <a:pPr marL="0" indent="0" algn="just">
-              <a:buClr>
-                <a:schemeClr val="bg1"/>
-              </a:buClr>
               <a:buNone/>
             </a:pPr>
             <a:r>
-              <a:rPr lang="it-IT" dirty="0" smtClean="0">
+              <a:rPr lang="it-IT" dirty="0">
                 <a:solidFill>
                   <a:srgbClr val="000000"/>
                 </a:solidFill>
                 <a:latin typeface="Avenir LT Std 35 Light" panose="020B0402020203020204" pitchFamily="34" charset="0"/>
               </a:rPr>
-              <a:t>Candidato rimosso</a:t>
+              <a:t>Il seguente pannello visualizza un elenco in cui sono racchiusi i </a:t>
+            </a:r>
+            <a:r>
+              <a:rPr lang="it-IT" dirty="0" smtClean="0">
+                <a:solidFill>
+                  <a:srgbClr val="000000"/>
+                </a:solidFill>
+                <a:latin typeface="Avenir LT Std 35 Light" panose="020B0402020203020204" pitchFamily="34" charset="0"/>
+              </a:rPr>
+              <a:t>filtri applicabili e combinabili fra loro per </a:t>
+            </a:r>
+            <a:r>
+              <a:rPr lang="it-IT" dirty="0">
+                <a:solidFill>
+                  <a:srgbClr val="000000"/>
+                </a:solidFill>
+                <a:latin typeface="Avenir LT Std 35 Light" panose="020B0402020203020204" pitchFamily="34" charset="0"/>
+              </a:rPr>
+              <a:t>la visualizzazione </a:t>
+            </a:r>
+            <a:r>
+              <a:rPr lang="it-IT" dirty="0" smtClean="0">
+                <a:solidFill>
+                  <a:srgbClr val="000000"/>
+                </a:solidFill>
+                <a:latin typeface="Avenir LT Std 35 Light" panose="020B0402020203020204" pitchFamily="34" charset="0"/>
+              </a:rPr>
+              <a:t>di candidati specifici.</a:t>
             </a:r>
             <a:endParaRPr lang="it-IT" dirty="0">
               <a:solidFill>
@@ -7845,9 +8978,217 @@
           </a:p>
         </p:txBody>
       </p:sp>
+      <p:sp>
+        <p:nvSpPr>
+          <p:cNvPr id="6" name="Segnaposto contenuto 2"/>
+          <p:cNvSpPr txBox="1">
+            <a:spLocks/>
+          </p:cNvSpPr>
+          <p:nvPr/>
+        </p:nvSpPr>
+        <p:spPr>
+          <a:xfrm>
+            <a:off x="10149840" y="6486123"/>
+            <a:ext cx="2032687" cy="361406"/>
+          </a:xfrm>
+          <a:prstGeom prst="rect">
+            <a:avLst/>
+          </a:prstGeom>
+        </p:spPr>
+        <p:txBody>
+          <a:bodyPr vert="horz" lIns="91440" tIns="45720" rIns="91440" bIns="45720" rtlCol="0">
+            <a:noAutofit/>
+          </a:bodyPr>
+          <a:lstStyle>
+            <a:lvl1pPr marL="228600" indent="-228600" algn="l" defTabSz="914400" rtl="0" eaLnBrk="1" latinLnBrk="0" hangingPunct="1">
+              <a:lnSpc>
+                <a:spcPct val="90000"/>
+              </a:lnSpc>
+              <a:spcBef>
+                <a:spcPts val="1000"/>
+              </a:spcBef>
+              <a:buFont typeface="Arial" panose="020B0604020202020204" pitchFamily="34" charset="0"/>
+              <a:buChar char="•"/>
+              <a:defRPr sz="2800" kern="1200">
+                <a:solidFill>
+                  <a:schemeClr val="tx1"/>
+                </a:solidFill>
+                <a:latin typeface="+mn-lt"/>
+                <a:ea typeface="+mn-ea"/>
+                <a:cs typeface="+mn-cs"/>
+              </a:defRPr>
+            </a:lvl1pPr>
+            <a:lvl2pPr marL="685800" indent="-228600" algn="l" defTabSz="914400" rtl="0" eaLnBrk="1" latinLnBrk="0" hangingPunct="1">
+              <a:lnSpc>
+                <a:spcPct val="90000"/>
+              </a:lnSpc>
+              <a:spcBef>
+                <a:spcPts val="500"/>
+              </a:spcBef>
+              <a:buFont typeface="Arial" panose="020B0604020202020204" pitchFamily="34" charset="0"/>
+              <a:buChar char="•"/>
+              <a:defRPr sz="2400" kern="1200">
+                <a:solidFill>
+                  <a:schemeClr val="tx1"/>
+                </a:solidFill>
+                <a:latin typeface="+mn-lt"/>
+                <a:ea typeface="+mn-ea"/>
+                <a:cs typeface="+mn-cs"/>
+              </a:defRPr>
+            </a:lvl2pPr>
+            <a:lvl3pPr marL="1143000" indent="-228600" algn="l" defTabSz="914400" rtl="0" eaLnBrk="1" latinLnBrk="0" hangingPunct="1">
+              <a:lnSpc>
+                <a:spcPct val="90000"/>
+              </a:lnSpc>
+              <a:spcBef>
+                <a:spcPts val="500"/>
+              </a:spcBef>
+              <a:buFont typeface="Arial" panose="020B0604020202020204" pitchFamily="34" charset="0"/>
+              <a:buChar char="•"/>
+              <a:defRPr sz="2000" kern="1200">
+                <a:solidFill>
+                  <a:schemeClr val="tx1"/>
+                </a:solidFill>
+                <a:latin typeface="+mn-lt"/>
+                <a:ea typeface="+mn-ea"/>
+                <a:cs typeface="+mn-cs"/>
+              </a:defRPr>
+            </a:lvl3pPr>
+            <a:lvl4pPr marL="1600200" indent="-228600" algn="l" defTabSz="914400" rtl="0" eaLnBrk="1" latinLnBrk="0" hangingPunct="1">
+              <a:lnSpc>
+                <a:spcPct val="90000"/>
+              </a:lnSpc>
+              <a:spcBef>
+                <a:spcPts val="500"/>
+              </a:spcBef>
+              <a:buFont typeface="Arial" panose="020B0604020202020204" pitchFamily="34" charset="0"/>
+              <a:buChar char="•"/>
+              <a:defRPr sz="1800" kern="1200">
+                <a:solidFill>
+                  <a:schemeClr val="tx1"/>
+                </a:solidFill>
+                <a:latin typeface="+mn-lt"/>
+                <a:ea typeface="+mn-ea"/>
+                <a:cs typeface="+mn-cs"/>
+              </a:defRPr>
+            </a:lvl4pPr>
+            <a:lvl5pPr marL="2057400" indent="-228600" algn="l" defTabSz="914400" rtl="0" eaLnBrk="1" latinLnBrk="0" hangingPunct="1">
+              <a:lnSpc>
+                <a:spcPct val="90000"/>
+              </a:lnSpc>
+              <a:spcBef>
+                <a:spcPts val="500"/>
+              </a:spcBef>
+              <a:buFont typeface="Arial" panose="020B0604020202020204" pitchFamily="34" charset="0"/>
+              <a:buChar char="•"/>
+              <a:defRPr sz="1800" kern="1200">
+                <a:solidFill>
+                  <a:schemeClr val="tx1"/>
+                </a:solidFill>
+                <a:latin typeface="+mn-lt"/>
+                <a:ea typeface="+mn-ea"/>
+                <a:cs typeface="+mn-cs"/>
+              </a:defRPr>
+            </a:lvl5pPr>
+            <a:lvl6pPr marL="2514600" indent="-228600" algn="l" defTabSz="914400" rtl="0" eaLnBrk="1" latinLnBrk="0" hangingPunct="1">
+              <a:lnSpc>
+                <a:spcPct val="90000"/>
+              </a:lnSpc>
+              <a:spcBef>
+                <a:spcPts val="500"/>
+              </a:spcBef>
+              <a:buFont typeface="Arial" panose="020B0604020202020204" pitchFamily="34" charset="0"/>
+              <a:buChar char="•"/>
+              <a:defRPr sz="1800" kern="1200">
+                <a:solidFill>
+                  <a:schemeClr val="tx1"/>
+                </a:solidFill>
+                <a:latin typeface="+mn-lt"/>
+                <a:ea typeface="+mn-ea"/>
+                <a:cs typeface="+mn-cs"/>
+              </a:defRPr>
+            </a:lvl6pPr>
+            <a:lvl7pPr marL="2971800" indent="-228600" algn="l" defTabSz="914400" rtl="0" eaLnBrk="1" latinLnBrk="0" hangingPunct="1">
+              <a:lnSpc>
+                <a:spcPct val="90000"/>
+              </a:lnSpc>
+              <a:spcBef>
+                <a:spcPts val="500"/>
+              </a:spcBef>
+              <a:buFont typeface="Arial" panose="020B0604020202020204" pitchFamily="34" charset="0"/>
+              <a:buChar char="•"/>
+              <a:defRPr sz="1800" kern="1200">
+                <a:solidFill>
+                  <a:schemeClr val="tx1"/>
+                </a:solidFill>
+                <a:latin typeface="+mn-lt"/>
+                <a:ea typeface="+mn-ea"/>
+                <a:cs typeface="+mn-cs"/>
+              </a:defRPr>
+            </a:lvl7pPr>
+            <a:lvl8pPr marL="3429000" indent="-228600" algn="l" defTabSz="914400" rtl="0" eaLnBrk="1" latinLnBrk="0" hangingPunct="1">
+              <a:lnSpc>
+                <a:spcPct val="90000"/>
+              </a:lnSpc>
+              <a:spcBef>
+                <a:spcPts val="500"/>
+              </a:spcBef>
+              <a:buFont typeface="Arial" panose="020B0604020202020204" pitchFamily="34" charset="0"/>
+              <a:buChar char="•"/>
+              <a:defRPr sz="1800" kern="1200">
+                <a:solidFill>
+                  <a:schemeClr val="tx1"/>
+                </a:solidFill>
+                <a:latin typeface="+mn-lt"/>
+                <a:ea typeface="+mn-ea"/>
+                <a:cs typeface="+mn-cs"/>
+              </a:defRPr>
+            </a:lvl8pPr>
+            <a:lvl9pPr marL="3886200" indent="-228600" algn="l" defTabSz="914400" rtl="0" eaLnBrk="1" latinLnBrk="0" hangingPunct="1">
+              <a:lnSpc>
+                <a:spcPct val="90000"/>
+              </a:lnSpc>
+              <a:spcBef>
+                <a:spcPts val="500"/>
+              </a:spcBef>
+              <a:buFont typeface="Arial" panose="020B0604020202020204" pitchFamily="34" charset="0"/>
+              <a:buChar char="•"/>
+              <a:defRPr sz="1800" kern="1200">
+                <a:solidFill>
+                  <a:schemeClr val="tx1"/>
+                </a:solidFill>
+                <a:latin typeface="+mn-lt"/>
+                <a:ea typeface="+mn-ea"/>
+                <a:cs typeface="+mn-cs"/>
+              </a:defRPr>
+            </a:lvl9pPr>
+          </a:lstStyle>
+          <a:p>
+            <a:pPr marL="0" indent="0" algn="just">
+              <a:buFont typeface="Arial" panose="020B0604020202020204" pitchFamily="34" charset="0"/>
+              <a:buNone/>
+            </a:pPr>
+            <a:r>
+              <a:rPr lang="it-IT" sz="1600" b="1" dirty="0" smtClean="0">
+                <a:solidFill>
+                  <a:srgbClr val="000000"/>
+                </a:solidFill>
+                <a:latin typeface="Avenir LT Std 35 Light" panose="020B0402020203020204" pitchFamily="34" charset="0"/>
+              </a:rPr>
+              <a:t>In fase di modifica</a:t>
+            </a:r>
+            <a:endParaRPr lang="it-IT" sz="1600" b="1" dirty="0">
+              <a:solidFill>
+                <a:srgbClr val="000000"/>
+              </a:solidFill>
+              <a:latin typeface="Avenir LT Std 35 Light" panose="020B0402020203020204" pitchFamily="34" charset="0"/>
+            </a:endParaRPr>
+          </a:p>
+        </p:txBody>
+      </p:sp>
       <p:pic>
         <p:nvPicPr>
-          <p:cNvPr id="4" name="Immagine 3"/>
+          <p:cNvPr id="7" name="Immagine 6"/>
           <p:cNvPicPr>
             <a:picLocks noChangeAspect="1"/>
           </p:cNvPicPr>
@@ -7855,643 +9196,70 @@
         </p:nvPicPr>
         <p:blipFill rotWithShape="1">
           <a:blip r:embed="rId2"/>
-          <a:srcRect t="59385" b="18004"/>
+          <a:srcRect l="23618" t="29791" r="54780" b="39773"/>
           <a:stretch/>
         </p:blipFill>
         <p:spPr>
           <a:xfrm>
-            <a:off x="1157416" y="4177054"/>
-            <a:ext cx="10508234" cy="1335885"/>
+            <a:off x="4264956" y="2510085"/>
+            <a:ext cx="4538617" cy="3595198"/>
           </a:xfrm>
           <a:prstGeom prst="rect">
             <a:avLst/>
           </a:prstGeom>
         </p:spPr>
       </p:pic>
-      <p:sp>
-        <p:nvSpPr>
-          <p:cNvPr id="7" name="Rettangolo 6"/>
-          <p:cNvSpPr/>
+      <p:pic>
+        <p:nvPicPr>
+          <p:cNvPr id="8" name="Immagine 7"/>
+          <p:cNvPicPr>
+            <a:picLocks noChangeAspect="1"/>
+          </p:cNvPicPr>
           <p:nvPr/>
-        </p:nvSpPr>
-        <p:spPr>
-          <a:xfrm>
-            <a:off x="1164276" y="1407651"/>
-            <a:ext cx="556030" cy="556030"/>
+        </p:nvPicPr>
+        <p:blipFill>
+          <a:blip r:embed="rId3" cstate="print">
+            <a:duotone>
+              <a:schemeClr val="accent1">
+                <a:shade val="45000"/>
+                <a:satMod val="135000"/>
+              </a:schemeClr>
+              <a:prstClr val="white"/>
+            </a:duotone>
+            <a:extLst>
+              <a:ext uri="{BEBA8EAE-BF5A-486C-A8C5-ECC9F3942E4B}">
+                <a14:imgProps xmlns:a14="http://schemas.microsoft.com/office/drawing/2010/main">
+                  <a14:imgLayer r:embed="rId4">
+                    <a14:imgEffect>
+                      <a14:brightnessContrast bright="-98000" contrast="-1000"/>
+                    </a14:imgEffect>
+                  </a14:imgLayer>
+                </a14:imgProps>
+              </a:ext>
+              <a:ext uri="{28A0092B-C50C-407E-A947-70E740481C1C}">
+                <a14:useLocalDpi xmlns:a14="http://schemas.microsoft.com/office/drawing/2010/main" val="0"/>
+              </a:ext>
+            </a:extLst>
+          </a:blip>
+          <a:stretch>
+            <a:fillRect/>
+          </a:stretch>
+        </p:blipFill>
+        <p:spPr>
+          <a:xfrm>
+            <a:off x="-1584" y="6357256"/>
+            <a:ext cx="500743" cy="500743"/>
           </a:xfrm>
           <a:prstGeom prst="rect">
             <a:avLst/>
           </a:prstGeom>
-          <a:solidFill>
-            <a:srgbClr val="FF0000"/>
-          </a:solidFill>
-          <a:ln w="9525">
-            <a:solidFill>
-              <a:schemeClr val="tx1"/>
-            </a:solidFill>
-          </a:ln>
-        </p:spPr>
-        <p:style>
-          <a:lnRef idx="2">
-            <a:schemeClr val="accent1">
-              <a:shade val="50000"/>
-            </a:schemeClr>
-          </a:lnRef>
-          <a:fillRef idx="1">
-            <a:schemeClr val="accent1"/>
-          </a:fillRef>
-          <a:effectRef idx="0">
-            <a:schemeClr val="accent1"/>
-          </a:effectRef>
-          <a:fontRef idx="minor">
-            <a:schemeClr val="lt1"/>
-          </a:fontRef>
-        </p:style>
-        <p:txBody>
-          <a:bodyPr rtlCol="0" anchor="ctr"/>
-          <a:lstStyle/>
-          <a:p>
-            <a:pPr algn="ctr"/>
-            <a:endParaRPr lang="it-IT"/>
-          </a:p>
-        </p:txBody>
-      </p:sp>
-      <p:sp>
-        <p:nvSpPr>
-          <p:cNvPr id="8" name="Segnaposto contenuto 2"/>
-          <p:cNvSpPr txBox="1">
-            <a:spLocks/>
-          </p:cNvSpPr>
-          <p:nvPr/>
-        </p:nvSpPr>
-        <p:spPr>
-          <a:xfrm>
-            <a:off x="1792151" y="2234017"/>
-            <a:ext cx="5396049" cy="439592"/>
-          </a:xfrm>
-          <a:prstGeom prst="rect">
-            <a:avLst/>
-          </a:prstGeom>
-        </p:spPr>
-        <p:txBody>
-          <a:bodyPr vert="horz" lIns="91440" tIns="45720" rIns="91440" bIns="45720" rtlCol="0">
-            <a:normAutofit/>
-          </a:bodyPr>
-          <a:lstStyle>
-            <a:lvl1pPr marL="384048" indent="-384048" algn="l" defTabSz="914400" rtl="0" eaLnBrk="1" latinLnBrk="0" hangingPunct="1">
-              <a:lnSpc>
-                <a:spcPct val="94000"/>
-              </a:lnSpc>
-              <a:spcBef>
-                <a:spcPts val="1000"/>
-              </a:spcBef>
-              <a:spcAft>
-                <a:spcPts val="200"/>
-              </a:spcAft>
-              <a:buFont typeface="Franklin Gothic Book" panose="020B0503020102020204" pitchFamily="34" charset="0"/>
-              <a:buChar char="■"/>
-              <a:defRPr sz="2000" kern="1200" baseline="0">
-                <a:solidFill>
-                  <a:schemeClr val="tx2"/>
-                </a:solidFill>
-                <a:latin typeface="+mn-lt"/>
-                <a:ea typeface="+mn-ea"/>
-                <a:cs typeface="+mn-cs"/>
-              </a:defRPr>
-            </a:lvl1pPr>
-            <a:lvl2pPr marL="914400" indent="-384048" algn="l" defTabSz="914400" rtl="0" eaLnBrk="1" latinLnBrk="0" hangingPunct="1">
-              <a:lnSpc>
-                <a:spcPct val="94000"/>
-              </a:lnSpc>
-              <a:spcBef>
-                <a:spcPts val="500"/>
-              </a:spcBef>
-              <a:spcAft>
-                <a:spcPts val="200"/>
-              </a:spcAft>
-              <a:buFont typeface="Franklin Gothic Book" panose="020B0503020102020204" pitchFamily="34" charset="0"/>
-              <a:buChar char="–"/>
-              <a:defRPr sz="2000" i="1" kern="1200" baseline="0">
-                <a:solidFill>
-                  <a:schemeClr val="tx2"/>
-                </a:solidFill>
-                <a:latin typeface="+mn-lt"/>
-                <a:ea typeface="+mn-ea"/>
-                <a:cs typeface="+mn-cs"/>
-              </a:defRPr>
-            </a:lvl2pPr>
-            <a:lvl3pPr marL="1371600" indent="-384048" algn="l" defTabSz="914400" rtl="0" eaLnBrk="1" latinLnBrk="0" hangingPunct="1">
-              <a:lnSpc>
-                <a:spcPct val="94000"/>
-              </a:lnSpc>
-              <a:spcBef>
-                <a:spcPts val="500"/>
-              </a:spcBef>
-              <a:spcAft>
-                <a:spcPts val="200"/>
-              </a:spcAft>
-              <a:buFont typeface="Franklin Gothic Book" panose="020B0503020102020204" pitchFamily="34" charset="0"/>
-              <a:buChar char="■"/>
-              <a:defRPr sz="1800" kern="1200" baseline="0">
-                <a:solidFill>
-                  <a:schemeClr val="tx2"/>
-                </a:solidFill>
-                <a:latin typeface="+mn-lt"/>
-                <a:ea typeface="+mn-ea"/>
-                <a:cs typeface="+mn-cs"/>
-              </a:defRPr>
-            </a:lvl3pPr>
-            <a:lvl4pPr marL="1828800" indent="-384048" algn="l" defTabSz="914400" rtl="0" eaLnBrk="1" latinLnBrk="0" hangingPunct="1">
-              <a:lnSpc>
-                <a:spcPct val="94000"/>
-              </a:lnSpc>
-              <a:spcBef>
-                <a:spcPts val="500"/>
-              </a:spcBef>
-              <a:spcAft>
-                <a:spcPts val="200"/>
-              </a:spcAft>
-              <a:buFont typeface="Franklin Gothic Book" panose="020B0503020102020204" pitchFamily="34" charset="0"/>
-              <a:buChar char="–"/>
-              <a:defRPr sz="1800" i="1" kern="1200" baseline="0">
-                <a:solidFill>
-                  <a:schemeClr val="tx2"/>
-                </a:solidFill>
-                <a:latin typeface="+mn-lt"/>
-                <a:ea typeface="+mn-ea"/>
-                <a:cs typeface="+mn-cs"/>
-              </a:defRPr>
-            </a:lvl4pPr>
-            <a:lvl5pPr marL="2286000" indent="-384048" algn="l" defTabSz="914400" rtl="0" eaLnBrk="1" latinLnBrk="0" hangingPunct="1">
-              <a:lnSpc>
-                <a:spcPct val="94000"/>
-              </a:lnSpc>
-              <a:spcBef>
-                <a:spcPts val="500"/>
-              </a:spcBef>
-              <a:spcAft>
-                <a:spcPts val="200"/>
-              </a:spcAft>
-              <a:buFont typeface="Franklin Gothic Book" panose="020B0503020102020204" pitchFamily="34" charset="0"/>
-              <a:buChar char="■"/>
-              <a:defRPr sz="1600" kern="1200" baseline="0">
-                <a:solidFill>
-                  <a:schemeClr val="tx2"/>
-                </a:solidFill>
-                <a:latin typeface="+mn-lt"/>
-                <a:ea typeface="+mn-ea"/>
-                <a:cs typeface="+mn-cs"/>
-              </a:defRPr>
-            </a:lvl5pPr>
-            <a:lvl6pPr marL="2743200" indent="-384048" algn="l" defTabSz="914400" rtl="0" eaLnBrk="1" latinLnBrk="0" hangingPunct="1">
-              <a:lnSpc>
-                <a:spcPct val="94000"/>
-              </a:lnSpc>
-              <a:spcBef>
-                <a:spcPts val="500"/>
-              </a:spcBef>
-              <a:spcAft>
-                <a:spcPts val="200"/>
-              </a:spcAft>
-              <a:buFont typeface="Franklin Gothic Book" panose="020B0503020102020204" pitchFamily="34" charset="0"/>
-              <a:buChar char="–"/>
-              <a:defRPr sz="1600" i="1" kern="1200" baseline="0">
-                <a:solidFill>
-                  <a:schemeClr val="tx2"/>
-                </a:solidFill>
-                <a:latin typeface="+mn-lt"/>
-                <a:ea typeface="+mn-ea"/>
-                <a:cs typeface="+mn-cs"/>
-              </a:defRPr>
-            </a:lvl6pPr>
-            <a:lvl7pPr marL="3200400" indent="-384048" algn="l" defTabSz="914400" rtl="0" eaLnBrk="1" latinLnBrk="0" hangingPunct="1">
-              <a:lnSpc>
-                <a:spcPct val="94000"/>
-              </a:lnSpc>
-              <a:spcBef>
-                <a:spcPts val="500"/>
-              </a:spcBef>
-              <a:spcAft>
-                <a:spcPts val="200"/>
-              </a:spcAft>
-              <a:buFont typeface="Franklin Gothic Book" panose="020B0503020102020204" pitchFamily="34" charset="0"/>
-              <a:buChar char="■"/>
-              <a:defRPr sz="1400" kern="1200" baseline="0">
-                <a:solidFill>
-                  <a:schemeClr val="tx2"/>
-                </a:solidFill>
-                <a:latin typeface="+mn-lt"/>
-                <a:ea typeface="+mn-ea"/>
-                <a:cs typeface="+mn-cs"/>
-              </a:defRPr>
-            </a:lvl7pPr>
-            <a:lvl8pPr marL="3657600" indent="-384048" algn="l" defTabSz="914400" rtl="0" eaLnBrk="1" latinLnBrk="0" hangingPunct="1">
-              <a:lnSpc>
-                <a:spcPct val="94000"/>
-              </a:lnSpc>
-              <a:spcBef>
-                <a:spcPts val="500"/>
-              </a:spcBef>
-              <a:spcAft>
-                <a:spcPts val="200"/>
-              </a:spcAft>
-              <a:buFont typeface="Franklin Gothic Book" panose="020B0503020102020204" pitchFamily="34" charset="0"/>
-              <a:buChar char="–"/>
-              <a:defRPr sz="1400" i="1" kern="1200" baseline="0">
-                <a:solidFill>
-                  <a:schemeClr val="tx2"/>
-                </a:solidFill>
-                <a:latin typeface="+mn-lt"/>
-                <a:ea typeface="+mn-ea"/>
-                <a:cs typeface="+mn-cs"/>
-              </a:defRPr>
-            </a:lvl8pPr>
-            <a:lvl9pPr marL="4114800" indent="-384048" algn="l" defTabSz="914400" rtl="0" eaLnBrk="1" latinLnBrk="0" hangingPunct="1">
-              <a:lnSpc>
-                <a:spcPct val="94000"/>
-              </a:lnSpc>
-              <a:spcBef>
-                <a:spcPts val="500"/>
-              </a:spcBef>
-              <a:spcAft>
-                <a:spcPts val="200"/>
-              </a:spcAft>
-              <a:buFont typeface="Franklin Gothic Book" panose="020B0503020102020204" pitchFamily="34" charset="0"/>
-              <a:buChar char="■"/>
-              <a:defRPr sz="1400" kern="1200" baseline="0">
-                <a:solidFill>
-                  <a:schemeClr val="tx2"/>
-                </a:solidFill>
-                <a:latin typeface="+mn-lt"/>
-                <a:ea typeface="+mn-ea"/>
-                <a:cs typeface="+mn-cs"/>
-              </a:defRPr>
-            </a:lvl9pPr>
-          </a:lstStyle>
-          <a:p>
-            <a:pPr marL="0" indent="0" algn="just">
-              <a:buClr>
-                <a:schemeClr val="bg1"/>
-              </a:buClr>
-              <a:buFont typeface="Franklin Gothic Book" panose="020B0503020102020204" pitchFamily="34" charset="0"/>
-              <a:buNone/>
-            </a:pPr>
-            <a:r>
-              <a:rPr lang="it-IT" dirty="0" smtClean="0">
-                <a:solidFill>
-                  <a:srgbClr val="000000"/>
-                </a:solidFill>
-                <a:latin typeface="Avenir LT Std 35 Light" panose="020B0402020203020204" pitchFamily="34" charset="0"/>
-              </a:rPr>
-              <a:t>Candidato non rimosso e non assunto</a:t>
-            </a:r>
-            <a:endParaRPr lang="it-IT" dirty="0">
-              <a:solidFill>
-                <a:srgbClr val="000000"/>
-              </a:solidFill>
-              <a:latin typeface="Avenir LT Std 35 Light" panose="020B0402020203020204" pitchFamily="34" charset="0"/>
-            </a:endParaRPr>
-          </a:p>
-        </p:txBody>
-      </p:sp>
-      <p:sp>
-        <p:nvSpPr>
-          <p:cNvPr id="9" name="Rettangolo 8"/>
-          <p:cNvSpPr/>
-          <p:nvPr/>
-        </p:nvSpPr>
-        <p:spPr>
-          <a:xfrm>
-            <a:off x="1164276" y="2117579"/>
-            <a:ext cx="556030" cy="556030"/>
-          </a:xfrm>
-          <a:prstGeom prst="rect">
-            <a:avLst/>
-          </a:prstGeom>
-          <a:solidFill>
-            <a:schemeClr val="bg1"/>
-          </a:solidFill>
-          <a:ln w="9525">
-            <a:solidFill>
-              <a:schemeClr val="tx1"/>
-            </a:solidFill>
-          </a:ln>
-        </p:spPr>
-        <p:style>
-          <a:lnRef idx="2">
-            <a:schemeClr val="accent1">
-              <a:shade val="50000"/>
-            </a:schemeClr>
-          </a:lnRef>
-          <a:fillRef idx="1">
-            <a:schemeClr val="accent1"/>
-          </a:fillRef>
-          <a:effectRef idx="0">
-            <a:schemeClr val="accent1"/>
-          </a:effectRef>
-          <a:fontRef idx="minor">
-            <a:schemeClr val="lt1"/>
-          </a:fontRef>
-        </p:style>
-        <p:txBody>
-          <a:bodyPr rtlCol="0" anchor="ctr"/>
-          <a:lstStyle/>
-          <a:p>
-            <a:pPr algn="ctr"/>
-            <a:endParaRPr lang="it-IT"/>
-          </a:p>
-        </p:txBody>
-      </p:sp>
-      <p:sp>
-        <p:nvSpPr>
-          <p:cNvPr id="10" name="Segnaposto contenuto 2"/>
-          <p:cNvSpPr txBox="1">
-            <a:spLocks/>
-          </p:cNvSpPr>
-          <p:nvPr/>
-        </p:nvSpPr>
-        <p:spPr>
-          <a:xfrm>
-            <a:off x="1792151" y="2940204"/>
-            <a:ext cx="4519749" cy="439592"/>
-          </a:xfrm>
-          <a:prstGeom prst="rect">
-            <a:avLst/>
-          </a:prstGeom>
-        </p:spPr>
-        <p:txBody>
-          <a:bodyPr vert="horz" lIns="91440" tIns="45720" rIns="91440" bIns="45720" rtlCol="0">
-            <a:normAutofit/>
-          </a:bodyPr>
-          <a:lstStyle>
-            <a:lvl1pPr marL="384048" indent="-384048" algn="l" defTabSz="914400" rtl="0" eaLnBrk="1" latinLnBrk="0" hangingPunct="1">
-              <a:lnSpc>
-                <a:spcPct val="94000"/>
-              </a:lnSpc>
-              <a:spcBef>
-                <a:spcPts val="1000"/>
-              </a:spcBef>
-              <a:spcAft>
-                <a:spcPts val="200"/>
-              </a:spcAft>
-              <a:buFont typeface="Franklin Gothic Book" panose="020B0503020102020204" pitchFamily="34" charset="0"/>
-              <a:buChar char="■"/>
-              <a:defRPr sz="2000" kern="1200" baseline="0">
-                <a:solidFill>
-                  <a:schemeClr val="tx2"/>
-                </a:solidFill>
-                <a:latin typeface="+mn-lt"/>
-                <a:ea typeface="+mn-ea"/>
-                <a:cs typeface="+mn-cs"/>
-              </a:defRPr>
-            </a:lvl1pPr>
-            <a:lvl2pPr marL="914400" indent="-384048" algn="l" defTabSz="914400" rtl="0" eaLnBrk="1" latinLnBrk="0" hangingPunct="1">
-              <a:lnSpc>
-                <a:spcPct val="94000"/>
-              </a:lnSpc>
-              <a:spcBef>
-                <a:spcPts val="500"/>
-              </a:spcBef>
-              <a:spcAft>
-                <a:spcPts val="200"/>
-              </a:spcAft>
-              <a:buFont typeface="Franklin Gothic Book" panose="020B0503020102020204" pitchFamily="34" charset="0"/>
-              <a:buChar char="–"/>
-              <a:defRPr sz="2000" i="1" kern="1200" baseline="0">
-                <a:solidFill>
-                  <a:schemeClr val="tx2"/>
-                </a:solidFill>
-                <a:latin typeface="+mn-lt"/>
-                <a:ea typeface="+mn-ea"/>
-                <a:cs typeface="+mn-cs"/>
-              </a:defRPr>
-            </a:lvl2pPr>
-            <a:lvl3pPr marL="1371600" indent="-384048" algn="l" defTabSz="914400" rtl="0" eaLnBrk="1" latinLnBrk="0" hangingPunct="1">
-              <a:lnSpc>
-                <a:spcPct val="94000"/>
-              </a:lnSpc>
-              <a:spcBef>
-                <a:spcPts val="500"/>
-              </a:spcBef>
-              <a:spcAft>
-                <a:spcPts val="200"/>
-              </a:spcAft>
-              <a:buFont typeface="Franklin Gothic Book" panose="020B0503020102020204" pitchFamily="34" charset="0"/>
-              <a:buChar char="■"/>
-              <a:defRPr sz="1800" kern="1200" baseline="0">
-                <a:solidFill>
-                  <a:schemeClr val="tx2"/>
-                </a:solidFill>
-                <a:latin typeface="+mn-lt"/>
-                <a:ea typeface="+mn-ea"/>
-                <a:cs typeface="+mn-cs"/>
-              </a:defRPr>
-            </a:lvl3pPr>
-            <a:lvl4pPr marL="1828800" indent="-384048" algn="l" defTabSz="914400" rtl="0" eaLnBrk="1" latinLnBrk="0" hangingPunct="1">
-              <a:lnSpc>
-                <a:spcPct val="94000"/>
-              </a:lnSpc>
-              <a:spcBef>
-                <a:spcPts val="500"/>
-              </a:spcBef>
-              <a:spcAft>
-                <a:spcPts val="200"/>
-              </a:spcAft>
-              <a:buFont typeface="Franklin Gothic Book" panose="020B0503020102020204" pitchFamily="34" charset="0"/>
-              <a:buChar char="–"/>
-              <a:defRPr sz="1800" i="1" kern="1200" baseline="0">
-                <a:solidFill>
-                  <a:schemeClr val="tx2"/>
-                </a:solidFill>
-                <a:latin typeface="+mn-lt"/>
-                <a:ea typeface="+mn-ea"/>
-                <a:cs typeface="+mn-cs"/>
-              </a:defRPr>
-            </a:lvl4pPr>
-            <a:lvl5pPr marL="2286000" indent="-384048" algn="l" defTabSz="914400" rtl="0" eaLnBrk="1" latinLnBrk="0" hangingPunct="1">
-              <a:lnSpc>
-                <a:spcPct val="94000"/>
-              </a:lnSpc>
-              <a:spcBef>
-                <a:spcPts val="500"/>
-              </a:spcBef>
-              <a:spcAft>
-                <a:spcPts val="200"/>
-              </a:spcAft>
-              <a:buFont typeface="Franklin Gothic Book" panose="020B0503020102020204" pitchFamily="34" charset="0"/>
-              <a:buChar char="■"/>
-              <a:defRPr sz="1600" kern="1200" baseline="0">
-                <a:solidFill>
-                  <a:schemeClr val="tx2"/>
-                </a:solidFill>
-                <a:latin typeface="+mn-lt"/>
-                <a:ea typeface="+mn-ea"/>
-                <a:cs typeface="+mn-cs"/>
-              </a:defRPr>
-            </a:lvl5pPr>
-            <a:lvl6pPr marL="2743200" indent="-384048" algn="l" defTabSz="914400" rtl="0" eaLnBrk="1" latinLnBrk="0" hangingPunct="1">
-              <a:lnSpc>
-                <a:spcPct val="94000"/>
-              </a:lnSpc>
-              <a:spcBef>
-                <a:spcPts val="500"/>
-              </a:spcBef>
-              <a:spcAft>
-                <a:spcPts val="200"/>
-              </a:spcAft>
-              <a:buFont typeface="Franklin Gothic Book" panose="020B0503020102020204" pitchFamily="34" charset="0"/>
-              <a:buChar char="–"/>
-              <a:defRPr sz="1600" i="1" kern="1200" baseline="0">
-                <a:solidFill>
-                  <a:schemeClr val="tx2"/>
-                </a:solidFill>
-                <a:latin typeface="+mn-lt"/>
-                <a:ea typeface="+mn-ea"/>
-                <a:cs typeface="+mn-cs"/>
-              </a:defRPr>
-            </a:lvl6pPr>
-            <a:lvl7pPr marL="3200400" indent="-384048" algn="l" defTabSz="914400" rtl="0" eaLnBrk="1" latinLnBrk="0" hangingPunct="1">
-              <a:lnSpc>
-                <a:spcPct val="94000"/>
-              </a:lnSpc>
-              <a:spcBef>
-                <a:spcPts val="500"/>
-              </a:spcBef>
-              <a:spcAft>
-                <a:spcPts val="200"/>
-              </a:spcAft>
-              <a:buFont typeface="Franklin Gothic Book" panose="020B0503020102020204" pitchFamily="34" charset="0"/>
-              <a:buChar char="■"/>
-              <a:defRPr sz="1400" kern="1200" baseline="0">
-                <a:solidFill>
-                  <a:schemeClr val="tx2"/>
-                </a:solidFill>
-                <a:latin typeface="+mn-lt"/>
-                <a:ea typeface="+mn-ea"/>
-                <a:cs typeface="+mn-cs"/>
-              </a:defRPr>
-            </a:lvl7pPr>
-            <a:lvl8pPr marL="3657600" indent="-384048" algn="l" defTabSz="914400" rtl="0" eaLnBrk="1" latinLnBrk="0" hangingPunct="1">
-              <a:lnSpc>
-                <a:spcPct val="94000"/>
-              </a:lnSpc>
-              <a:spcBef>
-                <a:spcPts val="500"/>
-              </a:spcBef>
-              <a:spcAft>
-                <a:spcPts val="200"/>
-              </a:spcAft>
-              <a:buFont typeface="Franklin Gothic Book" panose="020B0503020102020204" pitchFamily="34" charset="0"/>
-              <a:buChar char="–"/>
-              <a:defRPr sz="1400" i="1" kern="1200" baseline="0">
-                <a:solidFill>
-                  <a:schemeClr val="tx2"/>
-                </a:solidFill>
-                <a:latin typeface="+mn-lt"/>
-                <a:ea typeface="+mn-ea"/>
-                <a:cs typeface="+mn-cs"/>
-              </a:defRPr>
-            </a:lvl8pPr>
-            <a:lvl9pPr marL="4114800" indent="-384048" algn="l" defTabSz="914400" rtl="0" eaLnBrk="1" latinLnBrk="0" hangingPunct="1">
-              <a:lnSpc>
-                <a:spcPct val="94000"/>
-              </a:lnSpc>
-              <a:spcBef>
-                <a:spcPts val="500"/>
-              </a:spcBef>
-              <a:spcAft>
-                <a:spcPts val="200"/>
-              </a:spcAft>
-              <a:buFont typeface="Franklin Gothic Book" panose="020B0503020102020204" pitchFamily="34" charset="0"/>
-              <a:buChar char="■"/>
-              <a:defRPr sz="1400" kern="1200" baseline="0">
-                <a:solidFill>
-                  <a:schemeClr val="tx2"/>
-                </a:solidFill>
-                <a:latin typeface="+mn-lt"/>
-                <a:ea typeface="+mn-ea"/>
-                <a:cs typeface="+mn-cs"/>
-              </a:defRPr>
-            </a:lvl9pPr>
-          </a:lstStyle>
-          <a:p>
-            <a:pPr marL="0" indent="0" algn="just">
-              <a:buClr>
-                <a:schemeClr val="bg1"/>
-              </a:buClr>
-              <a:buFont typeface="Franklin Gothic Book" panose="020B0503020102020204" pitchFamily="34" charset="0"/>
-              <a:buNone/>
-            </a:pPr>
-            <a:r>
-              <a:rPr lang="it-IT" dirty="0" smtClean="0">
-                <a:solidFill>
-                  <a:srgbClr val="000000"/>
-                </a:solidFill>
-                <a:latin typeface="Avenir LT Std 35 Light" panose="020B0402020203020204" pitchFamily="34" charset="0"/>
-              </a:rPr>
-              <a:t>Candidato assunto</a:t>
-            </a:r>
-            <a:endParaRPr lang="it-IT" dirty="0">
-              <a:solidFill>
-                <a:srgbClr val="000000"/>
-              </a:solidFill>
-              <a:latin typeface="Avenir LT Std 35 Light" panose="020B0402020203020204" pitchFamily="34" charset="0"/>
-            </a:endParaRPr>
-          </a:p>
-        </p:txBody>
-      </p:sp>
-      <p:sp>
-        <p:nvSpPr>
-          <p:cNvPr id="11" name="Rettangolo 10"/>
-          <p:cNvSpPr/>
-          <p:nvPr/>
-        </p:nvSpPr>
-        <p:spPr>
-          <a:xfrm>
-            <a:off x="1164276" y="2823766"/>
-            <a:ext cx="556030" cy="556030"/>
-          </a:xfrm>
-          <a:prstGeom prst="rect">
-            <a:avLst/>
-          </a:prstGeom>
-          <a:solidFill>
-            <a:srgbClr val="00B050"/>
-          </a:solidFill>
-          <a:ln w="9525">
-            <a:solidFill>
-              <a:schemeClr val="tx1"/>
-            </a:solidFill>
-          </a:ln>
-        </p:spPr>
-        <p:style>
-          <a:lnRef idx="2">
-            <a:schemeClr val="accent1">
-              <a:shade val="50000"/>
-            </a:schemeClr>
-          </a:lnRef>
-          <a:fillRef idx="1">
-            <a:schemeClr val="accent1"/>
-          </a:fillRef>
-          <a:effectRef idx="0">
-            <a:schemeClr val="accent1"/>
-          </a:effectRef>
-          <a:fontRef idx="minor">
-            <a:schemeClr val="lt1"/>
-          </a:fontRef>
-        </p:style>
-        <p:txBody>
-          <a:bodyPr rtlCol="0" anchor="ctr"/>
-          <a:lstStyle/>
-          <a:p>
-            <a:pPr algn="ctr"/>
-            <a:endParaRPr lang="it-IT"/>
-          </a:p>
-        </p:txBody>
-      </p:sp>
+          <a:noFill/>
+        </p:spPr>
+      </p:pic>
     </p:spTree>
     <p:extLst>
       <p:ext uri="{BB962C8B-B14F-4D97-AF65-F5344CB8AC3E}">
-        <p14:creationId xmlns:p14="http://schemas.microsoft.com/office/powerpoint/2010/main" val="2495045112"/>
+        <p14:creationId xmlns:p14="http://schemas.microsoft.com/office/powerpoint/2010/main" val="4142940866"/>
       </p:ext>
     </p:extLst>
   </p:cSld>
@@ -8548,33 +9316,20 @@
           <a:lstStyle/>
           <a:p>
             <a:r>
-              <a:rPr lang="it-IT" sz="3600" b="1" dirty="0">
+              <a:rPr lang="it-IT" sz="3400" b="1" dirty="0" smtClean="0">
                 <a:solidFill>
                   <a:srgbClr val="000000"/>
                 </a:solidFill>
                 <a:latin typeface="Avenir LT Std 35 Light" panose="020B0402020203020204" pitchFamily="34" charset="0"/>
               </a:rPr>
-              <a:t>L’elenco delle azioni </a:t>
-            </a:r>
-            <a:r>
-              <a:rPr lang="it-IT" sz="3200" b="1" dirty="0">
-                <a:solidFill>
-                  <a:srgbClr val="000000"/>
-                </a:solidFill>
-                <a:latin typeface="Times New Roman" panose="02020603050405020304" pitchFamily="18" charset="0"/>
-                <a:cs typeface="Times New Roman" panose="02020603050405020304" pitchFamily="18" charset="0"/>
-              </a:rPr>
-              <a:t>•</a:t>
-            </a:r>
-            <a:r>
-              <a:rPr lang="it-IT" sz="3600" b="1" dirty="0">
-                <a:solidFill>
-                  <a:srgbClr val="000000"/>
-                </a:solidFill>
-                <a:latin typeface="Avenir LT Std 35 Light" panose="020B0402020203020204" pitchFamily="34" charset="0"/>
-              </a:rPr>
-              <a:t> Descrizione dettagliata</a:t>
-            </a:r>
+              <a:t>Righe e candidati</a:t>
+            </a:r>
+            <a:endParaRPr lang="it-IT" sz="3400" b="1" dirty="0">
+              <a:solidFill>
+                <a:srgbClr val="000000"/>
+              </a:solidFill>
+              <a:latin typeface="Avenir LT Std 35 Light" panose="020B0402020203020204" pitchFamily="34" charset="0"/>
+            </a:endParaRPr>
           </a:p>
         </p:txBody>
       </p:sp>
@@ -8590,8 +9345,8 @@
         </p:nvSpPr>
         <p:spPr>
           <a:xfrm>
-            <a:off x="1024576" y="1407651"/>
-            <a:ext cx="10515600" cy="773846"/>
+            <a:off x="1792151" y="1524089"/>
+            <a:ext cx="3110049" cy="439592"/>
           </a:xfrm>
         </p:spPr>
         <p:txBody>
@@ -8601,41 +9356,32 @@
           <a:lstStyle/>
           <a:p>
             <a:pPr marL="0" indent="0" algn="just">
+              <a:buClr>
+                <a:schemeClr val="bg1"/>
+              </a:buClr>
               <a:buNone/>
             </a:pPr>
             <a:r>
-              <a:rPr lang="it-IT" dirty="0">
+              <a:rPr lang="it-IT" dirty="0" smtClean="0">
                 <a:solidFill>
                   <a:srgbClr val="000000"/>
                 </a:solidFill>
                 <a:latin typeface="Avenir LT Std 35 Light" panose="020B0402020203020204" pitchFamily="34" charset="0"/>
               </a:rPr>
-              <a:t>Questo pulsante permette di visualizzare le informazioni dettagliate del candidato </a:t>
-            </a:r>
-            <a:r>
-              <a:rPr lang="it-IT" dirty="0" smtClean="0">
-                <a:solidFill>
-                  <a:srgbClr val="000000"/>
-                </a:solidFill>
-                <a:latin typeface="Avenir LT Std 35 Light" panose="020B0402020203020204" pitchFamily="34" charset="0"/>
-              </a:rPr>
-              <a:t>corrispondente alla </a:t>
-            </a:r>
-            <a:r>
-              <a:rPr lang="it-IT" dirty="0">
-                <a:solidFill>
-                  <a:srgbClr val="000000"/>
-                </a:solidFill>
-                <a:latin typeface="Avenir LT Std 35 Light" panose="020B0402020203020204" pitchFamily="34" charset="0"/>
-              </a:rPr>
-              <a:t>riga selezionata.</a:t>
-            </a:r>
+              <a:t>Candidato rimosso</a:t>
+            </a:r>
+            <a:endParaRPr lang="it-IT" dirty="0">
+              <a:solidFill>
+                <a:srgbClr val="000000"/>
+              </a:solidFill>
+              <a:latin typeface="Avenir LT Std 35 Light" panose="020B0402020203020204" pitchFamily="34" charset="0"/>
+            </a:endParaRPr>
           </a:p>
         </p:txBody>
       </p:sp>
       <p:pic>
         <p:nvPicPr>
-          <p:cNvPr id="6" name="Immagine 5"/>
+          <p:cNvPr id="4" name="Immagine 3"/>
           <p:cNvPicPr>
             <a:picLocks noChangeAspect="1"/>
           </p:cNvPicPr>
@@ -8643,685 +9389,690 @@
         </p:nvPicPr>
         <p:blipFill rotWithShape="1">
           <a:blip r:embed="rId2"/>
-          <a:srcRect l="79138" t="57409" r="18441" b="37078"/>
+          <a:srcRect t="59385" b="18004"/>
           <a:stretch/>
         </p:blipFill>
         <p:spPr>
           <a:xfrm>
-            <a:off x="10836792" y="332931"/>
-            <a:ext cx="703384" cy="900014"/>
+            <a:off x="1157416" y="4177054"/>
+            <a:ext cx="10508234" cy="1335885"/>
           </a:xfrm>
           <a:prstGeom prst="rect">
             <a:avLst/>
           </a:prstGeom>
-          <a:ln>
-            <a:noFill/>
+        </p:spPr>
+      </p:pic>
+      <p:sp>
+        <p:nvSpPr>
+          <p:cNvPr id="7" name="Rettangolo 6"/>
+          <p:cNvSpPr/>
+          <p:nvPr/>
+        </p:nvSpPr>
+        <p:spPr>
+          <a:xfrm>
+            <a:off x="1164276" y="1407651"/>
+            <a:ext cx="556030" cy="556030"/>
+          </a:xfrm>
+          <a:prstGeom prst="rect">
+            <a:avLst/>
+          </a:prstGeom>
+          <a:solidFill>
+            <a:srgbClr val="FF0000"/>
+          </a:solidFill>
+          <a:ln w="9525">
+            <a:solidFill>
+              <a:schemeClr val="tx1"/>
+            </a:solidFill>
           </a:ln>
-          <a:effectLst>
-            <a:softEdge rad="112500"/>
-          </a:effectLst>
-        </p:spPr>
-      </p:pic>
+        </p:spPr>
+        <p:style>
+          <a:lnRef idx="2">
+            <a:schemeClr val="accent1">
+              <a:shade val="50000"/>
+            </a:schemeClr>
+          </a:lnRef>
+          <a:fillRef idx="1">
+            <a:schemeClr val="accent1"/>
+          </a:fillRef>
+          <a:effectRef idx="0">
+            <a:schemeClr val="accent1"/>
+          </a:effectRef>
+          <a:fontRef idx="minor">
+            <a:schemeClr val="lt1"/>
+          </a:fontRef>
+        </p:style>
+        <p:txBody>
+          <a:bodyPr rtlCol="0" anchor="ctr"/>
+          <a:lstStyle/>
+          <a:p>
+            <a:pPr algn="ctr"/>
+            <a:endParaRPr lang="it-IT"/>
+          </a:p>
+        </p:txBody>
+      </p:sp>
+      <p:sp>
+        <p:nvSpPr>
+          <p:cNvPr id="8" name="Segnaposto contenuto 2"/>
+          <p:cNvSpPr txBox="1">
+            <a:spLocks/>
+          </p:cNvSpPr>
+          <p:nvPr/>
+        </p:nvSpPr>
+        <p:spPr>
+          <a:xfrm>
+            <a:off x="1792151" y="2234017"/>
+            <a:ext cx="5396049" cy="439592"/>
+          </a:xfrm>
+          <a:prstGeom prst="rect">
+            <a:avLst/>
+          </a:prstGeom>
+        </p:spPr>
+        <p:txBody>
+          <a:bodyPr vert="horz" lIns="91440" tIns="45720" rIns="91440" bIns="45720" rtlCol="0">
+            <a:normAutofit/>
+          </a:bodyPr>
+          <a:lstStyle>
+            <a:lvl1pPr marL="384048" indent="-384048" algn="l" defTabSz="914400" rtl="0" eaLnBrk="1" latinLnBrk="0" hangingPunct="1">
+              <a:lnSpc>
+                <a:spcPct val="94000"/>
+              </a:lnSpc>
+              <a:spcBef>
+                <a:spcPts val="1000"/>
+              </a:spcBef>
+              <a:spcAft>
+                <a:spcPts val="200"/>
+              </a:spcAft>
+              <a:buFont typeface="Franklin Gothic Book" panose="020B0503020102020204" pitchFamily="34" charset="0"/>
+              <a:buChar char="■"/>
+              <a:defRPr sz="2000" kern="1200" baseline="0">
+                <a:solidFill>
+                  <a:schemeClr val="tx2"/>
+                </a:solidFill>
+                <a:latin typeface="+mn-lt"/>
+                <a:ea typeface="+mn-ea"/>
+                <a:cs typeface="+mn-cs"/>
+              </a:defRPr>
+            </a:lvl1pPr>
+            <a:lvl2pPr marL="914400" indent="-384048" algn="l" defTabSz="914400" rtl="0" eaLnBrk="1" latinLnBrk="0" hangingPunct="1">
+              <a:lnSpc>
+                <a:spcPct val="94000"/>
+              </a:lnSpc>
+              <a:spcBef>
+                <a:spcPts val="500"/>
+              </a:spcBef>
+              <a:spcAft>
+                <a:spcPts val="200"/>
+              </a:spcAft>
+              <a:buFont typeface="Franklin Gothic Book" panose="020B0503020102020204" pitchFamily="34" charset="0"/>
+              <a:buChar char="–"/>
+              <a:defRPr sz="2000" i="1" kern="1200" baseline="0">
+                <a:solidFill>
+                  <a:schemeClr val="tx2"/>
+                </a:solidFill>
+                <a:latin typeface="+mn-lt"/>
+                <a:ea typeface="+mn-ea"/>
+                <a:cs typeface="+mn-cs"/>
+              </a:defRPr>
+            </a:lvl2pPr>
+            <a:lvl3pPr marL="1371600" indent="-384048" algn="l" defTabSz="914400" rtl="0" eaLnBrk="1" latinLnBrk="0" hangingPunct="1">
+              <a:lnSpc>
+                <a:spcPct val="94000"/>
+              </a:lnSpc>
+              <a:spcBef>
+                <a:spcPts val="500"/>
+              </a:spcBef>
+              <a:spcAft>
+                <a:spcPts val="200"/>
+              </a:spcAft>
+              <a:buFont typeface="Franklin Gothic Book" panose="020B0503020102020204" pitchFamily="34" charset="0"/>
+              <a:buChar char="■"/>
+              <a:defRPr sz="1800" kern="1200" baseline="0">
+                <a:solidFill>
+                  <a:schemeClr val="tx2"/>
+                </a:solidFill>
+                <a:latin typeface="+mn-lt"/>
+                <a:ea typeface="+mn-ea"/>
+                <a:cs typeface="+mn-cs"/>
+              </a:defRPr>
+            </a:lvl3pPr>
+            <a:lvl4pPr marL="1828800" indent="-384048" algn="l" defTabSz="914400" rtl="0" eaLnBrk="1" latinLnBrk="0" hangingPunct="1">
+              <a:lnSpc>
+                <a:spcPct val="94000"/>
+              </a:lnSpc>
+              <a:spcBef>
+                <a:spcPts val="500"/>
+              </a:spcBef>
+              <a:spcAft>
+                <a:spcPts val="200"/>
+              </a:spcAft>
+              <a:buFont typeface="Franklin Gothic Book" panose="020B0503020102020204" pitchFamily="34" charset="0"/>
+              <a:buChar char="–"/>
+              <a:defRPr sz="1800" i="1" kern="1200" baseline="0">
+                <a:solidFill>
+                  <a:schemeClr val="tx2"/>
+                </a:solidFill>
+                <a:latin typeface="+mn-lt"/>
+                <a:ea typeface="+mn-ea"/>
+                <a:cs typeface="+mn-cs"/>
+              </a:defRPr>
+            </a:lvl4pPr>
+            <a:lvl5pPr marL="2286000" indent="-384048" algn="l" defTabSz="914400" rtl="0" eaLnBrk="1" latinLnBrk="0" hangingPunct="1">
+              <a:lnSpc>
+                <a:spcPct val="94000"/>
+              </a:lnSpc>
+              <a:spcBef>
+                <a:spcPts val="500"/>
+              </a:spcBef>
+              <a:spcAft>
+                <a:spcPts val="200"/>
+              </a:spcAft>
+              <a:buFont typeface="Franklin Gothic Book" panose="020B0503020102020204" pitchFamily="34" charset="0"/>
+              <a:buChar char="■"/>
+              <a:defRPr sz="1600" kern="1200" baseline="0">
+                <a:solidFill>
+                  <a:schemeClr val="tx2"/>
+                </a:solidFill>
+                <a:latin typeface="+mn-lt"/>
+                <a:ea typeface="+mn-ea"/>
+                <a:cs typeface="+mn-cs"/>
+              </a:defRPr>
+            </a:lvl5pPr>
+            <a:lvl6pPr marL="2743200" indent="-384048" algn="l" defTabSz="914400" rtl="0" eaLnBrk="1" latinLnBrk="0" hangingPunct="1">
+              <a:lnSpc>
+                <a:spcPct val="94000"/>
+              </a:lnSpc>
+              <a:spcBef>
+                <a:spcPts val="500"/>
+              </a:spcBef>
+              <a:spcAft>
+                <a:spcPts val="200"/>
+              </a:spcAft>
+              <a:buFont typeface="Franklin Gothic Book" panose="020B0503020102020204" pitchFamily="34" charset="0"/>
+              <a:buChar char="–"/>
+              <a:defRPr sz="1600" i="1" kern="1200" baseline="0">
+                <a:solidFill>
+                  <a:schemeClr val="tx2"/>
+                </a:solidFill>
+                <a:latin typeface="+mn-lt"/>
+                <a:ea typeface="+mn-ea"/>
+                <a:cs typeface="+mn-cs"/>
+              </a:defRPr>
+            </a:lvl6pPr>
+            <a:lvl7pPr marL="3200400" indent="-384048" algn="l" defTabSz="914400" rtl="0" eaLnBrk="1" latinLnBrk="0" hangingPunct="1">
+              <a:lnSpc>
+                <a:spcPct val="94000"/>
+              </a:lnSpc>
+              <a:spcBef>
+                <a:spcPts val="500"/>
+              </a:spcBef>
+              <a:spcAft>
+                <a:spcPts val="200"/>
+              </a:spcAft>
+              <a:buFont typeface="Franklin Gothic Book" panose="020B0503020102020204" pitchFamily="34" charset="0"/>
+              <a:buChar char="■"/>
+              <a:defRPr sz="1400" kern="1200" baseline="0">
+                <a:solidFill>
+                  <a:schemeClr val="tx2"/>
+                </a:solidFill>
+                <a:latin typeface="+mn-lt"/>
+                <a:ea typeface="+mn-ea"/>
+                <a:cs typeface="+mn-cs"/>
+              </a:defRPr>
+            </a:lvl7pPr>
+            <a:lvl8pPr marL="3657600" indent="-384048" algn="l" defTabSz="914400" rtl="0" eaLnBrk="1" latinLnBrk="0" hangingPunct="1">
+              <a:lnSpc>
+                <a:spcPct val="94000"/>
+              </a:lnSpc>
+              <a:spcBef>
+                <a:spcPts val="500"/>
+              </a:spcBef>
+              <a:spcAft>
+                <a:spcPts val="200"/>
+              </a:spcAft>
+              <a:buFont typeface="Franklin Gothic Book" panose="020B0503020102020204" pitchFamily="34" charset="0"/>
+              <a:buChar char="–"/>
+              <a:defRPr sz="1400" i="1" kern="1200" baseline="0">
+                <a:solidFill>
+                  <a:schemeClr val="tx2"/>
+                </a:solidFill>
+                <a:latin typeface="+mn-lt"/>
+                <a:ea typeface="+mn-ea"/>
+                <a:cs typeface="+mn-cs"/>
+              </a:defRPr>
+            </a:lvl8pPr>
+            <a:lvl9pPr marL="4114800" indent="-384048" algn="l" defTabSz="914400" rtl="0" eaLnBrk="1" latinLnBrk="0" hangingPunct="1">
+              <a:lnSpc>
+                <a:spcPct val="94000"/>
+              </a:lnSpc>
+              <a:spcBef>
+                <a:spcPts val="500"/>
+              </a:spcBef>
+              <a:spcAft>
+                <a:spcPts val="200"/>
+              </a:spcAft>
+              <a:buFont typeface="Franklin Gothic Book" panose="020B0503020102020204" pitchFamily="34" charset="0"/>
+              <a:buChar char="■"/>
+              <a:defRPr sz="1400" kern="1200" baseline="0">
+                <a:solidFill>
+                  <a:schemeClr val="tx2"/>
+                </a:solidFill>
+                <a:latin typeface="+mn-lt"/>
+                <a:ea typeface="+mn-ea"/>
+                <a:cs typeface="+mn-cs"/>
+              </a:defRPr>
+            </a:lvl9pPr>
+          </a:lstStyle>
+          <a:p>
+            <a:pPr marL="0" indent="0" algn="just">
+              <a:buClr>
+                <a:schemeClr val="bg1"/>
+              </a:buClr>
+              <a:buFont typeface="Franklin Gothic Book" panose="020B0503020102020204" pitchFamily="34" charset="0"/>
+              <a:buNone/>
+            </a:pPr>
+            <a:r>
+              <a:rPr lang="it-IT" dirty="0" smtClean="0">
+                <a:solidFill>
+                  <a:srgbClr val="000000"/>
+                </a:solidFill>
+                <a:latin typeface="Avenir LT Std 35 Light" panose="020B0402020203020204" pitchFamily="34" charset="0"/>
+              </a:rPr>
+              <a:t>Candidato non rimosso e non assunto</a:t>
+            </a:r>
+            <a:endParaRPr lang="it-IT" dirty="0">
+              <a:solidFill>
+                <a:srgbClr val="000000"/>
+              </a:solidFill>
+              <a:latin typeface="Avenir LT Std 35 Light" panose="020B0402020203020204" pitchFamily="34" charset="0"/>
+            </a:endParaRPr>
+          </a:p>
+        </p:txBody>
+      </p:sp>
+      <p:sp>
+        <p:nvSpPr>
+          <p:cNvPr id="9" name="Rettangolo 8"/>
+          <p:cNvSpPr/>
+          <p:nvPr/>
+        </p:nvSpPr>
+        <p:spPr>
+          <a:xfrm>
+            <a:off x="1164276" y="2117579"/>
+            <a:ext cx="556030" cy="556030"/>
+          </a:xfrm>
+          <a:prstGeom prst="rect">
+            <a:avLst/>
+          </a:prstGeom>
+          <a:solidFill>
+            <a:schemeClr val="bg1"/>
+          </a:solidFill>
+          <a:ln w="9525">
+            <a:solidFill>
+              <a:schemeClr val="tx1"/>
+            </a:solidFill>
+          </a:ln>
+        </p:spPr>
+        <p:style>
+          <a:lnRef idx="2">
+            <a:schemeClr val="accent1">
+              <a:shade val="50000"/>
+            </a:schemeClr>
+          </a:lnRef>
+          <a:fillRef idx="1">
+            <a:schemeClr val="accent1"/>
+          </a:fillRef>
+          <a:effectRef idx="0">
+            <a:schemeClr val="accent1"/>
+          </a:effectRef>
+          <a:fontRef idx="minor">
+            <a:schemeClr val="lt1"/>
+          </a:fontRef>
+        </p:style>
+        <p:txBody>
+          <a:bodyPr rtlCol="0" anchor="ctr"/>
+          <a:lstStyle/>
+          <a:p>
+            <a:pPr algn="ctr"/>
+            <a:endParaRPr lang="it-IT"/>
+          </a:p>
+        </p:txBody>
+      </p:sp>
+      <p:sp>
+        <p:nvSpPr>
+          <p:cNvPr id="10" name="Segnaposto contenuto 2"/>
+          <p:cNvSpPr txBox="1">
+            <a:spLocks/>
+          </p:cNvSpPr>
+          <p:nvPr/>
+        </p:nvSpPr>
+        <p:spPr>
+          <a:xfrm>
+            <a:off x="1792151" y="2940204"/>
+            <a:ext cx="4519749" cy="439592"/>
+          </a:xfrm>
+          <a:prstGeom prst="rect">
+            <a:avLst/>
+          </a:prstGeom>
+        </p:spPr>
+        <p:txBody>
+          <a:bodyPr vert="horz" lIns="91440" tIns="45720" rIns="91440" bIns="45720" rtlCol="0">
+            <a:normAutofit/>
+          </a:bodyPr>
+          <a:lstStyle>
+            <a:lvl1pPr marL="384048" indent="-384048" algn="l" defTabSz="914400" rtl="0" eaLnBrk="1" latinLnBrk="0" hangingPunct="1">
+              <a:lnSpc>
+                <a:spcPct val="94000"/>
+              </a:lnSpc>
+              <a:spcBef>
+                <a:spcPts val="1000"/>
+              </a:spcBef>
+              <a:spcAft>
+                <a:spcPts val="200"/>
+              </a:spcAft>
+              <a:buFont typeface="Franklin Gothic Book" panose="020B0503020102020204" pitchFamily="34" charset="0"/>
+              <a:buChar char="■"/>
+              <a:defRPr sz="2000" kern="1200" baseline="0">
+                <a:solidFill>
+                  <a:schemeClr val="tx2"/>
+                </a:solidFill>
+                <a:latin typeface="+mn-lt"/>
+                <a:ea typeface="+mn-ea"/>
+                <a:cs typeface="+mn-cs"/>
+              </a:defRPr>
+            </a:lvl1pPr>
+            <a:lvl2pPr marL="914400" indent="-384048" algn="l" defTabSz="914400" rtl="0" eaLnBrk="1" latinLnBrk="0" hangingPunct="1">
+              <a:lnSpc>
+                <a:spcPct val="94000"/>
+              </a:lnSpc>
+              <a:spcBef>
+                <a:spcPts val="500"/>
+              </a:spcBef>
+              <a:spcAft>
+                <a:spcPts val="200"/>
+              </a:spcAft>
+              <a:buFont typeface="Franklin Gothic Book" panose="020B0503020102020204" pitchFamily="34" charset="0"/>
+              <a:buChar char="–"/>
+              <a:defRPr sz="2000" i="1" kern="1200" baseline="0">
+                <a:solidFill>
+                  <a:schemeClr val="tx2"/>
+                </a:solidFill>
+                <a:latin typeface="+mn-lt"/>
+                <a:ea typeface="+mn-ea"/>
+                <a:cs typeface="+mn-cs"/>
+              </a:defRPr>
+            </a:lvl2pPr>
+            <a:lvl3pPr marL="1371600" indent="-384048" algn="l" defTabSz="914400" rtl="0" eaLnBrk="1" latinLnBrk="0" hangingPunct="1">
+              <a:lnSpc>
+                <a:spcPct val="94000"/>
+              </a:lnSpc>
+              <a:spcBef>
+                <a:spcPts val="500"/>
+              </a:spcBef>
+              <a:spcAft>
+                <a:spcPts val="200"/>
+              </a:spcAft>
+              <a:buFont typeface="Franklin Gothic Book" panose="020B0503020102020204" pitchFamily="34" charset="0"/>
+              <a:buChar char="■"/>
+              <a:defRPr sz="1800" kern="1200" baseline="0">
+                <a:solidFill>
+                  <a:schemeClr val="tx2"/>
+                </a:solidFill>
+                <a:latin typeface="+mn-lt"/>
+                <a:ea typeface="+mn-ea"/>
+                <a:cs typeface="+mn-cs"/>
+              </a:defRPr>
+            </a:lvl3pPr>
+            <a:lvl4pPr marL="1828800" indent="-384048" algn="l" defTabSz="914400" rtl="0" eaLnBrk="1" latinLnBrk="0" hangingPunct="1">
+              <a:lnSpc>
+                <a:spcPct val="94000"/>
+              </a:lnSpc>
+              <a:spcBef>
+                <a:spcPts val="500"/>
+              </a:spcBef>
+              <a:spcAft>
+                <a:spcPts val="200"/>
+              </a:spcAft>
+              <a:buFont typeface="Franklin Gothic Book" panose="020B0503020102020204" pitchFamily="34" charset="0"/>
+              <a:buChar char="–"/>
+              <a:defRPr sz="1800" i="1" kern="1200" baseline="0">
+                <a:solidFill>
+                  <a:schemeClr val="tx2"/>
+                </a:solidFill>
+                <a:latin typeface="+mn-lt"/>
+                <a:ea typeface="+mn-ea"/>
+                <a:cs typeface="+mn-cs"/>
+              </a:defRPr>
+            </a:lvl4pPr>
+            <a:lvl5pPr marL="2286000" indent="-384048" algn="l" defTabSz="914400" rtl="0" eaLnBrk="1" latinLnBrk="0" hangingPunct="1">
+              <a:lnSpc>
+                <a:spcPct val="94000"/>
+              </a:lnSpc>
+              <a:spcBef>
+                <a:spcPts val="500"/>
+              </a:spcBef>
+              <a:spcAft>
+                <a:spcPts val="200"/>
+              </a:spcAft>
+              <a:buFont typeface="Franklin Gothic Book" panose="020B0503020102020204" pitchFamily="34" charset="0"/>
+              <a:buChar char="■"/>
+              <a:defRPr sz="1600" kern="1200" baseline="0">
+                <a:solidFill>
+                  <a:schemeClr val="tx2"/>
+                </a:solidFill>
+                <a:latin typeface="+mn-lt"/>
+                <a:ea typeface="+mn-ea"/>
+                <a:cs typeface="+mn-cs"/>
+              </a:defRPr>
+            </a:lvl5pPr>
+            <a:lvl6pPr marL="2743200" indent="-384048" algn="l" defTabSz="914400" rtl="0" eaLnBrk="1" latinLnBrk="0" hangingPunct="1">
+              <a:lnSpc>
+                <a:spcPct val="94000"/>
+              </a:lnSpc>
+              <a:spcBef>
+                <a:spcPts val="500"/>
+              </a:spcBef>
+              <a:spcAft>
+                <a:spcPts val="200"/>
+              </a:spcAft>
+              <a:buFont typeface="Franklin Gothic Book" panose="020B0503020102020204" pitchFamily="34" charset="0"/>
+              <a:buChar char="–"/>
+              <a:defRPr sz="1600" i="1" kern="1200" baseline="0">
+                <a:solidFill>
+                  <a:schemeClr val="tx2"/>
+                </a:solidFill>
+                <a:latin typeface="+mn-lt"/>
+                <a:ea typeface="+mn-ea"/>
+                <a:cs typeface="+mn-cs"/>
+              </a:defRPr>
+            </a:lvl6pPr>
+            <a:lvl7pPr marL="3200400" indent="-384048" algn="l" defTabSz="914400" rtl="0" eaLnBrk="1" latinLnBrk="0" hangingPunct="1">
+              <a:lnSpc>
+                <a:spcPct val="94000"/>
+              </a:lnSpc>
+              <a:spcBef>
+                <a:spcPts val="500"/>
+              </a:spcBef>
+              <a:spcAft>
+                <a:spcPts val="200"/>
+              </a:spcAft>
+              <a:buFont typeface="Franklin Gothic Book" panose="020B0503020102020204" pitchFamily="34" charset="0"/>
+              <a:buChar char="■"/>
+              <a:defRPr sz="1400" kern="1200" baseline="0">
+                <a:solidFill>
+                  <a:schemeClr val="tx2"/>
+                </a:solidFill>
+                <a:latin typeface="+mn-lt"/>
+                <a:ea typeface="+mn-ea"/>
+                <a:cs typeface="+mn-cs"/>
+              </a:defRPr>
+            </a:lvl7pPr>
+            <a:lvl8pPr marL="3657600" indent="-384048" algn="l" defTabSz="914400" rtl="0" eaLnBrk="1" latinLnBrk="0" hangingPunct="1">
+              <a:lnSpc>
+                <a:spcPct val="94000"/>
+              </a:lnSpc>
+              <a:spcBef>
+                <a:spcPts val="500"/>
+              </a:spcBef>
+              <a:spcAft>
+                <a:spcPts val="200"/>
+              </a:spcAft>
+              <a:buFont typeface="Franklin Gothic Book" panose="020B0503020102020204" pitchFamily="34" charset="0"/>
+              <a:buChar char="–"/>
+              <a:defRPr sz="1400" i="1" kern="1200" baseline="0">
+                <a:solidFill>
+                  <a:schemeClr val="tx2"/>
+                </a:solidFill>
+                <a:latin typeface="+mn-lt"/>
+                <a:ea typeface="+mn-ea"/>
+                <a:cs typeface="+mn-cs"/>
+              </a:defRPr>
+            </a:lvl8pPr>
+            <a:lvl9pPr marL="4114800" indent="-384048" algn="l" defTabSz="914400" rtl="0" eaLnBrk="1" latinLnBrk="0" hangingPunct="1">
+              <a:lnSpc>
+                <a:spcPct val="94000"/>
+              </a:lnSpc>
+              <a:spcBef>
+                <a:spcPts val="500"/>
+              </a:spcBef>
+              <a:spcAft>
+                <a:spcPts val="200"/>
+              </a:spcAft>
+              <a:buFont typeface="Franklin Gothic Book" panose="020B0503020102020204" pitchFamily="34" charset="0"/>
+              <a:buChar char="■"/>
+              <a:defRPr sz="1400" kern="1200" baseline="0">
+                <a:solidFill>
+                  <a:schemeClr val="tx2"/>
+                </a:solidFill>
+                <a:latin typeface="+mn-lt"/>
+                <a:ea typeface="+mn-ea"/>
+                <a:cs typeface="+mn-cs"/>
+              </a:defRPr>
+            </a:lvl9pPr>
+          </a:lstStyle>
+          <a:p>
+            <a:pPr marL="0" indent="0" algn="just">
+              <a:buClr>
+                <a:schemeClr val="bg1"/>
+              </a:buClr>
+              <a:buFont typeface="Franklin Gothic Book" panose="020B0503020102020204" pitchFamily="34" charset="0"/>
+              <a:buNone/>
+            </a:pPr>
+            <a:r>
+              <a:rPr lang="it-IT" dirty="0" smtClean="0">
+                <a:solidFill>
+                  <a:srgbClr val="000000"/>
+                </a:solidFill>
+                <a:latin typeface="Avenir LT Std 35 Light" panose="020B0402020203020204" pitchFamily="34" charset="0"/>
+              </a:rPr>
+              <a:t>Candidato assunto</a:t>
+            </a:r>
+            <a:endParaRPr lang="it-IT" dirty="0">
+              <a:solidFill>
+                <a:srgbClr val="000000"/>
+              </a:solidFill>
+              <a:latin typeface="Avenir LT Std 35 Light" panose="020B0402020203020204" pitchFamily="34" charset="0"/>
+            </a:endParaRPr>
+          </a:p>
+        </p:txBody>
+      </p:sp>
+      <p:sp>
+        <p:nvSpPr>
+          <p:cNvPr id="11" name="Rettangolo 10"/>
+          <p:cNvSpPr/>
+          <p:nvPr/>
+        </p:nvSpPr>
+        <p:spPr>
+          <a:xfrm>
+            <a:off x="1164276" y="2823766"/>
+            <a:ext cx="556030" cy="556030"/>
+          </a:xfrm>
+          <a:prstGeom prst="rect">
+            <a:avLst/>
+          </a:prstGeom>
+          <a:solidFill>
+            <a:srgbClr val="00B050"/>
+          </a:solidFill>
+          <a:ln w="9525">
+            <a:solidFill>
+              <a:schemeClr val="tx1"/>
+            </a:solidFill>
+          </a:ln>
+        </p:spPr>
+        <p:style>
+          <a:lnRef idx="2">
+            <a:schemeClr val="accent1">
+              <a:shade val="50000"/>
+            </a:schemeClr>
+          </a:lnRef>
+          <a:fillRef idx="1">
+            <a:schemeClr val="accent1"/>
+          </a:fillRef>
+          <a:effectRef idx="0">
+            <a:schemeClr val="accent1"/>
+          </a:effectRef>
+          <a:fontRef idx="minor">
+            <a:schemeClr val="lt1"/>
+          </a:fontRef>
+        </p:style>
+        <p:txBody>
+          <a:bodyPr rtlCol="0" anchor="ctr"/>
+          <a:lstStyle/>
+          <a:p>
+            <a:pPr algn="ctr"/>
+            <a:endParaRPr lang="it-IT"/>
+          </a:p>
+        </p:txBody>
+      </p:sp>
       <p:pic>
         <p:nvPicPr>
-          <p:cNvPr id="7" name="Immagine 6"/>
+          <p:cNvPr id="12" name="Immagine 11"/>
           <p:cNvPicPr>
             <a:picLocks noChangeAspect="1"/>
           </p:cNvPicPr>
           <p:nvPr/>
         </p:nvPicPr>
-        <p:blipFill rotWithShape="1">
-          <a:blip r:embed="rId3"/>
-          <a:srcRect t="33876" b="26083"/>
-          <a:stretch/>
+        <p:blipFill>
+          <a:blip r:embed="rId3" cstate="print">
+            <a:duotone>
+              <a:schemeClr val="accent1">
+                <a:shade val="45000"/>
+                <a:satMod val="135000"/>
+              </a:schemeClr>
+              <a:prstClr val="white"/>
+            </a:duotone>
+            <a:extLst>
+              <a:ext uri="{BEBA8EAE-BF5A-486C-A8C5-ECC9F3942E4B}">
+                <a14:imgProps xmlns:a14="http://schemas.microsoft.com/office/drawing/2010/main">
+                  <a14:imgLayer r:embed="rId4">
+                    <a14:imgEffect>
+                      <a14:brightnessContrast bright="-98000" contrast="-1000"/>
+                    </a14:imgEffect>
+                  </a14:imgLayer>
+                </a14:imgProps>
+              </a:ext>
+              <a:ext uri="{28A0092B-C50C-407E-A947-70E740481C1C}">
+                <a14:useLocalDpi xmlns:a14="http://schemas.microsoft.com/office/drawing/2010/main" val="0"/>
+              </a:ext>
+            </a:extLst>
+          </a:blip>
+          <a:stretch>
+            <a:fillRect/>
+          </a:stretch>
         </p:blipFill>
         <p:spPr>
           <a:xfrm>
-            <a:off x="1024576" y="2168434"/>
-            <a:ext cx="10758389" cy="2421891"/>
+            <a:off x="-1584" y="6357256"/>
+            <a:ext cx="500743" cy="500743"/>
           </a:xfrm>
           <a:prstGeom prst="rect">
             <a:avLst/>
           </a:prstGeom>
+          <a:noFill/>
         </p:spPr>
       </p:pic>
-      <p:sp>
-        <p:nvSpPr>
-          <p:cNvPr id="8" name="Segnaposto contenuto 2"/>
-          <p:cNvSpPr txBox="1">
-            <a:spLocks/>
-          </p:cNvSpPr>
-          <p:nvPr/>
-        </p:nvSpPr>
-        <p:spPr>
-          <a:xfrm>
-            <a:off x="1024576" y="5158415"/>
-            <a:ext cx="10515600" cy="1255861"/>
-          </a:xfrm>
-          <a:prstGeom prst="rect">
-            <a:avLst/>
-          </a:prstGeom>
-        </p:spPr>
-        <p:txBody>
-          <a:bodyPr vert="horz" lIns="91440" tIns="45720" rIns="91440" bIns="45720" rtlCol="0">
-            <a:normAutofit/>
-          </a:bodyPr>
-          <a:lstStyle>
-            <a:lvl1pPr marL="228600" indent="-228600" algn="l" defTabSz="914400" rtl="0" eaLnBrk="1" latinLnBrk="0" hangingPunct="1">
-              <a:lnSpc>
-                <a:spcPct val="90000"/>
-              </a:lnSpc>
-              <a:spcBef>
-                <a:spcPts val="1000"/>
-              </a:spcBef>
-              <a:buFont typeface="Arial" panose="020B0604020202020204" pitchFamily="34" charset="0"/>
-              <a:buChar char="•"/>
-              <a:defRPr sz="2800" kern="1200">
-                <a:solidFill>
-                  <a:schemeClr val="tx1"/>
-                </a:solidFill>
-                <a:latin typeface="+mn-lt"/>
-                <a:ea typeface="+mn-ea"/>
-                <a:cs typeface="+mn-cs"/>
-              </a:defRPr>
-            </a:lvl1pPr>
-            <a:lvl2pPr marL="685800" indent="-228600" algn="l" defTabSz="914400" rtl="0" eaLnBrk="1" latinLnBrk="0" hangingPunct="1">
-              <a:lnSpc>
-                <a:spcPct val="90000"/>
-              </a:lnSpc>
-              <a:spcBef>
-                <a:spcPts val="500"/>
-              </a:spcBef>
-              <a:buFont typeface="Arial" panose="020B0604020202020204" pitchFamily="34" charset="0"/>
-              <a:buChar char="•"/>
-              <a:defRPr sz="2400" kern="1200">
-                <a:solidFill>
-                  <a:schemeClr val="tx1"/>
-                </a:solidFill>
-                <a:latin typeface="+mn-lt"/>
-                <a:ea typeface="+mn-ea"/>
-                <a:cs typeface="+mn-cs"/>
-              </a:defRPr>
-            </a:lvl2pPr>
-            <a:lvl3pPr marL="1143000" indent="-228600" algn="l" defTabSz="914400" rtl="0" eaLnBrk="1" latinLnBrk="0" hangingPunct="1">
-              <a:lnSpc>
-                <a:spcPct val="90000"/>
-              </a:lnSpc>
-              <a:spcBef>
-                <a:spcPts val="500"/>
-              </a:spcBef>
-              <a:buFont typeface="Arial" panose="020B0604020202020204" pitchFamily="34" charset="0"/>
-              <a:buChar char="•"/>
-              <a:defRPr sz="2000" kern="1200">
-                <a:solidFill>
-                  <a:schemeClr val="tx1"/>
-                </a:solidFill>
-                <a:latin typeface="+mn-lt"/>
-                <a:ea typeface="+mn-ea"/>
-                <a:cs typeface="+mn-cs"/>
-              </a:defRPr>
-            </a:lvl3pPr>
-            <a:lvl4pPr marL="1600200" indent="-228600" algn="l" defTabSz="914400" rtl="0" eaLnBrk="1" latinLnBrk="0" hangingPunct="1">
-              <a:lnSpc>
-                <a:spcPct val="90000"/>
-              </a:lnSpc>
-              <a:spcBef>
-                <a:spcPts val="500"/>
-              </a:spcBef>
-              <a:buFont typeface="Arial" panose="020B0604020202020204" pitchFamily="34" charset="0"/>
-              <a:buChar char="•"/>
-              <a:defRPr sz="1800" kern="1200">
-                <a:solidFill>
-                  <a:schemeClr val="tx1"/>
-                </a:solidFill>
-                <a:latin typeface="+mn-lt"/>
-                <a:ea typeface="+mn-ea"/>
-                <a:cs typeface="+mn-cs"/>
-              </a:defRPr>
-            </a:lvl4pPr>
-            <a:lvl5pPr marL="2057400" indent="-228600" algn="l" defTabSz="914400" rtl="0" eaLnBrk="1" latinLnBrk="0" hangingPunct="1">
-              <a:lnSpc>
-                <a:spcPct val="90000"/>
-              </a:lnSpc>
-              <a:spcBef>
-                <a:spcPts val="500"/>
-              </a:spcBef>
-              <a:buFont typeface="Arial" panose="020B0604020202020204" pitchFamily="34" charset="0"/>
-              <a:buChar char="•"/>
-              <a:defRPr sz="1800" kern="1200">
-                <a:solidFill>
-                  <a:schemeClr val="tx1"/>
-                </a:solidFill>
-                <a:latin typeface="+mn-lt"/>
-                <a:ea typeface="+mn-ea"/>
-                <a:cs typeface="+mn-cs"/>
-              </a:defRPr>
-            </a:lvl5pPr>
-            <a:lvl6pPr marL="2514600" indent="-228600" algn="l" defTabSz="914400" rtl="0" eaLnBrk="1" latinLnBrk="0" hangingPunct="1">
-              <a:lnSpc>
-                <a:spcPct val="90000"/>
-              </a:lnSpc>
-              <a:spcBef>
-                <a:spcPts val="500"/>
-              </a:spcBef>
-              <a:buFont typeface="Arial" panose="020B0604020202020204" pitchFamily="34" charset="0"/>
-              <a:buChar char="•"/>
-              <a:defRPr sz="1800" kern="1200">
-                <a:solidFill>
-                  <a:schemeClr val="tx1"/>
-                </a:solidFill>
-                <a:latin typeface="+mn-lt"/>
-                <a:ea typeface="+mn-ea"/>
-                <a:cs typeface="+mn-cs"/>
-              </a:defRPr>
-            </a:lvl6pPr>
-            <a:lvl7pPr marL="2971800" indent="-228600" algn="l" defTabSz="914400" rtl="0" eaLnBrk="1" latinLnBrk="0" hangingPunct="1">
-              <a:lnSpc>
-                <a:spcPct val="90000"/>
-              </a:lnSpc>
-              <a:spcBef>
-                <a:spcPts val="500"/>
-              </a:spcBef>
-              <a:buFont typeface="Arial" panose="020B0604020202020204" pitchFamily="34" charset="0"/>
-              <a:buChar char="•"/>
-              <a:defRPr sz="1800" kern="1200">
-                <a:solidFill>
-                  <a:schemeClr val="tx1"/>
-                </a:solidFill>
-                <a:latin typeface="+mn-lt"/>
-                <a:ea typeface="+mn-ea"/>
-                <a:cs typeface="+mn-cs"/>
-              </a:defRPr>
-            </a:lvl7pPr>
-            <a:lvl8pPr marL="3429000" indent="-228600" algn="l" defTabSz="914400" rtl="0" eaLnBrk="1" latinLnBrk="0" hangingPunct="1">
-              <a:lnSpc>
-                <a:spcPct val="90000"/>
-              </a:lnSpc>
-              <a:spcBef>
-                <a:spcPts val="500"/>
-              </a:spcBef>
-              <a:buFont typeface="Arial" panose="020B0604020202020204" pitchFamily="34" charset="0"/>
-              <a:buChar char="•"/>
-              <a:defRPr sz="1800" kern="1200">
-                <a:solidFill>
-                  <a:schemeClr val="tx1"/>
-                </a:solidFill>
-                <a:latin typeface="+mn-lt"/>
-                <a:ea typeface="+mn-ea"/>
-                <a:cs typeface="+mn-cs"/>
-              </a:defRPr>
-            </a:lvl8pPr>
-            <a:lvl9pPr marL="3886200" indent="-228600" algn="l" defTabSz="914400" rtl="0" eaLnBrk="1" latinLnBrk="0" hangingPunct="1">
-              <a:lnSpc>
-                <a:spcPct val="90000"/>
-              </a:lnSpc>
-              <a:spcBef>
-                <a:spcPts val="500"/>
-              </a:spcBef>
-              <a:buFont typeface="Arial" panose="020B0604020202020204" pitchFamily="34" charset="0"/>
-              <a:buChar char="•"/>
-              <a:defRPr sz="1800" kern="1200">
-                <a:solidFill>
-                  <a:schemeClr val="tx1"/>
-                </a:solidFill>
-                <a:latin typeface="+mn-lt"/>
-                <a:ea typeface="+mn-ea"/>
-                <a:cs typeface="+mn-cs"/>
-              </a:defRPr>
-            </a:lvl9pPr>
-          </a:lstStyle>
-          <a:p>
-            <a:pPr marL="0" indent="0" algn="just">
-              <a:buFont typeface="Arial" panose="020B0604020202020204" pitchFamily="34" charset="0"/>
-              <a:buNone/>
-            </a:pPr>
-            <a:r>
-              <a:rPr lang="it-IT" sz="2000" dirty="0" smtClean="0">
-                <a:solidFill>
-                  <a:srgbClr val="000000"/>
-                </a:solidFill>
-                <a:latin typeface="Avenir LT Std 35 Light" panose="020B0402020203020204" pitchFamily="34" charset="0"/>
-              </a:rPr>
-              <a:t>La riga si espande mostrando i dettagli del candidato: sito web, email di contatto, email aziendale </a:t>
-            </a:r>
-            <a:r>
-              <a:rPr lang="it-IT" sz="2000" dirty="0" err="1" smtClean="0">
-                <a:solidFill>
-                  <a:srgbClr val="000000"/>
-                </a:solidFill>
-                <a:latin typeface="Avenir LT Std 35 Light" panose="020B0402020203020204" pitchFamily="34" charset="0"/>
-              </a:rPr>
-              <a:t>ecc</a:t>
-            </a:r>
-            <a:r>
-              <a:rPr lang="it-IT" sz="2000" dirty="0" smtClean="0">
-                <a:solidFill>
-                  <a:srgbClr val="000000"/>
-                </a:solidFill>
-                <a:latin typeface="Avenir LT Std 35 Light" panose="020B0402020203020204" pitchFamily="34" charset="0"/>
-              </a:rPr>
-              <a:t>…</a:t>
-            </a:r>
-            <a:endParaRPr lang="it-IT" sz="2000" dirty="0">
-              <a:solidFill>
-                <a:srgbClr val="000000"/>
-              </a:solidFill>
-              <a:latin typeface="Avenir LT Std 35 Light" panose="020B0402020203020204" pitchFamily="34" charset="0"/>
-            </a:endParaRPr>
-          </a:p>
-        </p:txBody>
-      </p:sp>
-      <p:sp>
-        <p:nvSpPr>
-          <p:cNvPr id="9" name="Segnaposto contenuto 2"/>
-          <p:cNvSpPr txBox="1">
-            <a:spLocks/>
-          </p:cNvSpPr>
-          <p:nvPr/>
-        </p:nvSpPr>
-        <p:spPr>
-          <a:xfrm>
-            <a:off x="9216483" y="6377266"/>
-            <a:ext cx="3240618" cy="361406"/>
-          </a:xfrm>
-          <a:prstGeom prst="rect">
-            <a:avLst/>
-          </a:prstGeom>
-        </p:spPr>
-        <p:txBody>
-          <a:bodyPr vert="horz" lIns="91440" tIns="45720" rIns="91440" bIns="45720" rtlCol="0">
-            <a:noAutofit/>
-          </a:bodyPr>
-          <a:lstStyle>
-            <a:lvl1pPr marL="228600" indent="-228600" algn="l" defTabSz="914400" rtl="0" eaLnBrk="1" latinLnBrk="0" hangingPunct="1">
-              <a:lnSpc>
-                <a:spcPct val="90000"/>
-              </a:lnSpc>
-              <a:spcBef>
-                <a:spcPts val="1000"/>
-              </a:spcBef>
-              <a:buFont typeface="Arial" panose="020B0604020202020204" pitchFamily="34" charset="0"/>
-              <a:buChar char="•"/>
-              <a:defRPr sz="2800" kern="1200">
-                <a:solidFill>
-                  <a:schemeClr val="tx1"/>
-                </a:solidFill>
-                <a:latin typeface="+mn-lt"/>
-                <a:ea typeface="+mn-ea"/>
-                <a:cs typeface="+mn-cs"/>
-              </a:defRPr>
-            </a:lvl1pPr>
-            <a:lvl2pPr marL="685800" indent="-228600" algn="l" defTabSz="914400" rtl="0" eaLnBrk="1" latinLnBrk="0" hangingPunct="1">
-              <a:lnSpc>
-                <a:spcPct val="90000"/>
-              </a:lnSpc>
-              <a:spcBef>
-                <a:spcPts val="500"/>
-              </a:spcBef>
-              <a:buFont typeface="Arial" panose="020B0604020202020204" pitchFamily="34" charset="0"/>
-              <a:buChar char="•"/>
-              <a:defRPr sz="2400" kern="1200">
-                <a:solidFill>
-                  <a:schemeClr val="tx1"/>
-                </a:solidFill>
-                <a:latin typeface="+mn-lt"/>
-                <a:ea typeface="+mn-ea"/>
-                <a:cs typeface="+mn-cs"/>
-              </a:defRPr>
-            </a:lvl2pPr>
-            <a:lvl3pPr marL="1143000" indent="-228600" algn="l" defTabSz="914400" rtl="0" eaLnBrk="1" latinLnBrk="0" hangingPunct="1">
-              <a:lnSpc>
-                <a:spcPct val="90000"/>
-              </a:lnSpc>
-              <a:spcBef>
-                <a:spcPts val="500"/>
-              </a:spcBef>
-              <a:buFont typeface="Arial" panose="020B0604020202020204" pitchFamily="34" charset="0"/>
-              <a:buChar char="•"/>
-              <a:defRPr sz="2000" kern="1200">
-                <a:solidFill>
-                  <a:schemeClr val="tx1"/>
-                </a:solidFill>
-                <a:latin typeface="+mn-lt"/>
-                <a:ea typeface="+mn-ea"/>
-                <a:cs typeface="+mn-cs"/>
-              </a:defRPr>
-            </a:lvl3pPr>
-            <a:lvl4pPr marL="1600200" indent="-228600" algn="l" defTabSz="914400" rtl="0" eaLnBrk="1" latinLnBrk="0" hangingPunct="1">
-              <a:lnSpc>
-                <a:spcPct val="90000"/>
-              </a:lnSpc>
-              <a:spcBef>
-                <a:spcPts val="500"/>
-              </a:spcBef>
-              <a:buFont typeface="Arial" panose="020B0604020202020204" pitchFamily="34" charset="0"/>
-              <a:buChar char="•"/>
-              <a:defRPr sz="1800" kern="1200">
-                <a:solidFill>
-                  <a:schemeClr val="tx1"/>
-                </a:solidFill>
-                <a:latin typeface="+mn-lt"/>
-                <a:ea typeface="+mn-ea"/>
-                <a:cs typeface="+mn-cs"/>
-              </a:defRPr>
-            </a:lvl4pPr>
-            <a:lvl5pPr marL="2057400" indent="-228600" algn="l" defTabSz="914400" rtl="0" eaLnBrk="1" latinLnBrk="0" hangingPunct="1">
-              <a:lnSpc>
-                <a:spcPct val="90000"/>
-              </a:lnSpc>
-              <a:spcBef>
-                <a:spcPts val="500"/>
-              </a:spcBef>
-              <a:buFont typeface="Arial" panose="020B0604020202020204" pitchFamily="34" charset="0"/>
-              <a:buChar char="•"/>
-              <a:defRPr sz="1800" kern="1200">
-                <a:solidFill>
-                  <a:schemeClr val="tx1"/>
-                </a:solidFill>
-                <a:latin typeface="+mn-lt"/>
-                <a:ea typeface="+mn-ea"/>
-                <a:cs typeface="+mn-cs"/>
-              </a:defRPr>
-            </a:lvl5pPr>
-            <a:lvl6pPr marL="2514600" indent="-228600" algn="l" defTabSz="914400" rtl="0" eaLnBrk="1" latinLnBrk="0" hangingPunct="1">
-              <a:lnSpc>
-                <a:spcPct val="90000"/>
-              </a:lnSpc>
-              <a:spcBef>
-                <a:spcPts val="500"/>
-              </a:spcBef>
-              <a:buFont typeface="Arial" panose="020B0604020202020204" pitchFamily="34" charset="0"/>
-              <a:buChar char="•"/>
-              <a:defRPr sz="1800" kern="1200">
-                <a:solidFill>
-                  <a:schemeClr val="tx1"/>
-                </a:solidFill>
-                <a:latin typeface="+mn-lt"/>
-                <a:ea typeface="+mn-ea"/>
-                <a:cs typeface="+mn-cs"/>
-              </a:defRPr>
-            </a:lvl6pPr>
-            <a:lvl7pPr marL="2971800" indent="-228600" algn="l" defTabSz="914400" rtl="0" eaLnBrk="1" latinLnBrk="0" hangingPunct="1">
-              <a:lnSpc>
-                <a:spcPct val="90000"/>
-              </a:lnSpc>
-              <a:spcBef>
-                <a:spcPts val="500"/>
-              </a:spcBef>
-              <a:buFont typeface="Arial" panose="020B0604020202020204" pitchFamily="34" charset="0"/>
-              <a:buChar char="•"/>
-              <a:defRPr sz="1800" kern="1200">
-                <a:solidFill>
-                  <a:schemeClr val="tx1"/>
-                </a:solidFill>
-                <a:latin typeface="+mn-lt"/>
-                <a:ea typeface="+mn-ea"/>
-                <a:cs typeface="+mn-cs"/>
-              </a:defRPr>
-            </a:lvl7pPr>
-            <a:lvl8pPr marL="3429000" indent="-228600" algn="l" defTabSz="914400" rtl="0" eaLnBrk="1" latinLnBrk="0" hangingPunct="1">
-              <a:lnSpc>
-                <a:spcPct val="90000"/>
-              </a:lnSpc>
-              <a:spcBef>
-                <a:spcPts val="500"/>
-              </a:spcBef>
-              <a:buFont typeface="Arial" panose="020B0604020202020204" pitchFamily="34" charset="0"/>
-              <a:buChar char="•"/>
-              <a:defRPr sz="1800" kern="1200">
-                <a:solidFill>
-                  <a:schemeClr val="tx1"/>
-                </a:solidFill>
-                <a:latin typeface="+mn-lt"/>
-                <a:ea typeface="+mn-ea"/>
-                <a:cs typeface="+mn-cs"/>
-              </a:defRPr>
-            </a:lvl8pPr>
-            <a:lvl9pPr marL="3886200" indent="-228600" algn="l" defTabSz="914400" rtl="0" eaLnBrk="1" latinLnBrk="0" hangingPunct="1">
-              <a:lnSpc>
-                <a:spcPct val="90000"/>
-              </a:lnSpc>
-              <a:spcBef>
-                <a:spcPts val="500"/>
-              </a:spcBef>
-              <a:buFont typeface="Arial" panose="020B0604020202020204" pitchFamily="34" charset="0"/>
-              <a:buChar char="•"/>
-              <a:defRPr sz="1800" kern="1200">
-                <a:solidFill>
-                  <a:schemeClr val="tx1"/>
-                </a:solidFill>
-                <a:latin typeface="+mn-lt"/>
-                <a:ea typeface="+mn-ea"/>
-                <a:cs typeface="+mn-cs"/>
-              </a:defRPr>
-            </a:lvl9pPr>
-          </a:lstStyle>
-          <a:p>
-            <a:pPr marL="0" indent="0" algn="just">
-              <a:buFont typeface="Arial" panose="020B0604020202020204" pitchFamily="34" charset="0"/>
-              <a:buNone/>
-            </a:pPr>
-            <a:endParaRPr lang="it-IT" b="1" dirty="0">
-              <a:solidFill>
-                <a:srgbClr val="000000"/>
-              </a:solidFill>
-              <a:latin typeface="Goudy Old Style" panose="02020502050305020303" pitchFamily="18" charset="0"/>
-            </a:endParaRPr>
-          </a:p>
-        </p:txBody>
-      </p:sp>
-      <p:sp>
-        <p:nvSpPr>
-          <p:cNvPr id="10" name="Segnaposto contenuto 2"/>
-          <p:cNvSpPr txBox="1">
-            <a:spLocks/>
-          </p:cNvSpPr>
-          <p:nvPr/>
-        </p:nvSpPr>
-        <p:spPr>
-          <a:xfrm>
-            <a:off x="10175966" y="6486123"/>
-            <a:ext cx="2006561" cy="361406"/>
-          </a:xfrm>
-          <a:prstGeom prst="rect">
-            <a:avLst/>
-          </a:prstGeom>
-        </p:spPr>
-        <p:txBody>
-          <a:bodyPr vert="horz" lIns="91440" tIns="45720" rIns="91440" bIns="45720" rtlCol="0">
-            <a:noAutofit/>
-          </a:bodyPr>
-          <a:lstStyle>
-            <a:lvl1pPr marL="228600" indent="-228600" algn="l" defTabSz="914400" rtl="0" eaLnBrk="1" latinLnBrk="0" hangingPunct="1">
-              <a:lnSpc>
-                <a:spcPct val="90000"/>
-              </a:lnSpc>
-              <a:spcBef>
-                <a:spcPts val="1000"/>
-              </a:spcBef>
-              <a:buFont typeface="Arial" panose="020B0604020202020204" pitchFamily="34" charset="0"/>
-              <a:buChar char="•"/>
-              <a:defRPr sz="2800" kern="1200">
-                <a:solidFill>
-                  <a:schemeClr val="tx1"/>
-                </a:solidFill>
-                <a:latin typeface="+mn-lt"/>
-                <a:ea typeface="+mn-ea"/>
-                <a:cs typeface="+mn-cs"/>
-              </a:defRPr>
-            </a:lvl1pPr>
-            <a:lvl2pPr marL="685800" indent="-228600" algn="l" defTabSz="914400" rtl="0" eaLnBrk="1" latinLnBrk="0" hangingPunct="1">
-              <a:lnSpc>
-                <a:spcPct val="90000"/>
-              </a:lnSpc>
-              <a:spcBef>
-                <a:spcPts val="500"/>
-              </a:spcBef>
-              <a:buFont typeface="Arial" panose="020B0604020202020204" pitchFamily="34" charset="0"/>
-              <a:buChar char="•"/>
-              <a:defRPr sz="2400" kern="1200">
-                <a:solidFill>
-                  <a:schemeClr val="tx1"/>
-                </a:solidFill>
-                <a:latin typeface="+mn-lt"/>
-                <a:ea typeface="+mn-ea"/>
-                <a:cs typeface="+mn-cs"/>
-              </a:defRPr>
-            </a:lvl2pPr>
-            <a:lvl3pPr marL="1143000" indent="-228600" algn="l" defTabSz="914400" rtl="0" eaLnBrk="1" latinLnBrk="0" hangingPunct="1">
-              <a:lnSpc>
-                <a:spcPct val="90000"/>
-              </a:lnSpc>
-              <a:spcBef>
-                <a:spcPts val="500"/>
-              </a:spcBef>
-              <a:buFont typeface="Arial" panose="020B0604020202020204" pitchFamily="34" charset="0"/>
-              <a:buChar char="•"/>
-              <a:defRPr sz="2000" kern="1200">
-                <a:solidFill>
-                  <a:schemeClr val="tx1"/>
-                </a:solidFill>
-                <a:latin typeface="+mn-lt"/>
-                <a:ea typeface="+mn-ea"/>
-                <a:cs typeface="+mn-cs"/>
-              </a:defRPr>
-            </a:lvl3pPr>
-            <a:lvl4pPr marL="1600200" indent="-228600" algn="l" defTabSz="914400" rtl="0" eaLnBrk="1" latinLnBrk="0" hangingPunct="1">
-              <a:lnSpc>
-                <a:spcPct val="90000"/>
-              </a:lnSpc>
-              <a:spcBef>
-                <a:spcPts val="500"/>
-              </a:spcBef>
-              <a:buFont typeface="Arial" panose="020B0604020202020204" pitchFamily="34" charset="0"/>
-              <a:buChar char="•"/>
-              <a:defRPr sz="1800" kern="1200">
-                <a:solidFill>
-                  <a:schemeClr val="tx1"/>
-                </a:solidFill>
-                <a:latin typeface="+mn-lt"/>
-                <a:ea typeface="+mn-ea"/>
-                <a:cs typeface="+mn-cs"/>
-              </a:defRPr>
-            </a:lvl4pPr>
-            <a:lvl5pPr marL="2057400" indent="-228600" algn="l" defTabSz="914400" rtl="0" eaLnBrk="1" latinLnBrk="0" hangingPunct="1">
-              <a:lnSpc>
-                <a:spcPct val="90000"/>
-              </a:lnSpc>
-              <a:spcBef>
-                <a:spcPts val="500"/>
-              </a:spcBef>
-              <a:buFont typeface="Arial" panose="020B0604020202020204" pitchFamily="34" charset="0"/>
-              <a:buChar char="•"/>
-              <a:defRPr sz="1800" kern="1200">
-                <a:solidFill>
-                  <a:schemeClr val="tx1"/>
-                </a:solidFill>
-                <a:latin typeface="+mn-lt"/>
-                <a:ea typeface="+mn-ea"/>
-                <a:cs typeface="+mn-cs"/>
-              </a:defRPr>
-            </a:lvl5pPr>
-            <a:lvl6pPr marL="2514600" indent="-228600" algn="l" defTabSz="914400" rtl="0" eaLnBrk="1" latinLnBrk="0" hangingPunct="1">
-              <a:lnSpc>
-                <a:spcPct val="90000"/>
-              </a:lnSpc>
-              <a:spcBef>
-                <a:spcPts val="500"/>
-              </a:spcBef>
-              <a:buFont typeface="Arial" panose="020B0604020202020204" pitchFamily="34" charset="0"/>
-              <a:buChar char="•"/>
-              <a:defRPr sz="1800" kern="1200">
-                <a:solidFill>
-                  <a:schemeClr val="tx1"/>
-                </a:solidFill>
-                <a:latin typeface="+mn-lt"/>
-                <a:ea typeface="+mn-ea"/>
-                <a:cs typeface="+mn-cs"/>
-              </a:defRPr>
-            </a:lvl6pPr>
-            <a:lvl7pPr marL="2971800" indent="-228600" algn="l" defTabSz="914400" rtl="0" eaLnBrk="1" latinLnBrk="0" hangingPunct="1">
-              <a:lnSpc>
-                <a:spcPct val="90000"/>
-              </a:lnSpc>
-              <a:spcBef>
-                <a:spcPts val="500"/>
-              </a:spcBef>
-              <a:buFont typeface="Arial" panose="020B0604020202020204" pitchFamily="34" charset="0"/>
-              <a:buChar char="•"/>
-              <a:defRPr sz="1800" kern="1200">
-                <a:solidFill>
-                  <a:schemeClr val="tx1"/>
-                </a:solidFill>
-                <a:latin typeface="+mn-lt"/>
-                <a:ea typeface="+mn-ea"/>
-                <a:cs typeface="+mn-cs"/>
-              </a:defRPr>
-            </a:lvl7pPr>
-            <a:lvl8pPr marL="3429000" indent="-228600" algn="l" defTabSz="914400" rtl="0" eaLnBrk="1" latinLnBrk="0" hangingPunct="1">
-              <a:lnSpc>
-                <a:spcPct val="90000"/>
-              </a:lnSpc>
-              <a:spcBef>
-                <a:spcPts val="500"/>
-              </a:spcBef>
-              <a:buFont typeface="Arial" panose="020B0604020202020204" pitchFamily="34" charset="0"/>
-              <a:buChar char="•"/>
-              <a:defRPr sz="1800" kern="1200">
-                <a:solidFill>
-                  <a:schemeClr val="tx1"/>
-                </a:solidFill>
-                <a:latin typeface="+mn-lt"/>
-                <a:ea typeface="+mn-ea"/>
-                <a:cs typeface="+mn-cs"/>
-              </a:defRPr>
-            </a:lvl8pPr>
-            <a:lvl9pPr marL="3886200" indent="-228600" algn="l" defTabSz="914400" rtl="0" eaLnBrk="1" latinLnBrk="0" hangingPunct="1">
-              <a:lnSpc>
-                <a:spcPct val="90000"/>
-              </a:lnSpc>
-              <a:spcBef>
-                <a:spcPts val="500"/>
-              </a:spcBef>
-              <a:buFont typeface="Arial" panose="020B0604020202020204" pitchFamily="34" charset="0"/>
-              <a:buChar char="•"/>
-              <a:defRPr sz="1800" kern="1200">
-                <a:solidFill>
-                  <a:schemeClr val="tx1"/>
-                </a:solidFill>
-                <a:latin typeface="+mn-lt"/>
-                <a:ea typeface="+mn-ea"/>
-                <a:cs typeface="+mn-cs"/>
-              </a:defRPr>
-            </a:lvl9pPr>
-          </a:lstStyle>
-          <a:p>
-            <a:pPr marL="0" indent="0" algn="just">
-              <a:buFont typeface="Arial" panose="020B0604020202020204" pitchFamily="34" charset="0"/>
-              <a:buNone/>
-            </a:pPr>
-            <a:r>
-              <a:rPr lang="it-IT" sz="1600" b="1" dirty="0" smtClean="0">
-                <a:solidFill>
-                  <a:srgbClr val="000000"/>
-                </a:solidFill>
-                <a:latin typeface="Avenir LT Std 35 Light" panose="020B0402020203020204" pitchFamily="34" charset="0"/>
-              </a:rPr>
-              <a:t>In fase di modifica</a:t>
-            </a:r>
-            <a:endParaRPr lang="it-IT" sz="1600" b="1" dirty="0">
-              <a:solidFill>
-                <a:srgbClr val="000000"/>
-              </a:solidFill>
-              <a:latin typeface="Avenir LT Std 35 Light" panose="020B0402020203020204" pitchFamily="34" charset="0"/>
-            </a:endParaRPr>
-          </a:p>
-        </p:txBody>
-      </p:sp>
     </p:spTree>
     <p:extLst>
       <p:ext uri="{BB962C8B-B14F-4D97-AF65-F5344CB8AC3E}">
-        <p14:creationId xmlns:p14="http://schemas.microsoft.com/office/powerpoint/2010/main" val="644962953"/>
+        <p14:creationId xmlns:p14="http://schemas.microsoft.com/office/powerpoint/2010/main" val="2495045112"/>
       </p:ext>
     </p:extLst>
   </p:cSld>
@@ -9403,18 +10154,366 @@
                 </a:solidFill>
                 <a:latin typeface="Avenir LT Std 35 Light" panose="020B0402020203020204" pitchFamily="34" charset="0"/>
               </a:rPr>
-              <a:t> </a:t>
-            </a:r>
-            <a:r>
-              <a:rPr lang="it-IT" sz="3600" b="1" dirty="0" smtClean="0">
+              <a:t> Descrizione dettagliata</a:t>
+            </a:r>
+          </a:p>
+        </p:txBody>
+      </p:sp>
+      <p:sp>
+        <p:nvSpPr>
+          <p:cNvPr id="3" name="Segnaposto contenuto 2"/>
+          <p:cNvSpPr>
+            <a:spLocks noGrp="1"/>
+          </p:cNvSpPr>
+          <p:nvPr>
+            <p:ph idx="1"/>
+          </p:nvPr>
+        </p:nvSpPr>
+        <p:spPr>
+          <a:xfrm>
+            <a:off x="1024576" y="1407651"/>
+            <a:ext cx="10515600" cy="773846"/>
+          </a:xfrm>
+        </p:spPr>
+        <p:txBody>
+          <a:bodyPr>
+            <a:normAutofit/>
+          </a:bodyPr>
+          <a:lstStyle/>
+          <a:p>
+            <a:pPr marL="0" indent="0" algn="just">
+              <a:buNone/>
+            </a:pPr>
+            <a:r>
+              <a:rPr lang="it-IT" dirty="0">
                 <a:solidFill>
                   <a:srgbClr val="000000"/>
                 </a:solidFill>
                 <a:latin typeface="Avenir LT Std 35 Light" panose="020B0402020203020204" pitchFamily="34" charset="0"/>
               </a:rPr>
-              <a:t>Modifica del candidato</a:t>
-            </a:r>
-            <a:endParaRPr lang="it-IT" sz="3600" b="1" dirty="0">
+              <a:t>Questo pulsante permette di visualizzare le informazioni dettagliate del candidato </a:t>
+            </a:r>
+            <a:r>
+              <a:rPr lang="it-IT" dirty="0" smtClean="0">
+                <a:solidFill>
+                  <a:srgbClr val="000000"/>
+                </a:solidFill>
+                <a:latin typeface="Avenir LT Std 35 Light" panose="020B0402020203020204" pitchFamily="34" charset="0"/>
+              </a:rPr>
+              <a:t>corrispondente alla </a:t>
+            </a:r>
+            <a:r>
+              <a:rPr lang="it-IT" dirty="0">
+                <a:solidFill>
+                  <a:srgbClr val="000000"/>
+                </a:solidFill>
+                <a:latin typeface="Avenir LT Std 35 Light" panose="020B0402020203020204" pitchFamily="34" charset="0"/>
+              </a:rPr>
+              <a:t>riga selezionata.</a:t>
+            </a:r>
+          </a:p>
+        </p:txBody>
+      </p:sp>
+      <p:pic>
+        <p:nvPicPr>
+          <p:cNvPr id="6" name="Immagine 5"/>
+          <p:cNvPicPr>
+            <a:picLocks noChangeAspect="1"/>
+          </p:cNvPicPr>
+          <p:nvPr/>
+        </p:nvPicPr>
+        <p:blipFill rotWithShape="1">
+          <a:blip r:embed="rId2"/>
+          <a:srcRect l="79138" t="57409" r="18441" b="37078"/>
+          <a:stretch/>
+        </p:blipFill>
+        <p:spPr>
+          <a:xfrm>
+            <a:off x="10836792" y="332931"/>
+            <a:ext cx="703384" cy="900014"/>
+          </a:xfrm>
+          <a:prstGeom prst="rect">
+            <a:avLst/>
+          </a:prstGeom>
+          <a:ln>
+            <a:noFill/>
+          </a:ln>
+          <a:effectLst>
+            <a:softEdge rad="112500"/>
+          </a:effectLst>
+        </p:spPr>
+      </p:pic>
+      <p:pic>
+        <p:nvPicPr>
+          <p:cNvPr id="7" name="Immagine 6"/>
+          <p:cNvPicPr>
+            <a:picLocks noChangeAspect="1"/>
+          </p:cNvPicPr>
+          <p:nvPr/>
+        </p:nvPicPr>
+        <p:blipFill rotWithShape="1">
+          <a:blip r:embed="rId3"/>
+          <a:srcRect t="33876" b="26083"/>
+          <a:stretch/>
+        </p:blipFill>
+        <p:spPr>
+          <a:xfrm>
+            <a:off x="1024576" y="2168434"/>
+            <a:ext cx="10758389" cy="2421891"/>
+          </a:xfrm>
+          <a:prstGeom prst="rect">
+            <a:avLst/>
+          </a:prstGeom>
+        </p:spPr>
+      </p:pic>
+      <p:sp>
+        <p:nvSpPr>
+          <p:cNvPr id="8" name="Segnaposto contenuto 2"/>
+          <p:cNvSpPr txBox="1">
+            <a:spLocks/>
+          </p:cNvSpPr>
+          <p:nvPr/>
+        </p:nvSpPr>
+        <p:spPr>
+          <a:xfrm>
+            <a:off x="1024576" y="4779591"/>
+            <a:ext cx="10515600" cy="1843278"/>
+          </a:xfrm>
+          <a:prstGeom prst="rect">
+            <a:avLst/>
+          </a:prstGeom>
+        </p:spPr>
+        <p:txBody>
+          <a:bodyPr vert="horz" lIns="91440" tIns="45720" rIns="91440" bIns="45720" rtlCol="0">
+            <a:normAutofit fontScale="92500" lnSpcReduction="10000"/>
+          </a:bodyPr>
+          <a:lstStyle>
+            <a:lvl1pPr marL="228600" indent="-228600" algn="l" defTabSz="914400" rtl="0" eaLnBrk="1" latinLnBrk="0" hangingPunct="1">
+              <a:lnSpc>
+                <a:spcPct val="90000"/>
+              </a:lnSpc>
+              <a:spcBef>
+                <a:spcPts val="1000"/>
+              </a:spcBef>
+              <a:buFont typeface="Arial" panose="020B0604020202020204" pitchFamily="34" charset="0"/>
+              <a:buChar char="•"/>
+              <a:defRPr sz="2800" kern="1200">
+                <a:solidFill>
+                  <a:schemeClr val="tx1"/>
+                </a:solidFill>
+                <a:latin typeface="+mn-lt"/>
+                <a:ea typeface="+mn-ea"/>
+                <a:cs typeface="+mn-cs"/>
+              </a:defRPr>
+            </a:lvl1pPr>
+            <a:lvl2pPr marL="685800" indent="-228600" algn="l" defTabSz="914400" rtl="0" eaLnBrk="1" latinLnBrk="0" hangingPunct="1">
+              <a:lnSpc>
+                <a:spcPct val="90000"/>
+              </a:lnSpc>
+              <a:spcBef>
+                <a:spcPts val="500"/>
+              </a:spcBef>
+              <a:buFont typeface="Arial" panose="020B0604020202020204" pitchFamily="34" charset="0"/>
+              <a:buChar char="•"/>
+              <a:defRPr sz="2400" kern="1200">
+                <a:solidFill>
+                  <a:schemeClr val="tx1"/>
+                </a:solidFill>
+                <a:latin typeface="+mn-lt"/>
+                <a:ea typeface="+mn-ea"/>
+                <a:cs typeface="+mn-cs"/>
+              </a:defRPr>
+            </a:lvl2pPr>
+            <a:lvl3pPr marL="1143000" indent="-228600" algn="l" defTabSz="914400" rtl="0" eaLnBrk="1" latinLnBrk="0" hangingPunct="1">
+              <a:lnSpc>
+                <a:spcPct val="90000"/>
+              </a:lnSpc>
+              <a:spcBef>
+                <a:spcPts val="500"/>
+              </a:spcBef>
+              <a:buFont typeface="Arial" panose="020B0604020202020204" pitchFamily="34" charset="0"/>
+              <a:buChar char="•"/>
+              <a:defRPr sz="2000" kern="1200">
+                <a:solidFill>
+                  <a:schemeClr val="tx1"/>
+                </a:solidFill>
+                <a:latin typeface="+mn-lt"/>
+                <a:ea typeface="+mn-ea"/>
+                <a:cs typeface="+mn-cs"/>
+              </a:defRPr>
+            </a:lvl3pPr>
+            <a:lvl4pPr marL="1600200" indent="-228600" algn="l" defTabSz="914400" rtl="0" eaLnBrk="1" latinLnBrk="0" hangingPunct="1">
+              <a:lnSpc>
+                <a:spcPct val="90000"/>
+              </a:lnSpc>
+              <a:spcBef>
+                <a:spcPts val="500"/>
+              </a:spcBef>
+              <a:buFont typeface="Arial" panose="020B0604020202020204" pitchFamily="34" charset="0"/>
+              <a:buChar char="•"/>
+              <a:defRPr sz="1800" kern="1200">
+                <a:solidFill>
+                  <a:schemeClr val="tx1"/>
+                </a:solidFill>
+                <a:latin typeface="+mn-lt"/>
+                <a:ea typeface="+mn-ea"/>
+                <a:cs typeface="+mn-cs"/>
+              </a:defRPr>
+            </a:lvl4pPr>
+            <a:lvl5pPr marL="2057400" indent="-228600" algn="l" defTabSz="914400" rtl="0" eaLnBrk="1" latinLnBrk="0" hangingPunct="1">
+              <a:lnSpc>
+                <a:spcPct val="90000"/>
+              </a:lnSpc>
+              <a:spcBef>
+                <a:spcPts val="500"/>
+              </a:spcBef>
+              <a:buFont typeface="Arial" panose="020B0604020202020204" pitchFamily="34" charset="0"/>
+              <a:buChar char="•"/>
+              <a:defRPr sz="1800" kern="1200">
+                <a:solidFill>
+                  <a:schemeClr val="tx1"/>
+                </a:solidFill>
+                <a:latin typeface="+mn-lt"/>
+                <a:ea typeface="+mn-ea"/>
+                <a:cs typeface="+mn-cs"/>
+              </a:defRPr>
+            </a:lvl5pPr>
+            <a:lvl6pPr marL="2514600" indent="-228600" algn="l" defTabSz="914400" rtl="0" eaLnBrk="1" latinLnBrk="0" hangingPunct="1">
+              <a:lnSpc>
+                <a:spcPct val="90000"/>
+              </a:lnSpc>
+              <a:spcBef>
+                <a:spcPts val="500"/>
+              </a:spcBef>
+              <a:buFont typeface="Arial" panose="020B0604020202020204" pitchFamily="34" charset="0"/>
+              <a:buChar char="•"/>
+              <a:defRPr sz="1800" kern="1200">
+                <a:solidFill>
+                  <a:schemeClr val="tx1"/>
+                </a:solidFill>
+                <a:latin typeface="+mn-lt"/>
+                <a:ea typeface="+mn-ea"/>
+                <a:cs typeface="+mn-cs"/>
+              </a:defRPr>
+            </a:lvl6pPr>
+            <a:lvl7pPr marL="2971800" indent="-228600" algn="l" defTabSz="914400" rtl="0" eaLnBrk="1" latinLnBrk="0" hangingPunct="1">
+              <a:lnSpc>
+                <a:spcPct val="90000"/>
+              </a:lnSpc>
+              <a:spcBef>
+                <a:spcPts val="500"/>
+              </a:spcBef>
+              <a:buFont typeface="Arial" panose="020B0604020202020204" pitchFamily="34" charset="0"/>
+              <a:buChar char="•"/>
+              <a:defRPr sz="1800" kern="1200">
+                <a:solidFill>
+                  <a:schemeClr val="tx1"/>
+                </a:solidFill>
+                <a:latin typeface="+mn-lt"/>
+                <a:ea typeface="+mn-ea"/>
+                <a:cs typeface="+mn-cs"/>
+              </a:defRPr>
+            </a:lvl7pPr>
+            <a:lvl8pPr marL="3429000" indent="-228600" algn="l" defTabSz="914400" rtl="0" eaLnBrk="1" latinLnBrk="0" hangingPunct="1">
+              <a:lnSpc>
+                <a:spcPct val="90000"/>
+              </a:lnSpc>
+              <a:spcBef>
+                <a:spcPts val="500"/>
+              </a:spcBef>
+              <a:buFont typeface="Arial" panose="020B0604020202020204" pitchFamily="34" charset="0"/>
+              <a:buChar char="•"/>
+              <a:defRPr sz="1800" kern="1200">
+                <a:solidFill>
+                  <a:schemeClr val="tx1"/>
+                </a:solidFill>
+                <a:latin typeface="+mn-lt"/>
+                <a:ea typeface="+mn-ea"/>
+                <a:cs typeface="+mn-cs"/>
+              </a:defRPr>
+            </a:lvl8pPr>
+            <a:lvl9pPr marL="3886200" indent="-228600" algn="l" defTabSz="914400" rtl="0" eaLnBrk="1" latinLnBrk="0" hangingPunct="1">
+              <a:lnSpc>
+                <a:spcPct val="90000"/>
+              </a:lnSpc>
+              <a:spcBef>
+                <a:spcPts val="500"/>
+              </a:spcBef>
+              <a:buFont typeface="Arial" panose="020B0604020202020204" pitchFamily="34" charset="0"/>
+              <a:buChar char="•"/>
+              <a:defRPr sz="1800" kern="1200">
+                <a:solidFill>
+                  <a:schemeClr val="tx1"/>
+                </a:solidFill>
+                <a:latin typeface="+mn-lt"/>
+                <a:ea typeface="+mn-ea"/>
+                <a:cs typeface="+mn-cs"/>
+              </a:defRPr>
+            </a:lvl9pPr>
+          </a:lstStyle>
+          <a:p>
+            <a:pPr marL="0" indent="0" algn="just">
+              <a:buFont typeface="Arial" panose="020B0604020202020204" pitchFamily="34" charset="0"/>
+              <a:buNone/>
+            </a:pPr>
+            <a:r>
+              <a:rPr lang="it-IT" sz="2000" dirty="0" smtClean="0">
+                <a:solidFill>
+                  <a:srgbClr val="000000"/>
+                </a:solidFill>
+                <a:latin typeface="Avenir LT Std 35 Light" panose="020B0402020203020204" pitchFamily="34" charset="0"/>
+              </a:rPr>
+              <a:t>La riga si espande mostrando i dettagli del candidato:</a:t>
+            </a:r>
+          </a:p>
+          <a:p>
+            <a:pPr algn="just"/>
+            <a:r>
+              <a:rPr lang="it-IT" sz="2000" dirty="0" smtClean="0">
+                <a:solidFill>
+                  <a:srgbClr val="000000"/>
+                </a:solidFill>
+                <a:latin typeface="Avenir LT Std 35 Light" panose="020B0402020203020204" pitchFamily="34" charset="0"/>
+              </a:rPr>
+              <a:t>Nome completo;</a:t>
+            </a:r>
+          </a:p>
+          <a:p>
+            <a:pPr algn="just"/>
+            <a:r>
+              <a:rPr lang="it-IT" sz="2000" dirty="0" smtClean="0">
+                <a:solidFill>
+                  <a:srgbClr val="000000"/>
+                </a:solidFill>
+                <a:latin typeface="Avenir LT Std 35 Light" panose="020B0402020203020204" pitchFamily="34" charset="0"/>
+              </a:rPr>
+              <a:t>Data di nascita;</a:t>
+            </a:r>
+          </a:p>
+          <a:p>
+            <a:pPr algn="just"/>
+            <a:r>
+              <a:rPr lang="it-IT" sz="2000" dirty="0" smtClean="0">
+                <a:solidFill>
+                  <a:srgbClr val="000000"/>
+                </a:solidFill>
+                <a:latin typeface="Avenir LT Std 35 Light" panose="020B0402020203020204" pitchFamily="34" charset="0"/>
+              </a:rPr>
+              <a:t>Se assunto o no;</a:t>
+            </a:r>
+          </a:p>
+          <a:p>
+            <a:pPr algn="just"/>
+            <a:r>
+              <a:rPr lang="it-IT" sz="2000" dirty="0" smtClean="0">
+                <a:solidFill>
+                  <a:srgbClr val="000000"/>
+                </a:solidFill>
+                <a:latin typeface="Avenir LT Std 35 Light" panose="020B0402020203020204" pitchFamily="34" charset="0"/>
+              </a:rPr>
+              <a:t>Stipendio</a:t>
+            </a:r>
+            <a:endParaRPr lang="it-IT" sz="2000" dirty="0">
               <a:solidFill>
                 <a:srgbClr val="000000"/>
               </a:solidFill>
@@ -9425,67 +10524,6 @@
       </p:sp>
       <p:sp>
         <p:nvSpPr>
-          <p:cNvPr id="3" name="Segnaposto contenuto 2"/>
-          <p:cNvSpPr>
-            <a:spLocks noGrp="1"/>
-          </p:cNvSpPr>
-          <p:nvPr>
-            <p:ph idx="1"/>
-          </p:nvPr>
-        </p:nvSpPr>
-        <p:spPr>
-          <a:xfrm>
-            <a:off x="1024576" y="1407651"/>
-            <a:ext cx="10515600" cy="1322486"/>
-          </a:xfrm>
-        </p:spPr>
-        <p:txBody>
-          <a:bodyPr>
-            <a:normAutofit/>
-          </a:bodyPr>
-          <a:lstStyle/>
-          <a:p>
-            <a:pPr marL="0" indent="0" algn="just">
-              <a:buNone/>
-            </a:pPr>
-            <a:r>
-              <a:rPr lang="it-IT" dirty="0">
-                <a:solidFill>
-                  <a:srgbClr val="000000"/>
-                </a:solidFill>
-                <a:latin typeface="Avenir LT Std 35 Light" panose="020B0402020203020204" pitchFamily="34" charset="0"/>
-              </a:rPr>
-              <a:t>Il seguente bottone indirizza ad una pagina dalla quale è possibile poter modificare i valori del </a:t>
-            </a:r>
-            <a:r>
-              <a:rPr lang="it-IT">
-                <a:solidFill>
-                  <a:srgbClr val="000000"/>
-                </a:solidFill>
-                <a:latin typeface="Avenir LT Std 35 Light" panose="020B0402020203020204" pitchFamily="34" charset="0"/>
-              </a:rPr>
-              <a:t>candidato </a:t>
-            </a:r>
-            <a:r>
-              <a:rPr lang="it-IT" smtClean="0">
-                <a:solidFill>
-                  <a:srgbClr val="000000"/>
-                </a:solidFill>
-                <a:latin typeface="Avenir LT Std 35 Light" panose="020B0402020203020204" pitchFamily="34" charset="0"/>
-              </a:rPr>
-              <a:t>selezionato.</a:t>
-            </a:r>
-            <a:endParaRPr lang="it-IT" dirty="0">
-              <a:solidFill>
-                <a:srgbClr val="000000"/>
-              </a:solidFill>
-              <a:latin typeface="Avenir LT Std 35 Light" panose="020B0402020203020204" pitchFamily="34" charset="0"/>
-            </a:endParaRPr>
-          </a:p>
-        </p:txBody>
-      </p:sp>
-      <p:sp>
-        <p:nvSpPr>
           <p:cNvPr id="9" name="Segnaposto contenuto 2"/>
           <p:cNvSpPr txBox="1">
             <a:spLocks/>
@@ -9494,8 +10532,8 @@
         </p:nvSpPr>
         <p:spPr>
           <a:xfrm>
-            <a:off x="9399908" y="6486123"/>
-            <a:ext cx="2782619" cy="361406"/>
+            <a:off x="9216483" y="6377266"/>
+            <a:ext cx="3240618" cy="361406"/>
           </a:xfrm>
           <a:prstGeom prst="rect">
             <a:avLst/>
@@ -9674,21 +10712,70 @@
               <a:buFont typeface="Arial" panose="020B0604020202020204" pitchFamily="34" charset="0"/>
               <a:buNone/>
             </a:pPr>
-            <a:r>
-              <a:rPr lang="it-IT" sz="1600" b="1" dirty="0" smtClean="0">
-                <a:solidFill>
-                  <a:srgbClr val="000000"/>
-                </a:solidFill>
-                <a:latin typeface="Avenir LT Std 35 Light" panose="020B0402020203020204" pitchFamily="34" charset="0"/>
-              </a:rPr>
-              <a:t>In fase di implementazione</a:t>
-            </a:r>
-            <a:endParaRPr lang="it-IT" sz="1600" b="1" dirty="0">
+            <a:endParaRPr lang="it-IT" b="1" dirty="0">
               <a:solidFill>
                 <a:srgbClr val="000000"/>
               </a:solidFill>
+              <a:latin typeface="Goudy Old Style" panose="02020502050305020303" pitchFamily="18" charset="0"/>
+            </a:endParaRPr>
+          </a:p>
+        </p:txBody>
+      </p:sp>
+      <p:sp>
+        <p:nvSpPr>
+          <p:cNvPr id="4" name="CasellaDiTesto 3"/>
+          <p:cNvSpPr txBox="1"/>
+          <p:nvPr/>
+        </p:nvSpPr>
+        <p:spPr>
+          <a:xfrm>
+            <a:off x="7961952" y="4764837"/>
+            <a:ext cx="3200664" cy="923330"/>
+          </a:xfrm>
+          <a:prstGeom prst="rect">
+            <a:avLst/>
+          </a:prstGeom>
+          <a:noFill/>
+        </p:spPr>
+        <p:txBody>
+          <a:bodyPr wrap="square" rtlCol="0">
+            <a:spAutoFit/>
+          </a:bodyPr>
+          <a:lstStyle/>
+          <a:p>
+            <a:r>
+              <a:rPr lang="it-IT" dirty="0" smtClean="0">
+                <a:latin typeface="Avenir LT Std 35 Light" panose="020B0402020203020204" pitchFamily="34" charset="0"/>
+              </a:rPr>
+              <a:t>In fase di implementazione:</a:t>
+            </a:r>
+          </a:p>
+          <a:p>
+            <a:pPr marL="285750" indent="-285750">
+              <a:buFont typeface="Arial" panose="020B0604020202020204" pitchFamily="34" charset="0"/>
+              <a:buChar char="•"/>
+            </a:pPr>
+            <a:r>
+              <a:rPr lang="it-IT" dirty="0" smtClean="0">
+                <a:latin typeface="Avenir LT Std 35 Light" panose="020B0402020203020204" pitchFamily="34" charset="0"/>
+              </a:rPr>
+              <a:t>Contatti;</a:t>
+            </a:r>
+            <a:endParaRPr lang="it-IT" dirty="0">
               <a:latin typeface="Avenir LT Std 35 Light" panose="020B0402020203020204" pitchFamily="34" charset="0"/>
             </a:endParaRPr>
+          </a:p>
+          <a:p>
+            <a:pPr marL="285750" indent="-285750">
+              <a:buFont typeface="Arial" panose="020B0604020202020204" pitchFamily="34" charset="0"/>
+              <a:buChar char="•"/>
+            </a:pPr>
+            <a:r>
+              <a:rPr lang="it-IT" dirty="0" smtClean="0">
+                <a:latin typeface="Avenir LT Std 35 Light" panose="020B0402020203020204" pitchFamily="34" charset="0"/>
+              </a:rPr>
+              <a:t>Note.</a:t>
+            </a:r>
           </a:p>
         </p:txBody>
       </p:sp>
@@ -9700,54 +10787,49 @@
           </p:cNvPicPr>
           <p:nvPr/>
         </p:nvPicPr>
-        <p:blipFill rotWithShape="1">
-          <a:blip r:embed="rId2"/>
-          <a:srcRect l="80790" t="57409" r="16444" b="37078"/>
-          <a:stretch/>
+        <p:blipFill>
+          <a:blip r:embed="rId4" cstate="print">
+            <a:duotone>
+              <a:schemeClr val="accent1">
+                <a:shade val="45000"/>
+                <a:satMod val="135000"/>
+              </a:schemeClr>
+              <a:prstClr val="white"/>
+            </a:duotone>
+            <a:extLst>
+              <a:ext uri="{BEBA8EAE-BF5A-486C-A8C5-ECC9F3942E4B}">
+                <a14:imgProps xmlns:a14="http://schemas.microsoft.com/office/drawing/2010/main">
+                  <a14:imgLayer r:embed="rId5">
+                    <a14:imgEffect>
+                      <a14:brightnessContrast bright="-98000" contrast="-1000"/>
+                    </a14:imgEffect>
+                  </a14:imgLayer>
+                </a14:imgProps>
+              </a:ext>
+              <a:ext uri="{28A0092B-C50C-407E-A947-70E740481C1C}">
+                <a14:useLocalDpi xmlns:a14="http://schemas.microsoft.com/office/drawing/2010/main" val="0"/>
+              </a:ext>
+            </a:extLst>
+          </a:blip>
+          <a:stretch>
+            <a:fillRect/>
+          </a:stretch>
         </p:blipFill>
         <p:spPr>
           <a:xfrm>
-            <a:off x="10791219" y="333507"/>
-            <a:ext cx="803882" cy="900014"/>
+            <a:off x="-1584" y="6357256"/>
+            <a:ext cx="500743" cy="500743"/>
           </a:xfrm>
           <a:prstGeom prst="rect">
             <a:avLst/>
           </a:prstGeom>
-          <a:ln>
-            <a:noFill/>
-          </a:ln>
-          <a:effectLst>
-            <a:softEdge rad="112500"/>
-          </a:effectLst>
-        </p:spPr>
-      </p:pic>
-      <p:pic>
-        <p:nvPicPr>
-          <p:cNvPr id="12" name="Immagine 11"/>
-          <p:cNvPicPr>
-            <a:picLocks noChangeAspect="1"/>
-          </p:cNvPicPr>
-          <p:nvPr/>
-        </p:nvPicPr>
-        <p:blipFill rotWithShape="1">
-          <a:blip r:embed="rId3"/>
-          <a:srcRect t="17786" b="13870"/>
-          <a:stretch/>
-        </p:blipFill>
-        <p:spPr>
-          <a:xfrm>
-            <a:off x="1024576" y="2242869"/>
-            <a:ext cx="10589996" cy="4069082"/>
-          </a:xfrm>
-          <a:prstGeom prst="rect">
-            <a:avLst/>
-          </a:prstGeom>
+          <a:noFill/>
         </p:spPr>
       </p:pic>
     </p:spTree>
     <p:extLst>
       <p:ext uri="{BB962C8B-B14F-4D97-AF65-F5344CB8AC3E}">
-        <p14:creationId xmlns:p14="http://schemas.microsoft.com/office/powerpoint/2010/main" val="4176035914"/>
+        <p14:creationId xmlns:p14="http://schemas.microsoft.com/office/powerpoint/2010/main" val="644962953"/>
       </p:ext>
     </p:extLst>
   </p:cSld>
@@ -9804,7 +10886,7 @@
           <a:lstStyle/>
           <a:p>
             <a:r>
-              <a:rPr lang="it-IT" sz="3400" b="1" dirty="0">
+              <a:rPr lang="it-IT" sz="3600" b="1" dirty="0">
                 <a:solidFill>
                   <a:srgbClr val="000000"/>
                 </a:solidFill>
@@ -9813,7 +10895,7 @@
               <a:t>L’elenco delle azioni </a:t>
             </a:r>
             <a:r>
-              <a:rPr lang="it-IT" sz="3400" b="1" dirty="0">
+              <a:rPr lang="it-IT" sz="3200" b="1" dirty="0">
                 <a:solidFill>
                   <a:srgbClr val="000000"/>
                 </a:solidFill>
@@ -9823,7 +10905,7 @@
               <a:t>•</a:t>
             </a:r>
             <a:r>
-              <a:rPr lang="it-IT" sz="3400" b="1" dirty="0">
+              <a:rPr lang="it-IT" sz="3600" b="1" dirty="0">
                 <a:solidFill>
                   <a:srgbClr val="000000"/>
                 </a:solidFill>
@@ -9832,15 +10914,15 @@
               <a:t> </a:t>
             </a:r>
             <a:r>
-              <a:rPr lang="it-IT" sz="3400" b="1" dirty="0" smtClean="0">
+              <a:rPr lang="it-IT" sz="3600" b="1" dirty="0" smtClean="0">
                 <a:solidFill>
                   <a:srgbClr val="000000"/>
                 </a:solidFill>
                 <a:latin typeface="Avenir LT Std 35 Light" panose="020B0402020203020204" pitchFamily="34" charset="0"/>
               </a:rPr>
-              <a:t>Rimozione del candidato</a:t>
-            </a:r>
-            <a:endParaRPr lang="it-IT" sz="3400" b="1" dirty="0">
+              <a:t>Modifica del candidato</a:t>
+            </a:r>
+            <a:endParaRPr lang="it-IT" sz="3600" b="1" dirty="0">
               <a:solidFill>
                 <a:srgbClr val="000000"/>
               </a:solidFill>
@@ -9875,13 +10957,31 @@
               <a:buNone/>
             </a:pPr>
             <a:r>
-              <a:rPr lang="it-IT" dirty="0" smtClean="0">
+              <a:rPr lang="it-IT" dirty="0">
                 <a:solidFill>
                   <a:srgbClr val="000000"/>
                 </a:solidFill>
                 <a:latin typeface="Avenir LT Std 35 Light" panose="020B0402020203020204" pitchFamily="34" charset="0"/>
               </a:rPr>
-              <a:t>Il pulsante consente di rimuovere il candidato dall’elenco. Verrà mostrato un messaggio di conferma. Sarà possibile, attraverso i filtri, visualizzare anche i candidati rimossi. </a:t>
+              <a:t>Il seguente bottone indirizza ad una pagina dalla quale è possibile poter modificare i valori del </a:t>
+            </a:r>
+            <a:r>
+              <a:rPr lang="it-IT">
+                <a:solidFill>
+                  <a:srgbClr val="000000"/>
+                </a:solidFill>
+                <a:latin typeface="Avenir LT Std 35 Light" panose="020B0402020203020204" pitchFamily="34" charset="0"/>
+              </a:rPr>
+              <a:t>candidato </a:t>
+            </a:r>
+            <a:r>
+              <a:rPr lang="it-IT" smtClean="0">
+                <a:solidFill>
+                  <a:srgbClr val="000000"/>
+                </a:solidFill>
+                <a:latin typeface="Avenir LT Std 35 Light" panose="020B0402020203020204" pitchFamily="34" charset="0"/>
+              </a:rPr>
+              <a:t>selezionato.</a:t>
             </a:r>
             <a:endParaRPr lang="it-IT" dirty="0">
               <a:solidFill>
@@ -10102,7 +11202,7 @@
       </p:sp>
       <p:pic>
         <p:nvPicPr>
-          <p:cNvPr id="7" name="Immagine 6"/>
+          <p:cNvPr id="11" name="Immagine 10"/>
           <p:cNvPicPr>
             <a:picLocks noChangeAspect="1"/>
           </p:cNvPicPr>
@@ -10110,13 +11210,13 @@
         </p:nvPicPr>
         <p:blipFill rotWithShape="1">
           <a:blip r:embed="rId2"/>
-          <a:srcRect l="83047" t="57409" r="14096" b="37078"/>
+          <a:srcRect l="80790" t="57409" r="16444" b="37078"/>
           <a:stretch/>
         </p:blipFill>
         <p:spPr>
           <a:xfrm>
-            <a:off x="10719893" y="310447"/>
-            <a:ext cx="829994" cy="900014"/>
+            <a:off x="10791219" y="333507"/>
+            <a:ext cx="803882" cy="900014"/>
           </a:xfrm>
           <a:prstGeom prst="rect">
             <a:avLst/>
@@ -10131,7 +11231,7 @@
       </p:pic>
       <p:pic>
         <p:nvPicPr>
-          <p:cNvPr id="8" name="Immagine 7"/>
+          <p:cNvPr id="12" name="Immagine 11"/>
           <p:cNvPicPr>
             <a:picLocks noChangeAspect="1"/>
           </p:cNvPicPr>
@@ -10139,23 +11239,70 @@
         </p:nvPicPr>
         <p:blipFill rotWithShape="1">
           <a:blip r:embed="rId3"/>
-          <a:srcRect l="31264" t="32247" r="32542" b="44506"/>
+          <a:srcRect t="17786" b="13870"/>
           <a:stretch/>
         </p:blipFill>
         <p:spPr>
           <a:xfrm>
-            <a:off x="2618204" y="2795054"/>
-            <a:ext cx="7328343" cy="2646357"/>
+            <a:off x="1024576" y="2242869"/>
+            <a:ext cx="10589996" cy="4069082"/>
           </a:xfrm>
           <a:prstGeom prst="rect">
             <a:avLst/>
           </a:prstGeom>
+        </p:spPr>
+      </p:pic>
+      <p:pic>
+        <p:nvPicPr>
+          <p:cNvPr id="7" name="Immagine 6"/>
+          <p:cNvPicPr>
+            <a:picLocks noChangeAspect="1"/>
+          </p:cNvPicPr>
+          <p:nvPr/>
+        </p:nvPicPr>
+        <p:blipFill>
+          <a:blip r:embed="rId4" cstate="print">
+            <a:duotone>
+              <a:schemeClr val="accent1">
+                <a:shade val="45000"/>
+                <a:satMod val="135000"/>
+              </a:schemeClr>
+              <a:prstClr val="white"/>
+            </a:duotone>
+            <a:extLst>
+              <a:ext uri="{BEBA8EAE-BF5A-486C-A8C5-ECC9F3942E4B}">
+                <a14:imgProps xmlns:a14="http://schemas.microsoft.com/office/drawing/2010/main">
+                  <a14:imgLayer r:embed="rId5">
+                    <a14:imgEffect>
+                      <a14:brightnessContrast bright="-98000" contrast="-1000"/>
+                    </a14:imgEffect>
+                  </a14:imgLayer>
+                </a14:imgProps>
+              </a:ext>
+              <a:ext uri="{28A0092B-C50C-407E-A947-70E740481C1C}">
+                <a14:useLocalDpi xmlns:a14="http://schemas.microsoft.com/office/drawing/2010/main" val="0"/>
+              </a:ext>
+            </a:extLst>
+          </a:blip>
+          <a:stretch>
+            <a:fillRect/>
+          </a:stretch>
+        </p:blipFill>
+        <p:spPr>
+          <a:xfrm>
+            <a:off x="-1584" y="6357256"/>
+            <a:ext cx="500743" cy="500743"/>
+          </a:xfrm>
+          <a:prstGeom prst="rect">
+            <a:avLst/>
+          </a:prstGeom>
+          <a:noFill/>
         </p:spPr>
       </p:pic>
     </p:spTree>
     <p:extLst>
       <p:ext uri="{BB962C8B-B14F-4D97-AF65-F5344CB8AC3E}">
-        <p14:creationId xmlns:p14="http://schemas.microsoft.com/office/powerpoint/2010/main" val="531481449"/>
+        <p14:creationId xmlns:p14="http://schemas.microsoft.com/office/powerpoint/2010/main" val="4176035914"/>
       </p:ext>
     </p:extLst>
   </p:cSld>
